--- a/presentation.pptx
+++ b/presentation.pptx
@@ -7,18 +7,6 @@
   <p:sldIdLst>
     <p:sldId id="256" r:id="rId7"/>
     <p:sldId id="257" r:id="rId8"/>
-    <p:sldId id="258" r:id="rId9"/>
-    <p:sldId id="259" r:id="rId10"/>
-    <p:sldId id="260" r:id="rId11"/>
-    <p:sldId id="261" r:id="rId12"/>
-    <p:sldId id="262" r:id="rId13"/>
-    <p:sldId id="263" r:id="rId14"/>
-    <p:sldId id="264" r:id="rId15"/>
-    <p:sldId id="265" r:id="rId16"/>
-    <p:sldId id="266" r:id="rId17"/>
-    <p:sldId id="267" r:id="rId18"/>
-    <p:sldId id="268" r:id="rId19"/>
-    <p:sldId id="269" r:id="rId20"/>
   </p:sldIdLst>
   <p:sldSz cx="9144000" cy="6858000" type="screen4x3"/>
   <p:notesSz cx="6858000" cy="9144000"/>
@@ -3128,7 +3116,7 @@
               <a:defRPr sz="3200" b="1"/>
             </a:pPr>
             <a:r>
-              <a:t>Introduction to Data Science with Python</a:t>
+              <a:t>Success Story Repository</a:t>
             </a:r>
           </a:p>
         </p:txBody>
@@ -3142,6 +3130,50 @@
         <p:spPr>
           <a:xfrm>
             <a:off x="457200" y="1371600"/>
+            <a:ext cx="8229600" cy="640080"/>
+          </a:xfrm>
+          <a:prstGeom prst="rect">
+            <a:avLst/>
+          </a:prstGeom>
+          <a:noFill/>
+        </p:spPr>
+        <p:txBody>
+          <a:bodyPr wrap="square" lIns="0" rIns="0" tIns="0" bIns="0">
+            <a:spAutoFit/>
+          </a:bodyPr>
+          <a:lstStyle/>
+          <a:p/>
+          <a:p>
+            <a:pPr>
+              <a:defRPr b="1" sz="1800">
+                <a:solidFill>
+                  <a:srgbClr val="FFC8C8"/>
+                </a:solidFill>
+              </a:defRPr>
+            </a:pPr>
+            <a:r>
+              <a:t>Story Title:</a:t>
+            </a:r>
+          </a:p>
+          <a:p>
+            <a:pPr>
+              <a:defRPr b="0" sz="1200"/>
+            </a:pPr>
+            <a:r>
+              <a:t>Global Supply Chain Optimization for XYZ Corp</a:t>
+            </a:r>
+          </a:p>
+        </p:txBody>
+      </p:sp>
+      <p:sp>
+        <p:nvSpPr>
+          <p:cNvPr id="4" name="TextBox 3"/>
+          <p:cNvSpPr txBox="1"/>
+          <p:nvPr/>
+        </p:nvSpPr>
+        <p:spPr>
+          <a:xfrm>
+            <a:off x="457200" y="2194560"/>
             <a:ext cx="8229600" cy="1024890"/>
           </a:xfrm>
           <a:prstGeom prst="rect">
@@ -3150,16 +3182,32 @@
           <a:noFill/>
         </p:spPr>
         <p:txBody>
-          <a:bodyPr wrap="none">
+          <a:bodyPr wrap="square" lIns="0" rIns="0" tIns="0" bIns="0">
             <a:spAutoFit/>
           </a:bodyPr>
           <a:lstStyle/>
           <a:p/>
+          <a:p>
+            <a:pPr>
+              <a:defRPr b="1" sz="1800"/>
+            </a:pPr>
+            <a:r>
+              <a:t>Client MCC:</a:t>
+            </a:r>
+          </a:p>
+          <a:p>
+            <a:pPr>
+              <a:defRPr b="0" sz="1200"/>
+            </a:pPr>
+            <a:r>
+              <a:t>XYZ Corporation - Manufacturing</a:t>
+            </a:r>
+          </a:p>
         </p:txBody>
       </p:sp>
       <p:pic>
         <p:nvPicPr>
-          <p:cNvPr id="4" name="Picture 3" descr="image.jpg"/>
+          <p:cNvPr id="5" name="Picture 4" descr="image.jpg"/>
           <p:cNvPicPr>
             <a:picLocks noChangeAspect="1"/>
           </p:cNvPicPr>
@@ -3173,7 +3221,7 @@
         </p:blipFill>
         <p:spPr>
           <a:xfrm>
-            <a:off x="457200" y="1371600"/>
+            <a:off x="4333875" y="3200400"/>
             <a:ext cx="476250" cy="476250"/>
           </a:xfrm>
           <a:prstGeom prst="rect">
@@ -3183,14 +3231,14 @@
       </p:pic>
       <p:sp>
         <p:nvSpPr>
-          <p:cNvPr id="5" name="TextBox 4"/>
+          <p:cNvPr id="6" name="TextBox 5"/>
           <p:cNvSpPr txBox="1"/>
           <p:nvPr/>
         </p:nvSpPr>
         <p:spPr>
           <a:xfrm>
-            <a:off x="457200" y="1939290"/>
-            <a:ext cx="476250" cy="274320"/>
+            <a:off x="457200" y="4042410"/>
+            <a:ext cx="8229600" cy="2011680"/>
           </a:xfrm>
           <a:prstGeom prst="rect">
             <a:avLst/>
@@ -3198,88 +3246,25 @@
           <a:noFill/>
         </p:spPr>
         <p:txBody>
-          <a:bodyPr wrap="none">
+          <a:bodyPr wrap="square" lIns="0" rIns="0" tIns="0" bIns="0">
             <a:spAutoFit/>
           </a:bodyPr>
           <a:lstStyle/>
           <a:p/>
           <a:p>
-            <a:pPr algn="ctr">
-              <a:defRPr i="1"/>
+            <a:pPr>
+              <a:defRPr b="1" sz="1800"/>
             </a:pPr>
             <a:r>
-              <a:t>Python Programming Language Logo</a:t>
-            </a:r>
-          </a:p>
-        </p:txBody>
-      </p:sp>
-      <p:sp>
-        <p:nvSpPr>
-          <p:cNvPr id="6" name="TextBox 5"/>
-          <p:cNvSpPr txBox="1"/>
-          <p:nvPr/>
-        </p:nvSpPr>
-        <p:spPr>
-          <a:xfrm>
-            <a:off x="457200" y="2670810"/>
-            <a:ext cx="8229600" cy="822960"/>
-          </a:xfrm>
-          <a:prstGeom prst="rect">
-            <a:avLst/>
-          </a:prstGeom>
-          <a:noFill/>
-        </p:spPr>
-        <p:txBody>
-          <a:bodyPr wrap="square">
-            <a:spAutoFit/>
-          </a:bodyPr>
-          <a:lstStyle/>
-          <a:p/>
-          <a:p>
-            <a:r>
-              <a:t>Python has become the leading language for data science and machine learning applications.</a:t>
-            </a:r>
-          </a:p>
-        </p:txBody>
-      </p:sp>
-      <p:sp>
-        <p:nvSpPr>
-          <p:cNvPr id="7" name="TextBox 6"/>
-          <p:cNvSpPr txBox="1"/>
-          <p:nvPr/>
-        </p:nvSpPr>
-        <p:spPr>
-          <a:xfrm>
-            <a:off x="457200" y="3768090"/>
-            <a:ext cx="8229600" cy="822960"/>
-          </a:xfrm>
-          <a:prstGeom prst="rect">
-            <a:avLst/>
-          </a:prstGeom>
-          <a:noFill/>
-        </p:spPr>
-        <p:txBody>
-          <a:bodyPr wrap="none">
-            <a:spAutoFit/>
-          </a:bodyPr>
-          <a:lstStyle/>
-          <a:p/>
-          <a:p>
-            <a:pPr lvl="1"/>
-            <a:r>
-              <a:t>• Easy to learn and use</a:t>
-            </a:r>
-          </a:p>
-          <a:p>
-            <a:pPr lvl="1"/>
-            <a:r>
-              <a:t>• Rich ecosystem of libraries</a:t>
-            </a:r>
-          </a:p>
-          <a:p>
-            <a:pPr lvl="1"/>
-            <a:r>
-              <a:t>• Strong community support</a:t>
+              <a:t>Executive Summary:</a:t>
+            </a:r>
+          </a:p>
+          <a:p>
+            <a:pPr>
+              <a:defRPr b="0" sz="1200"/>
+            </a:pPr>
+            <a:r>
+              <a:t>Helped XYZ Corporation transform their global supply chain operations through advanced AI and analytics, resulting in a comprehensive 27% reduction in overall costs. The multi-phase project began with a detailed assessment of their existing supply chain inefficiencies across 12 global markets, followed by implementation of custom predictive analytics models and machine learning algorithms.</a:t>
             </a:r>
           </a:p>
         </p:txBody>
@@ -3292,213 +3277,7 @@
 </p:sld>
 </file>
 
-<file path=ppt/slides/slide10.xml><?xml version="1.0" encoding="utf-8"?>
-<p:sld xmlns:a="http://schemas.openxmlformats.org/drawingml/2006/main" xmlns:p="http://schemas.openxmlformats.org/presentationml/2006/main" xmlns:r="http://schemas.openxmlformats.org/officeDocument/2006/relationships">
-  <p:cSld>
-    <p:spTree>
-      <p:nvGrpSpPr>
-        <p:cNvPr id="1" name=""/>
-        <p:cNvGrpSpPr/>
-        <p:nvPr/>
-      </p:nvGrpSpPr>
-      <p:grpSpPr/>
-      <p:sp>
-        <p:nvSpPr>
-          <p:cNvPr id="2" name="TextBox 1"/>
-          <p:cNvSpPr txBox="1"/>
-          <p:nvPr/>
-        </p:nvSpPr>
-        <p:spPr>
-          <a:xfrm>
-            <a:off x="457200" y="457200"/>
-            <a:ext cx="8229600" cy="914400"/>
-          </a:xfrm>
-          <a:prstGeom prst="rect">
-            <a:avLst/>
-          </a:prstGeom>
-          <a:noFill/>
-        </p:spPr>
-        <p:txBody>
-          <a:bodyPr wrap="none">
-            <a:spAutoFit/>
-          </a:bodyPr>
-          <a:lstStyle/>
-          <a:p/>
-          <a:p>
-            <a:pPr algn="ctr">
-              <a:defRPr sz="3200" b="1"/>
-            </a:pPr>
-            <a:r>
-              <a:t>Machine Learning Pipeline</a:t>
-            </a:r>
-          </a:p>
-        </p:txBody>
-      </p:sp>
-      <p:sp>
-        <p:nvSpPr>
-          <p:cNvPr id="3" name="TextBox 2"/>
-          <p:cNvSpPr txBox="1"/>
-          <p:nvPr/>
-        </p:nvSpPr>
-        <p:spPr>
-          <a:xfrm>
-            <a:off x="457200" y="1371600"/>
-            <a:ext cx="8229600" cy="1024890"/>
-          </a:xfrm>
-          <a:prstGeom prst="rect">
-            <a:avLst/>
-          </a:prstGeom>
-          <a:noFill/>
-        </p:spPr>
-        <p:txBody>
-          <a:bodyPr wrap="none">
-            <a:spAutoFit/>
-          </a:bodyPr>
-          <a:lstStyle/>
-          <a:p/>
-        </p:txBody>
-      </p:sp>
-      <p:pic>
-        <p:nvPicPr>
-          <p:cNvPr id="4" name="Picture 3" descr="image.jpg"/>
-          <p:cNvPicPr>
-            <a:picLocks noChangeAspect="1"/>
-          </p:cNvPicPr>
-          <p:nvPr/>
-        </p:nvPicPr>
-        <p:blipFill>
-          <a:blip r:embed="rId2"/>
-          <a:stretch>
-            <a:fillRect/>
-          </a:stretch>
-        </p:blipFill>
-        <p:spPr>
-          <a:xfrm>
-            <a:off x="457200" y="1371600"/>
-            <a:ext cx="476250" cy="476250"/>
-          </a:xfrm>
-          <a:prstGeom prst="rect">
-            <a:avLst/>
-          </a:prstGeom>
-        </p:spPr>
-      </p:pic>
-      <p:sp>
-        <p:nvSpPr>
-          <p:cNvPr id="5" name="TextBox 4"/>
-          <p:cNvSpPr txBox="1"/>
-          <p:nvPr/>
-        </p:nvSpPr>
-        <p:spPr>
-          <a:xfrm>
-            <a:off x="457200" y="2670810"/>
-            <a:ext cx="8229600" cy="1024890"/>
-          </a:xfrm>
-          <a:prstGeom prst="rect">
-            <a:avLst/>
-          </a:prstGeom>
-          <a:noFill/>
-        </p:spPr>
-        <p:txBody>
-          <a:bodyPr wrap="none">
-            <a:spAutoFit/>
-          </a:bodyPr>
-          <a:lstStyle/>
-          <a:p/>
-        </p:txBody>
-      </p:sp>
-      <p:pic>
-        <p:nvPicPr>
-          <p:cNvPr id="6" name="Picture 5" descr="image.jpg"/>
-          <p:cNvPicPr>
-            <a:picLocks noChangeAspect="1"/>
-          </p:cNvPicPr>
-          <p:nvPr/>
-        </p:nvPicPr>
-        <p:blipFill>
-          <a:blip r:embed="rId3"/>
-          <a:stretch>
-            <a:fillRect/>
-          </a:stretch>
-        </p:blipFill>
-        <p:spPr>
-          <a:xfrm>
-            <a:off x="457200" y="2670810"/>
-            <a:ext cx="476250" cy="476250"/>
-          </a:xfrm>
-          <a:prstGeom prst="rect">
-            <a:avLst/>
-          </a:prstGeom>
-        </p:spPr>
-      </p:pic>
-      <p:sp>
-        <p:nvSpPr>
-          <p:cNvPr id="7" name="TextBox 6"/>
-          <p:cNvSpPr txBox="1"/>
-          <p:nvPr/>
-        </p:nvSpPr>
-        <p:spPr>
-          <a:xfrm>
-            <a:off x="457200" y="3970020"/>
-            <a:ext cx="8229600" cy="1463040"/>
-          </a:xfrm>
-          <a:prstGeom prst="rect">
-            <a:avLst/>
-          </a:prstGeom>
-          <a:noFill/>
-        </p:spPr>
-        <p:txBody>
-          <a:bodyPr wrap="none">
-            <a:spAutoFit/>
-          </a:bodyPr>
-          <a:lstStyle/>
-          <a:p/>
-          <a:p>
-            <a:pPr lvl="1"/>
-            <a:r>
-              <a:t>1. Data Collection - Gathering relevant data from various sources</a:t>
-            </a:r>
-          </a:p>
-          <a:p>
-            <a:pPr lvl="1"/>
-            <a:r>
-              <a:t>2. Data Preprocessing - Cleaning and transforming raw data</a:t>
-            </a:r>
-          </a:p>
-          <a:p>
-            <a:pPr lvl="1"/>
-            <a:r>
-              <a:t>3. Feature Engineering - Creating meaningful features for models</a:t>
-            </a:r>
-          </a:p>
-          <a:p>
-            <a:pPr lvl="1"/>
-            <a:r>
-              <a:t>4. Model Training - Building and tuning ML algorithms</a:t>
-            </a:r>
-          </a:p>
-          <a:p>
-            <a:pPr lvl="1"/>
-            <a:r>
-              <a:t>5. Evaluation - Assessing model performance</a:t>
-            </a:r>
-          </a:p>
-          <a:p>
-            <a:pPr lvl="1"/>
-            <a:r>
-              <a:t>6. Deployment - Implementing the model in production</a:t>
-            </a:r>
-          </a:p>
-        </p:txBody>
-      </p:sp>
-    </p:spTree>
-  </p:cSld>
-  <p:clrMapOvr>
-    <a:masterClrMapping/>
-  </p:clrMapOvr>
-</p:sld>
-</file>
-
-<file path=ppt/slides/slide11.xml><?xml version="1.0" encoding="utf-8"?>
+<file path=ppt/slides/slide2.xml><?xml version="1.0" encoding="utf-8"?>
 <p:sld xmlns:a="http://schemas.openxmlformats.org/drawingml/2006/main" xmlns:p="http://schemas.openxmlformats.org/presentationml/2006/main" xmlns:r="http://schemas.openxmlformats.org/officeDocument/2006/relationships">
   <p:cSld>
     <p:spTree>
@@ -3534,27 +3313,27 @@
               <a:defRPr sz="2800" b="1"/>
             </a:pPr>
             <a:r>
-              <a:t>Slide 7</a:t>
-            </a:r>
-          </a:p>
-        </p:txBody>
-      </p:sp>
-      <p:sp>
-        <p:nvSpPr>
-          <p:cNvPr id="3" name="Rectangle 2"/>
+              <a:t>Slide 2</a:t>
+            </a:r>
+          </a:p>
+        </p:txBody>
+      </p:sp>
+      <p:sp>
+        <p:nvSpPr>
+          <p:cNvPr id="3" name="Rounded Rectangle 2"/>
           <p:cNvSpPr/>
           <p:nvPr/>
         </p:nvSpPr>
         <p:spPr>
           <a:xfrm>
             <a:off x="457200" y="1371600"/>
-            <a:ext cx="3657600" cy="5029200"/>
+            <a:ext cx="3657600" cy="1737360"/>
           </a:xfrm>
-          <a:prstGeom prst="rect">
+          <a:prstGeom prst="roundRect">
             <a:avLst/>
           </a:prstGeom>
           <a:solidFill>
-            <a:srgbClr val="F0F5FF"/>
+            <a:srgbClr val="DCDCDC"/>
           </a:solidFill>
           <a:ln>
             <a:solidFill>
@@ -3586,20 +3365,72 @@
       </p:sp>
       <p:sp>
         <p:nvSpPr>
-          <p:cNvPr id="4" name="Rectangle 3"/>
-          <p:cNvSpPr/>
+          <p:cNvPr id="4" name="TextBox 3"/>
+          <p:cNvSpPr txBox="1"/>
           <p:nvPr/>
         </p:nvSpPr>
         <p:spPr>
           <a:xfrm>
-            <a:off x="548640" y="1371600"/>
+            <a:off x="548640" y="1463040"/>
             <a:ext cx="3474720" cy="1554480"/>
           </a:xfrm>
           <a:prstGeom prst="rect">
             <a:avLst/>
           </a:prstGeom>
+          <a:noFill/>
+        </p:spPr>
+        <p:txBody>
+          <a:bodyPr wrap="square" tIns="0" bIns="0" lIns="0" rIns="0">
+            <a:spAutoFit/>
+          </a:bodyPr>
+          <a:lstStyle/>
+          <a:p/>
+          <a:p>
+            <a:pPr>
+              <a:spcBef>
+                <a:spcPts val="0"/>
+              </a:spcBef>
+              <a:spcAft>
+                <a:spcPts val="200"/>
+              </a:spcAft>
+              <a:defRPr b="1" sz="1400"/>
+            </a:pPr>
+            <a:r>
+              <a:t>Problem Statement:</a:t>
+            </a:r>
+          </a:p>
+          <a:p>
+            <a:pPr>
+              <a:spcBef>
+                <a:spcPts val="0"/>
+              </a:spcBef>
+              <a:spcAft>
+                <a:spcPts val="0"/>
+              </a:spcAft>
+              <a:defRPr b="0" sz="1200"/>
+            </a:pPr>
+            <a:r>
+              <a:t>XYZ Corporation was facing multiple critical challenges across their global supply chain operations:Rising operational costs: Transportation expenses had increased by 32% over two years due to fuel price volatility and inefficient routing.</a:t>
+            </a:r>
+          </a:p>
+        </p:txBody>
+      </p:sp>
+      <p:sp>
+        <p:nvSpPr>
+          <p:cNvPr id="5" name="Rounded Rectangle 4"/>
+          <p:cNvSpPr/>
+          <p:nvPr/>
+        </p:nvSpPr>
+        <p:spPr>
+          <a:xfrm>
+            <a:off x="457200" y="3383280"/>
+            <a:ext cx="3657600" cy="1280160"/>
+          </a:xfrm>
+          <a:prstGeom prst="roundRect">
+            <a:avLst/>
+          </a:prstGeom>
           <a:solidFill>
-            <a:srgbClr val="F0F0F0"/>
+            <a:srgbClr val="DCDCDC"/>
           </a:solidFill>
           <a:ln>
             <a:solidFill>
@@ -3631,14 +3462,14 @@
       </p:sp>
       <p:sp>
         <p:nvSpPr>
-          <p:cNvPr id="5" name="TextBox 4"/>
+          <p:cNvPr id="6" name="TextBox 5"/>
           <p:cNvSpPr txBox="1"/>
           <p:nvPr/>
         </p:nvSpPr>
         <p:spPr>
           <a:xfrm>
-            <a:off x="640080" y="1463040"/>
-            <a:ext cx="3291840" cy="1371600"/>
+            <a:off x="548640" y="3474720"/>
+            <a:ext cx="3474720" cy="1097280"/>
           </a:xfrm>
           <a:prstGeom prst="rect">
             <a:avLst/>
@@ -3646,36 +3477,57 @@
           <a:noFill/>
         </p:spPr>
         <p:txBody>
-          <a:bodyPr wrap="square">
+          <a:bodyPr wrap="square" tIns="0" bIns="0" lIns="0" rIns="0">
             <a:spAutoFit/>
           </a:bodyPr>
           <a:lstStyle/>
+          <a:p/>
           <a:p>
             <a:pPr>
-              <a:defRPr sz="1200"/>
+              <a:spcBef>
+                <a:spcPts val="0"/>
+              </a:spcBef>
+              <a:spcAft>
+                <a:spcPts val="200"/>
+              </a:spcAft>
+              <a:defRPr b="1" sz="1400"/>
             </a:pPr>
             <a:r>
-              <a:t>Infosys is a global leader in digital services and consulting, helping companies navigate their digital transformation. It offers a wide range of services, including digital transformation, consulting, and outsourcing. Founded in 1981, Infosys is headquartered in Bangalore, India.</a:t>
-            </a:r>
-          </a:p>
-        </p:txBody>
-      </p:sp>
-      <p:sp>
-        <p:nvSpPr>
-          <p:cNvPr id="6" name="Rectangle 5"/>
+              <a:t>Solution Provided:</a:t>
+            </a:r>
+          </a:p>
+          <a:p>
+            <a:pPr>
+              <a:spcBef>
+                <a:spcPts val="0"/>
+              </a:spcBef>
+              <a:spcAft>
+                <a:spcPts val="0"/>
+              </a:spcAft>
+              <a:defRPr b="0" sz="1200"/>
+            </a:pPr>
+            <a:r>
+              <a:t>We implemented a comprehensive, AI-driven supply chain transformation program named "SupplyIQ" with the following components:</a:t>
+            </a:r>
+          </a:p>
+        </p:txBody>
+      </p:sp>
+      <p:sp>
+        <p:nvSpPr>
+          <p:cNvPr id="7" name="Rounded Rectangle 6"/>
           <p:cNvSpPr/>
           <p:nvPr/>
         </p:nvSpPr>
         <p:spPr>
           <a:xfrm>
-            <a:off x="548640" y="3063240"/>
-            <a:ext cx="3474720" cy="1554480"/>
+            <a:off x="4572000" y="1371600"/>
+            <a:ext cx="3657600" cy="3539490"/>
           </a:xfrm>
-          <a:prstGeom prst="rect">
+          <a:prstGeom prst="roundRect">
             <a:avLst/>
           </a:prstGeom>
           <a:solidFill>
-            <a:srgbClr val="F0F0F0"/>
+            <a:srgbClr val="DCDCDC"/>
           </a:solidFill>
           <a:ln>
             <a:solidFill>
@@ -3707,14 +3559,14 @@
       </p:sp>
       <p:sp>
         <p:nvSpPr>
-          <p:cNvPr id="7" name="TextBox 6"/>
+          <p:cNvPr id="8" name="TextBox 7"/>
           <p:cNvSpPr txBox="1"/>
           <p:nvPr/>
         </p:nvSpPr>
         <p:spPr>
           <a:xfrm>
-            <a:off x="640080" y="3154680"/>
-            <a:ext cx="3291840" cy="1371600"/>
+            <a:off x="4663440" y="1463040"/>
+            <a:ext cx="3474720" cy="2057400"/>
           </a:xfrm>
           <a:prstGeom prst="rect">
             <a:avLst/>
@@ -3722,296 +3574,44 @@
           <a:noFill/>
         </p:spPr>
         <p:txBody>
-          <a:bodyPr wrap="square">
+          <a:bodyPr wrap="square" tIns="0" bIns="0" lIns="0" rIns="0">
             <a:spAutoFit/>
           </a:bodyPr>
           <a:lstStyle/>
+          <a:p/>
           <a:p>
             <a:pPr>
-              <a:defRPr sz="1200"/>
+              <a:spcBef>
+                <a:spcPts val="0"/>
+              </a:spcBef>
+              <a:spcAft>
+                <a:spcPts val="200"/>
+              </a:spcAft>
+              <a:defRPr b="1" sz="1400"/>
             </a:pPr>
             <a:r>
-              <a:t>Infosys is a global leader in digital services and consulting, helping companies navigate their digital transformation. It offers a wide range of services, including digital transformation, consulting, and outsourcing. Founded in 1981, Infosys is headquartered in Bangalore, India.</a:t>
-            </a:r>
-          </a:p>
-        </p:txBody>
-      </p:sp>
-      <p:sp>
-        <p:nvSpPr>
-          <p:cNvPr id="8" name="Rectangle 7"/>
-          <p:cNvSpPr/>
-          <p:nvPr/>
-        </p:nvSpPr>
-        <p:spPr>
-          <a:xfrm>
-            <a:off x="548640" y="4754880"/>
-            <a:ext cx="3474720" cy="731520"/>
-          </a:xfrm>
-          <a:prstGeom prst="rect">
-            <a:avLst/>
-          </a:prstGeom>
-          <a:solidFill>
-            <a:srgbClr val="F0F0F0"/>
-          </a:solidFill>
-          <a:ln>
-            <a:solidFill>
-              <a:srgbClr val="C8C8C8"/>
-            </a:solidFill>
-          </a:ln>
-        </p:spPr>
-        <p:style>
-          <a:lnRef idx="1">
-            <a:schemeClr val="accent1"/>
-          </a:lnRef>
-          <a:fillRef idx="3">
-            <a:schemeClr val="accent1"/>
-          </a:fillRef>
-          <a:effectRef idx="2">
-            <a:schemeClr val="accent1"/>
-          </a:effectRef>
-          <a:fontRef idx="minor">
-            <a:schemeClr val="lt1"/>
-          </a:fontRef>
-        </p:style>
-        <p:txBody>
-          <a:bodyPr rtlCol="0" anchor="ctr"/>
-          <a:lstStyle/>
-          <a:p>
-            <a:pPr algn="ctr"/>
-          </a:p>
-        </p:txBody>
-      </p:sp>
-      <p:sp>
-        <p:nvSpPr>
-          <p:cNvPr id="9" name="TextBox 8"/>
-          <p:cNvSpPr txBox="1"/>
-          <p:nvPr/>
-        </p:nvSpPr>
-        <p:spPr>
-          <a:xfrm>
-            <a:off x="640080" y="4846320"/>
-            <a:ext cx="3291840" cy="548640"/>
-          </a:xfrm>
-          <a:prstGeom prst="rect">
-            <a:avLst/>
-          </a:prstGeom>
-          <a:noFill/>
-        </p:spPr>
-        <p:txBody>
-          <a:bodyPr wrap="square">
-            <a:spAutoFit/>
-          </a:bodyPr>
-          <a:lstStyle/>
+              <a:t>Business Value Delivered:</a:t>
+            </a:r>
+          </a:p>
           <a:p>
             <a:pPr>
-              <a:defRPr sz="1200"/>
+              <a:spcBef>
+                <a:spcPts val="0"/>
+              </a:spcBef>
+              <a:spcAft>
+                <a:spcPts val="0"/>
+              </a:spcAft>
+              <a:defRPr b="0" sz="1200"/>
             </a:pPr>
             <a:r>
-              <a:t>Left Column - Row 3</a:t>
-            </a:r>
-          </a:p>
-        </p:txBody>
-      </p:sp>
-      <p:sp>
-        <p:nvSpPr>
-          <p:cNvPr id="10" name="Rectangle 9"/>
-          <p:cNvSpPr/>
-          <p:nvPr/>
-        </p:nvSpPr>
-        <p:spPr>
-          <a:xfrm>
-            <a:off x="4572000" y="1371600"/>
-            <a:ext cx="3657600" cy="5029200"/>
-          </a:xfrm>
-          <a:prstGeom prst="rect">
-            <a:avLst/>
-          </a:prstGeom>
-          <a:solidFill>
-            <a:srgbClr val="F0F5FF"/>
-          </a:solidFill>
-          <a:ln>
-            <a:solidFill>
-              <a:srgbClr val="C8C8C8"/>
-            </a:solidFill>
-          </a:ln>
-        </p:spPr>
-        <p:style>
-          <a:lnRef idx="1">
-            <a:schemeClr val="accent1"/>
-          </a:lnRef>
-          <a:fillRef idx="3">
-            <a:schemeClr val="accent1"/>
-          </a:fillRef>
-          <a:effectRef idx="2">
-            <a:schemeClr val="accent1"/>
-          </a:effectRef>
-          <a:fontRef idx="minor">
-            <a:schemeClr val="lt1"/>
-          </a:fontRef>
-        </p:style>
-        <p:txBody>
-          <a:bodyPr rtlCol="0" anchor="ctr"/>
-          <a:lstStyle/>
-          <a:p>
-            <a:pPr algn="ctr"/>
-          </a:p>
-        </p:txBody>
-      </p:sp>
-      <p:sp>
-        <p:nvSpPr>
-          <p:cNvPr id="11" name="Rectangle 10"/>
-          <p:cNvSpPr/>
-          <p:nvPr/>
-        </p:nvSpPr>
-        <p:spPr>
-          <a:xfrm>
-            <a:off x="4663440" y="1371600"/>
-            <a:ext cx="3474720" cy="731520"/>
-          </a:xfrm>
-          <a:prstGeom prst="rect">
-            <a:avLst/>
-          </a:prstGeom>
-          <a:solidFill>
-            <a:srgbClr val="F0F0F0"/>
-          </a:solidFill>
-          <a:ln>
-            <a:solidFill>
-              <a:srgbClr val="C8C8C8"/>
-            </a:solidFill>
-          </a:ln>
-        </p:spPr>
-        <p:style>
-          <a:lnRef idx="1">
-            <a:schemeClr val="accent1"/>
-          </a:lnRef>
-          <a:fillRef idx="3">
-            <a:schemeClr val="accent1"/>
-          </a:fillRef>
-          <a:effectRef idx="2">
-            <a:schemeClr val="accent1"/>
-          </a:effectRef>
-          <a:fontRef idx="minor">
-            <a:schemeClr val="lt1"/>
-          </a:fontRef>
-        </p:style>
-        <p:txBody>
-          <a:bodyPr rtlCol="0" anchor="ctr"/>
-          <a:lstStyle/>
-          <a:p>
-            <a:pPr algn="ctr"/>
-          </a:p>
-        </p:txBody>
-      </p:sp>
-      <p:sp>
-        <p:nvSpPr>
-          <p:cNvPr id="12" name="TextBox 11"/>
-          <p:cNvSpPr txBox="1"/>
-          <p:nvPr/>
-        </p:nvSpPr>
-        <p:spPr>
-          <a:xfrm>
-            <a:off x="4754880" y="1463040"/>
-            <a:ext cx="3291840" cy="548640"/>
-          </a:xfrm>
-          <a:prstGeom prst="rect">
-            <a:avLst/>
-          </a:prstGeom>
-          <a:noFill/>
-        </p:spPr>
-        <p:txBody>
-          <a:bodyPr wrap="square">
-            <a:spAutoFit/>
-          </a:bodyPr>
-          <a:lstStyle/>
-          <a:p>
-            <a:pPr>
-              <a:defRPr sz="1200"/>
-            </a:pPr>
-            <a:r>
-              <a:t>right column row one</a:t>
-            </a:r>
-          </a:p>
-        </p:txBody>
-      </p:sp>
-      <p:sp>
-        <p:nvSpPr>
-          <p:cNvPr id="13" name="Rectangle 12"/>
-          <p:cNvSpPr/>
-          <p:nvPr/>
-        </p:nvSpPr>
-        <p:spPr>
-          <a:xfrm>
-            <a:off x="4663440" y="2240280"/>
-            <a:ext cx="3474720" cy="1828800"/>
-          </a:xfrm>
-          <a:prstGeom prst="rect">
-            <a:avLst/>
-          </a:prstGeom>
-          <a:solidFill>
-            <a:srgbClr val="F0F0F0"/>
-          </a:solidFill>
-          <a:ln>
-            <a:solidFill>
-              <a:srgbClr val="C8C8C8"/>
-            </a:solidFill>
-          </a:ln>
-        </p:spPr>
-        <p:style>
-          <a:lnRef idx="1">
-            <a:schemeClr val="accent1"/>
-          </a:lnRef>
-          <a:fillRef idx="3">
-            <a:schemeClr val="accent1"/>
-          </a:fillRef>
-          <a:effectRef idx="2">
-            <a:schemeClr val="accent1"/>
-          </a:effectRef>
-          <a:fontRef idx="minor">
-            <a:schemeClr val="lt1"/>
-          </a:fontRef>
-        </p:style>
-        <p:txBody>
-          <a:bodyPr rtlCol="0" anchor="ctr"/>
-          <a:lstStyle/>
-          <a:p>
-            <a:pPr algn="ctr"/>
-          </a:p>
-        </p:txBody>
-      </p:sp>
-      <p:sp>
-        <p:nvSpPr>
-          <p:cNvPr id="14" name="TextBox 13"/>
-          <p:cNvSpPr txBox="1"/>
-          <p:nvPr/>
-        </p:nvSpPr>
-        <p:spPr>
-          <a:xfrm>
-            <a:off x="4754880" y="2331720"/>
-            <a:ext cx="3291840" cy="548640"/>
-          </a:xfrm>
-          <a:prstGeom prst="rect">
-            <a:avLst/>
-          </a:prstGeom>
-          <a:noFill/>
-        </p:spPr>
-        <p:txBody>
-          <a:bodyPr wrap="square">
-            <a:spAutoFit/>
-          </a:bodyPr>
-          <a:lstStyle/>
-          <a:p>
-            <a:pPr>
-              <a:defRPr sz="1200"/>
-            </a:pPr>
-            <a:r>
-              <a:t>right column row two</a:t>
+              <a:t>The SupplyIQ solution delivered significant, measurable business impact across multiple dimensions:The SupplyIQ solution delivered significant, measurable business impact across multiple dimensions:</a:t>
             </a:r>
           </a:p>
         </p:txBody>
       </p:sp>
       <p:pic>
         <p:nvPicPr>
-          <p:cNvPr id="15" name="Picture 14" descr="image.jpg"/>
+          <p:cNvPr id="9" name="Picture 8" descr="image.jpg"/>
           <p:cNvPicPr>
             <a:picLocks noChangeAspect="1"/>
           </p:cNvPicPr>
@@ -4025,2030 +3625,7 @@
         </p:blipFill>
         <p:spPr>
           <a:xfrm>
-            <a:off x="4754880" y="2926080"/>
-            <a:ext cx="1371600" cy="914400"/>
-          </a:xfrm>
-          <a:prstGeom prst="rect">
-            <a:avLst/>
-          </a:prstGeom>
-        </p:spPr>
-      </p:pic>
-      <p:sp>
-        <p:nvSpPr>
-          <p:cNvPr id="16" name="Rectangle 15"/>
-          <p:cNvSpPr/>
-          <p:nvPr/>
-        </p:nvSpPr>
-        <p:spPr>
-          <a:xfrm>
-            <a:off x="4663440" y="4206240"/>
-            <a:ext cx="3474720" cy="731520"/>
-          </a:xfrm>
-          <a:prstGeom prst="rect">
-            <a:avLst/>
-          </a:prstGeom>
-          <a:solidFill>
-            <a:srgbClr val="F0F0F0"/>
-          </a:solidFill>
-          <a:ln>
-            <a:solidFill>
-              <a:srgbClr val="C8C8C8"/>
-            </a:solidFill>
-          </a:ln>
-        </p:spPr>
-        <p:style>
-          <a:lnRef idx="1">
-            <a:schemeClr val="accent1"/>
-          </a:lnRef>
-          <a:fillRef idx="3">
-            <a:schemeClr val="accent1"/>
-          </a:fillRef>
-          <a:effectRef idx="2">
-            <a:schemeClr val="accent1"/>
-          </a:effectRef>
-          <a:fontRef idx="minor">
-            <a:schemeClr val="lt1"/>
-          </a:fontRef>
-        </p:style>
-        <p:txBody>
-          <a:bodyPr rtlCol="0" anchor="ctr"/>
-          <a:lstStyle/>
-          <a:p>
-            <a:pPr algn="ctr"/>
-          </a:p>
-        </p:txBody>
-      </p:sp>
-      <p:sp>
-        <p:nvSpPr>
-          <p:cNvPr id="17" name="TextBox 16"/>
-          <p:cNvSpPr txBox="1"/>
-          <p:nvPr/>
-        </p:nvSpPr>
-        <p:spPr>
-          <a:xfrm>
-            <a:off x="4754880" y="4297680"/>
-            <a:ext cx="3291840" cy="548640"/>
-          </a:xfrm>
-          <a:prstGeom prst="rect">
-            <a:avLst/>
-          </a:prstGeom>
-          <a:noFill/>
-        </p:spPr>
-        <p:txBody>
-          <a:bodyPr wrap="square">
-            <a:spAutoFit/>
-          </a:bodyPr>
-          <a:lstStyle/>
-          <a:p>
-            <a:pPr>
-              <a:defRPr sz="1200"/>
-            </a:pPr>
-            <a:r>
-              <a:t>Right Column - Row 3</a:t>
-            </a:r>
-          </a:p>
-        </p:txBody>
-      </p:sp>
-    </p:spTree>
-  </p:cSld>
-  <p:clrMapOvr>
-    <a:masterClrMapping/>
-  </p:clrMapOvr>
-</p:sld>
-</file>
-
-<file path=ppt/slides/slide12.xml><?xml version="1.0" encoding="utf-8"?>
-<p:sld xmlns:a="http://schemas.openxmlformats.org/drawingml/2006/main" xmlns:p="http://schemas.openxmlformats.org/presentationml/2006/main" xmlns:r="http://schemas.openxmlformats.org/officeDocument/2006/relationships">
-  <p:cSld>
-    <p:spTree>
-      <p:nvGrpSpPr>
-        <p:cNvPr id="1" name=""/>
-        <p:cNvGrpSpPr/>
-        <p:nvPr/>
-      </p:nvGrpSpPr>
-      <p:grpSpPr/>
-      <p:sp>
-        <p:nvSpPr>
-          <p:cNvPr id="2" name="TextBox 1"/>
-          <p:cNvSpPr txBox="1"/>
-          <p:nvPr/>
-        </p:nvSpPr>
-        <p:spPr>
-          <a:xfrm>
-            <a:off x="457200" y="274320"/>
-            <a:ext cx="8229600" cy="914400"/>
-          </a:xfrm>
-          <a:prstGeom prst="rect">
-            <a:avLst/>
-          </a:prstGeom>
-          <a:noFill/>
-        </p:spPr>
-        <p:txBody>
-          <a:bodyPr wrap="none">
-            <a:spAutoFit/>
-          </a:bodyPr>
-          <a:lstStyle/>
-          <a:p>
-            <a:pPr>
-              <a:defRPr sz="2800" b="1"/>
-            </a:pPr>
-            <a:r>
-              <a:t>Slide 8</a:t>
-            </a:r>
-          </a:p>
-        </p:txBody>
-      </p:sp>
-      <p:sp>
-        <p:nvSpPr>
-          <p:cNvPr id="3" name="Rectangle 2"/>
-          <p:cNvSpPr/>
-          <p:nvPr/>
-        </p:nvSpPr>
-        <p:spPr>
-          <a:xfrm>
-            <a:off x="457200" y="1371600"/>
-            <a:ext cx="3657600" cy="5029200"/>
-          </a:xfrm>
-          <a:prstGeom prst="rect">
-            <a:avLst/>
-          </a:prstGeom>
-          <a:solidFill>
-            <a:srgbClr val="F0F5FF"/>
-          </a:solidFill>
-          <a:ln>
-            <a:solidFill>
-              <a:srgbClr val="C8C8C8"/>
-            </a:solidFill>
-          </a:ln>
-        </p:spPr>
-        <p:style>
-          <a:lnRef idx="1">
-            <a:schemeClr val="accent1"/>
-          </a:lnRef>
-          <a:fillRef idx="3">
-            <a:schemeClr val="accent1"/>
-          </a:fillRef>
-          <a:effectRef idx="2">
-            <a:schemeClr val="accent1"/>
-          </a:effectRef>
-          <a:fontRef idx="minor">
-            <a:schemeClr val="lt1"/>
-          </a:fontRef>
-        </p:style>
-        <p:txBody>
-          <a:bodyPr rtlCol="0" anchor="ctr"/>
-          <a:lstStyle/>
-          <a:p>
-            <a:pPr algn="ctr"/>
-          </a:p>
-        </p:txBody>
-      </p:sp>
-      <p:sp>
-        <p:nvSpPr>
-          <p:cNvPr id="4" name="Rectangle 3"/>
-          <p:cNvSpPr/>
-          <p:nvPr/>
-        </p:nvSpPr>
-        <p:spPr>
-          <a:xfrm>
-            <a:off x="548640" y="1371600"/>
-            <a:ext cx="3474720" cy="1554480"/>
-          </a:xfrm>
-          <a:prstGeom prst="rect">
-            <a:avLst/>
-          </a:prstGeom>
-          <a:solidFill>
-            <a:srgbClr val="F0F0F0"/>
-          </a:solidFill>
-          <a:ln>
-            <a:solidFill>
-              <a:srgbClr val="C8C8C8"/>
-            </a:solidFill>
-          </a:ln>
-        </p:spPr>
-        <p:style>
-          <a:lnRef idx="1">
-            <a:schemeClr val="accent1"/>
-          </a:lnRef>
-          <a:fillRef idx="3">
-            <a:schemeClr val="accent1"/>
-          </a:fillRef>
-          <a:effectRef idx="2">
-            <a:schemeClr val="accent1"/>
-          </a:effectRef>
-          <a:fontRef idx="minor">
-            <a:schemeClr val="lt1"/>
-          </a:fontRef>
-        </p:style>
-        <p:txBody>
-          <a:bodyPr rtlCol="0" anchor="ctr"/>
-          <a:lstStyle/>
-          <a:p>
-            <a:pPr algn="ctr"/>
-          </a:p>
-        </p:txBody>
-      </p:sp>
-      <p:sp>
-        <p:nvSpPr>
-          <p:cNvPr id="5" name="TextBox 4"/>
-          <p:cNvSpPr txBox="1"/>
-          <p:nvPr/>
-        </p:nvSpPr>
-        <p:spPr>
-          <a:xfrm>
-            <a:off x="640080" y="1463040"/>
-            <a:ext cx="3291840" cy="1371600"/>
-          </a:xfrm>
-          <a:prstGeom prst="rect">
-            <a:avLst/>
-          </a:prstGeom>
-          <a:noFill/>
-        </p:spPr>
-        <p:txBody>
-          <a:bodyPr wrap="square">
-            <a:spAutoFit/>
-          </a:bodyPr>
-          <a:lstStyle/>
-          <a:p>
-            <a:pPr>
-              <a:defRPr sz="1200"/>
-            </a:pPr>
-            <a:r>
-              <a:t>Infosys is a global leader in digital services and consulting, helping companies navigate their digital transformation. It offers a wide range of services, including digital transformation, consulting, and outsourcing. Founded in 1981, Infosys is headquartered in Bangalore, India.</a:t>
-            </a:r>
-          </a:p>
-        </p:txBody>
-      </p:sp>
-      <p:sp>
-        <p:nvSpPr>
-          <p:cNvPr id="6" name="Rectangle 5"/>
-          <p:cNvSpPr/>
-          <p:nvPr/>
-        </p:nvSpPr>
-        <p:spPr>
-          <a:xfrm>
-            <a:off x="548640" y="3063240"/>
-            <a:ext cx="3474720" cy="731520"/>
-          </a:xfrm>
-          <a:prstGeom prst="rect">
-            <a:avLst/>
-          </a:prstGeom>
-          <a:solidFill>
-            <a:srgbClr val="F0F0F0"/>
-          </a:solidFill>
-          <a:ln>
-            <a:solidFill>
-              <a:srgbClr val="C8C8C8"/>
-            </a:solidFill>
-          </a:ln>
-        </p:spPr>
-        <p:style>
-          <a:lnRef idx="1">
-            <a:schemeClr val="accent1"/>
-          </a:lnRef>
-          <a:fillRef idx="3">
-            <a:schemeClr val="accent1"/>
-          </a:fillRef>
-          <a:effectRef idx="2">
-            <a:schemeClr val="accent1"/>
-          </a:effectRef>
-          <a:fontRef idx="minor">
-            <a:schemeClr val="lt1"/>
-          </a:fontRef>
-        </p:style>
-        <p:txBody>
-          <a:bodyPr rtlCol="0" anchor="ctr"/>
-          <a:lstStyle/>
-          <a:p>
-            <a:pPr algn="ctr"/>
-          </a:p>
-        </p:txBody>
-      </p:sp>
-      <p:sp>
-        <p:nvSpPr>
-          <p:cNvPr id="7" name="TextBox 6"/>
-          <p:cNvSpPr txBox="1"/>
-          <p:nvPr/>
-        </p:nvSpPr>
-        <p:spPr>
-          <a:xfrm>
-            <a:off x="640080" y="3154680"/>
-            <a:ext cx="3291840" cy="548640"/>
-          </a:xfrm>
-          <a:prstGeom prst="rect">
-            <a:avLst/>
-          </a:prstGeom>
-          <a:noFill/>
-        </p:spPr>
-        <p:txBody>
-          <a:bodyPr wrap="square">
-            <a:spAutoFit/>
-          </a:bodyPr>
-          <a:lstStyle/>
-          <a:p>
-            <a:pPr>
-              <a:defRPr sz="1200"/>
-            </a:pPr>
-            <a:r>
-              <a:t>Left Column - Row 2</a:t>
-            </a:r>
-          </a:p>
-        </p:txBody>
-      </p:sp>
-      <p:sp>
-        <p:nvSpPr>
-          <p:cNvPr id="8" name="Rectangle 7"/>
-          <p:cNvSpPr/>
-          <p:nvPr/>
-        </p:nvSpPr>
-        <p:spPr>
-          <a:xfrm>
-            <a:off x="548640" y="3931920"/>
-            <a:ext cx="3474720" cy="731520"/>
-          </a:xfrm>
-          <a:prstGeom prst="rect">
-            <a:avLst/>
-          </a:prstGeom>
-          <a:solidFill>
-            <a:srgbClr val="F0F0F0"/>
-          </a:solidFill>
-          <a:ln>
-            <a:solidFill>
-              <a:srgbClr val="C8C8C8"/>
-            </a:solidFill>
-          </a:ln>
-        </p:spPr>
-        <p:style>
-          <a:lnRef idx="1">
-            <a:schemeClr val="accent1"/>
-          </a:lnRef>
-          <a:fillRef idx="3">
-            <a:schemeClr val="accent1"/>
-          </a:fillRef>
-          <a:effectRef idx="2">
-            <a:schemeClr val="accent1"/>
-          </a:effectRef>
-          <a:fontRef idx="minor">
-            <a:schemeClr val="lt1"/>
-          </a:fontRef>
-        </p:style>
-        <p:txBody>
-          <a:bodyPr rtlCol="0" anchor="ctr"/>
-          <a:lstStyle/>
-          <a:p>
-            <a:pPr algn="ctr"/>
-          </a:p>
-        </p:txBody>
-      </p:sp>
-      <p:sp>
-        <p:nvSpPr>
-          <p:cNvPr id="9" name="TextBox 8"/>
-          <p:cNvSpPr txBox="1"/>
-          <p:nvPr/>
-        </p:nvSpPr>
-        <p:spPr>
-          <a:xfrm>
-            <a:off x="640080" y="4023360"/>
-            <a:ext cx="3291840" cy="548640"/>
-          </a:xfrm>
-          <a:prstGeom prst="rect">
-            <a:avLst/>
-          </a:prstGeom>
-          <a:noFill/>
-        </p:spPr>
-        <p:txBody>
-          <a:bodyPr wrap="square">
-            <a:spAutoFit/>
-          </a:bodyPr>
-          <a:lstStyle/>
-          <a:p>
-            <a:pPr>
-              <a:defRPr sz="1200"/>
-            </a:pPr>
-            <a:r>
-              <a:t>Left Column - Row 3</a:t>
-            </a:r>
-          </a:p>
-        </p:txBody>
-      </p:sp>
-      <p:sp>
-        <p:nvSpPr>
-          <p:cNvPr id="10" name="Rectangle 9"/>
-          <p:cNvSpPr/>
-          <p:nvPr/>
-        </p:nvSpPr>
-        <p:spPr>
-          <a:xfrm>
-            <a:off x="548640" y="4800600"/>
-            <a:ext cx="3474720" cy="731520"/>
-          </a:xfrm>
-          <a:prstGeom prst="rect">
-            <a:avLst/>
-          </a:prstGeom>
-          <a:solidFill>
-            <a:srgbClr val="F0F0F0"/>
-          </a:solidFill>
-          <a:ln>
-            <a:solidFill>
-              <a:srgbClr val="C8C8C8"/>
-            </a:solidFill>
-          </a:ln>
-        </p:spPr>
-        <p:style>
-          <a:lnRef idx="1">
-            <a:schemeClr val="accent1"/>
-          </a:lnRef>
-          <a:fillRef idx="3">
-            <a:schemeClr val="accent1"/>
-          </a:fillRef>
-          <a:effectRef idx="2">
-            <a:schemeClr val="accent1"/>
-          </a:effectRef>
-          <a:fontRef idx="minor">
-            <a:schemeClr val="lt1"/>
-          </a:fontRef>
-        </p:style>
-        <p:txBody>
-          <a:bodyPr rtlCol="0" anchor="ctr"/>
-          <a:lstStyle/>
-          <a:p>
-            <a:pPr algn="ctr"/>
-          </a:p>
-        </p:txBody>
-      </p:sp>
-      <p:sp>
-        <p:nvSpPr>
-          <p:cNvPr id="11" name="TextBox 10"/>
-          <p:cNvSpPr txBox="1"/>
-          <p:nvPr/>
-        </p:nvSpPr>
-        <p:spPr>
-          <a:xfrm>
-            <a:off x="640080" y="4892040"/>
-            <a:ext cx="3291840" cy="548640"/>
-          </a:xfrm>
-          <a:prstGeom prst="rect">
-            <a:avLst/>
-          </a:prstGeom>
-          <a:noFill/>
-        </p:spPr>
-        <p:txBody>
-          <a:bodyPr wrap="square">
-            <a:spAutoFit/>
-          </a:bodyPr>
-          <a:lstStyle/>
-          <a:p>
-            <a:pPr>
-              <a:defRPr sz="1200"/>
-            </a:pPr>
-            <a:r>
-              <a:t>Left Column - Row 4</a:t>
-            </a:r>
-          </a:p>
-        </p:txBody>
-      </p:sp>
-      <p:sp>
-        <p:nvSpPr>
-          <p:cNvPr id="12" name="Rectangle 11"/>
-          <p:cNvSpPr/>
-          <p:nvPr/>
-        </p:nvSpPr>
-        <p:spPr>
-          <a:xfrm>
-            <a:off x="4572000" y="1371600"/>
-            <a:ext cx="3657600" cy="5029200"/>
-          </a:xfrm>
-          <a:prstGeom prst="rect">
-            <a:avLst/>
-          </a:prstGeom>
-          <a:solidFill>
-            <a:srgbClr val="F0F5FF"/>
-          </a:solidFill>
-          <a:ln>
-            <a:solidFill>
-              <a:srgbClr val="C8C8C8"/>
-            </a:solidFill>
-          </a:ln>
-        </p:spPr>
-        <p:style>
-          <a:lnRef idx="1">
-            <a:schemeClr val="accent1"/>
-          </a:lnRef>
-          <a:fillRef idx="3">
-            <a:schemeClr val="accent1"/>
-          </a:fillRef>
-          <a:effectRef idx="2">
-            <a:schemeClr val="accent1"/>
-          </a:effectRef>
-          <a:fontRef idx="minor">
-            <a:schemeClr val="lt1"/>
-          </a:fontRef>
-        </p:style>
-        <p:txBody>
-          <a:bodyPr rtlCol="0" anchor="ctr"/>
-          <a:lstStyle/>
-          <a:p>
-            <a:pPr algn="ctr"/>
-          </a:p>
-        </p:txBody>
-      </p:sp>
-      <p:sp>
-        <p:nvSpPr>
-          <p:cNvPr id="13" name="Rectangle 12"/>
-          <p:cNvSpPr/>
-          <p:nvPr/>
-        </p:nvSpPr>
-        <p:spPr>
-          <a:xfrm>
-            <a:off x="4663440" y="1371600"/>
-            <a:ext cx="3474720" cy="731520"/>
-          </a:xfrm>
-          <a:prstGeom prst="rect">
-            <a:avLst/>
-          </a:prstGeom>
-          <a:solidFill>
-            <a:srgbClr val="F0F0F0"/>
-          </a:solidFill>
-          <a:ln>
-            <a:solidFill>
-              <a:srgbClr val="C8C8C8"/>
-            </a:solidFill>
-          </a:ln>
-        </p:spPr>
-        <p:style>
-          <a:lnRef idx="1">
-            <a:schemeClr val="accent1"/>
-          </a:lnRef>
-          <a:fillRef idx="3">
-            <a:schemeClr val="accent1"/>
-          </a:fillRef>
-          <a:effectRef idx="2">
-            <a:schemeClr val="accent1"/>
-          </a:effectRef>
-          <a:fontRef idx="minor">
-            <a:schemeClr val="lt1"/>
-          </a:fontRef>
-        </p:style>
-        <p:txBody>
-          <a:bodyPr rtlCol="0" anchor="ctr"/>
-          <a:lstStyle/>
-          <a:p>
-            <a:pPr algn="ctr"/>
-          </a:p>
-        </p:txBody>
-      </p:sp>
-      <p:sp>
-        <p:nvSpPr>
-          <p:cNvPr id="14" name="TextBox 13"/>
-          <p:cNvSpPr txBox="1"/>
-          <p:nvPr/>
-        </p:nvSpPr>
-        <p:spPr>
-          <a:xfrm>
-            <a:off x="4754880" y="1463040"/>
-            <a:ext cx="3291840" cy="548640"/>
-          </a:xfrm>
-          <a:prstGeom prst="rect">
-            <a:avLst/>
-          </a:prstGeom>
-          <a:noFill/>
-        </p:spPr>
-        <p:txBody>
-          <a:bodyPr wrap="square">
-            <a:spAutoFit/>
-          </a:bodyPr>
-          <a:lstStyle/>
-          <a:p>
-            <a:pPr>
-              <a:defRPr sz="1200"/>
-            </a:pPr>
-            <a:r>
-              <a:t>Right Column - Row 1</a:t>
-            </a:r>
-          </a:p>
-        </p:txBody>
-      </p:sp>
-      <p:sp>
-        <p:nvSpPr>
-          <p:cNvPr id="15" name="Rectangle 14"/>
-          <p:cNvSpPr/>
-          <p:nvPr/>
-        </p:nvSpPr>
-        <p:spPr>
-          <a:xfrm>
-            <a:off x="4663440" y="2240280"/>
-            <a:ext cx="3474720" cy="731520"/>
-          </a:xfrm>
-          <a:prstGeom prst="rect">
-            <a:avLst/>
-          </a:prstGeom>
-          <a:solidFill>
-            <a:srgbClr val="F0F0F0"/>
-          </a:solidFill>
-          <a:ln>
-            <a:solidFill>
-              <a:srgbClr val="C8C8C8"/>
-            </a:solidFill>
-          </a:ln>
-        </p:spPr>
-        <p:style>
-          <a:lnRef idx="1">
-            <a:schemeClr val="accent1"/>
-          </a:lnRef>
-          <a:fillRef idx="3">
-            <a:schemeClr val="accent1"/>
-          </a:fillRef>
-          <a:effectRef idx="2">
-            <a:schemeClr val="accent1"/>
-          </a:effectRef>
-          <a:fontRef idx="minor">
-            <a:schemeClr val="lt1"/>
-          </a:fontRef>
-        </p:style>
-        <p:txBody>
-          <a:bodyPr rtlCol="0" anchor="ctr"/>
-          <a:lstStyle/>
-          <a:p>
-            <a:pPr algn="ctr"/>
-          </a:p>
-        </p:txBody>
-      </p:sp>
-      <p:sp>
-        <p:nvSpPr>
-          <p:cNvPr id="16" name="TextBox 15"/>
-          <p:cNvSpPr txBox="1"/>
-          <p:nvPr/>
-        </p:nvSpPr>
-        <p:spPr>
-          <a:xfrm>
-            <a:off x="4754880" y="2331720"/>
-            <a:ext cx="3291840" cy="548640"/>
-          </a:xfrm>
-          <a:prstGeom prst="rect">
-            <a:avLst/>
-          </a:prstGeom>
-          <a:noFill/>
-        </p:spPr>
-        <p:txBody>
-          <a:bodyPr wrap="square">
-            <a:spAutoFit/>
-          </a:bodyPr>
-          <a:lstStyle/>
-          <a:p>
-            <a:pPr>
-              <a:defRPr sz="1200"/>
-            </a:pPr>
-            <a:r>
-              <a:t>Right Column - Row 2</a:t>
-            </a:r>
-          </a:p>
-        </p:txBody>
-      </p:sp>
-    </p:spTree>
-  </p:cSld>
-  <p:clrMapOvr>
-    <a:masterClrMapping/>
-  </p:clrMapOvr>
-</p:sld>
-</file>
-
-<file path=ppt/slides/slide13.xml><?xml version="1.0" encoding="utf-8"?>
-<p:sld xmlns:a="http://schemas.openxmlformats.org/drawingml/2006/main" xmlns:p="http://schemas.openxmlformats.org/presentationml/2006/main" xmlns:r="http://schemas.openxmlformats.org/officeDocument/2006/relationships">
-  <p:cSld>
-    <p:spTree>
-      <p:nvGrpSpPr>
-        <p:cNvPr id="1" name=""/>
-        <p:cNvGrpSpPr/>
-        <p:nvPr/>
-      </p:nvGrpSpPr>
-      <p:grpSpPr/>
-      <p:sp>
-        <p:nvSpPr>
-          <p:cNvPr id="2" name="TextBox 1"/>
-          <p:cNvSpPr txBox="1"/>
-          <p:nvPr/>
-        </p:nvSpPr>
-        <p:spPr>
-          <a:xfrm>
-            <a:off x="457200" y="274320"/>
-            <a:ext cx="8229600" cy="914400"/>
-          </a:xfrm>
-          <a:prstGeom prst="rect">
-            <a:avLst/>
-          </a:prstGeom>
-          <a:noFill/>
-        </p:spPr>
-        <p:txBody>
-          <a:bodyPr wrap="none">
-            <a:spAutoFit/>
-          </a:bodyPr>
-          <a:lstStyle/>
-          <a:p>
-            <a:pPr>
-              <a:defRPr sz="2800" b="1"/>
-            </a:pPr>
-            <a:r>
-              <a:t>Exceptions and KPIs:</a:t>
-            </a:r>
-          </a:p>
-        </p:txBody>
-      </p:sp>
-      <p:sp>
-        <p:nvSpPr>
-          <p:cNvPr id="3" name="Rectangle 2"/>
-          <p:cNvSpPr/>
-          <p:nvPr/>
-        </p:nvSpPr>
-        <p:spPr>
-          <a:xfrm>
-            <a:off x="457200" y="1371600"/>
-            <a:ext cx="3657600" cy="5029200"/>
-          </a:xfrm>
-          <a:prstGeom prst="rect">
-            <a:avLst/>
-          </a:prstGeom>
-          <a:solidFill>
-            <a:srgbClr val="F0F5FF"/>
-          </a:solidFill>
-          <a:ln>
-            <a:solidFill>
-              <a:srgbClr val="C8C8C8"/>
-            </a:solidFill>
-          </a:ln>
-        </p:spPr>
-        <p:style>
-          <a:lnRef idx="1">
-            <a:schemeClr val="accent1"/>
-          </a:lnRef>
-          <a:fillRef idx="3">
-            <a:schemeClr val="accent1"/>
-          </a:fillRef>
-          <a:effectRef idx="2">
-            <a:schemeClr val="accent1"/>
-          </a:effectRef>
-          <a:fontRef idx="minor">
-            <a:schemeClr val="lt1"/>
-          </a:fontRef>
-        </p:style>
-        <p:txBody>
-          <a:bodyPr rtlCol="0" anchor="ctr"/>
-          <a:lstStyle/>
-          <a:p>
-            <a:pPr algn="ctr"/>
-          </a:p>
-        </p:txBody>
-      </p:sp>
-      <p:sp>
-        <p:nvSpPr>
-          <p:cNvPr id="4" name="Rectangle 3"/>
-          <p:cNvSpPr/>
-          <p:nvPr/>
-        </p:nvSpPr>
-        <p:spPr>
-          <a:xfrm>
-            <a:off x="548640" y="1371600"/>
-            <a:ext cx="3474720" cy="731520"/>
-          </a:xfrm>
-          <a:prstGeom prst="rect">
-            <a:avLst/>
-          </a:prstGeom>
-          <a:solidFill>
-            <a:srgbClr val="F0F0F0"/>
-          </a:solidFill>
-          <a:ln>
-            <a:solidFill>
-              <a:srgbClr val="C8C8C8"/>
-            </a:solidFill>
-          </a:ln>
-        </p:spPr>
-        <p:style>
-          <a:lnRef idx="1">
-            <a:schemeClr val="accent1"/>
-          </a:lnRef>
-          <a:fillRef idx="3">
-            <a:schemeClr val="accent1"/>
-          </a:fillRef>
-          <a:effectRef idx="2">
-            <a:schemeClr val="accent1"/>
-          </a:effectRef>
-          <a:fontRef idx="minor">
-            <a:schemeClr val="lt1"/>
-          </a:fontRef>
-        </p:style>
-        <p:txBody>
-          <a:bodyPr rtlCol="0" anchor="ctr"/>
-          <a:lstStyle/>
-          <a:p>
-            <a:pPr algn="ctr"/>
-          </a:p>
-        </p:txBody>
-      </p:sp>
-      <p:sp>
-        <p:nvSpPr>
-          <p:cNvPr id="5" name="TextBox 4"/>
-          <p:cNvSpPr txBox="1"/>
-          <p:nvPr/>
-        </p:nvSpPr>
-        <p:spPr>
-          <a:xfrm>
-            <a:off x="640080" y="1463040"/>
-            <a:ext cx="3291840" cy="548640"/>
-          </a:xfrm>
-          <a:prstGeom prst="rect">
-            <a:avLst/>
-          </a:prstGeom>
-          <a:noFill/>
-        </p:spPr>
-        <p:txBody>
-          <a:bodyPr wrap="square">
-            <a:spAutoFit/>
-          </a:bodyPr>
-          <a:lstStyle/>
-          <a:p>
-            <a:pPr>
-              <a:defRPr sz="1200"/>
-            </a:pPr>
-            <a:r>
-              <a:t>Left Column - Row 1</a:t>
-            </a:r>
-          </a:p>
-        </p:txBody>
-      </p:sp>
-      <p:sp>
-        <p:nvSpPr>
-          <p:cNvPr id="6" name="Rectangle 5"/>
-          <p:cNvSpPr/>
-          <p:nvPr/>
-        </p:nvSpPr>
-        <p:spPr>
-          <a:xfrm>
-            <a:off x="548640" y="2240280"/>
-            <a:ext cx="3474720" cy="731520"/>
-          </a:xfrm>
-          <a:prstGeom prst="rect">
-            <a:avLst/>
-          </a:prstGeom>
-          <a:solidFill>
-            <a:srgbClr val="F0F0F0"/>
-          </a:solidFill>
-          <a:ln>
-            <a:solidFill>
-              <a:srgbClr val="C8C8C8"/>
-            </a:solidFill>
-          </a:ln>
-        </p:spPr>
-        <p:style>
-          <a:lnRef idx="1">
-            <a:schemeClr val="accent1"/>
-          </a:lnRef>
-          <a:fillRef idx="3">
-            <a:schemeClr val="accent1"/>
-          </a:fillRef>
-          <a:effectRef idx="2">
-            <a:schemeClr val="accent1"/>
-          </a:effectRef>
-          <a:fontRef idx="minor">
-            <a:schemeClr val="lt1"/>
-          </a:fontRef>
-        </p:style>
-        <p:txBody>
-          <a:bodyPr rtlCol="0" anchor="ctr"/>
-          <a:lstStyle/>
-          <a:p>
-            <a:pPr algn="ctr"/>
-          </a:p>
-        </p:txBody>
-      </p:sp>
-      <p:sp>
-        <p:nvSpPr>
-          <p:cNvPr id="7" name="TextBox 6"/>
-          <p:cNvSpPr txBox="1"/>
-          <p:nvPr/>
-        </p:nvSpPr>
-        <p:spPr>
-          <a:xfrm>
-            <a:off x="640080" y="2331720"/>
-            <a:ext cx="3291840" cy="548640"/>
-          </a:xfrm>
-          <a:prstGeom prst="rect">
-            <a:avLst/>
-          </a:prstGeom>
-          <a:noFill/>
-        </p:spPr>
-        <p:txBody>
-          <a:bodyPr wrap="square">
-            <a:spAutoFit/>
-          </a:bodyPr>
-          <a:lstStyle/>
-          <a:p>
-            <a:pPr>
-              <a:defRPr sz="1200"/>
-            </a:pPr>
-            <a:r>
-              <a:t>Left Column - Row 2</a:t>
-            </a:r>
-          </a:p>
-        </p:txBody>
-      </p:sp>
-      <p:sp>
-        <p:nvSpPr>
-          <p:cNvPr id="8" name="Rectangle 7"/>
-          <p:cNvSpPr/>
-          <p:nvPr/>
-        </p:nvSpPr>
-        <p:spPr>
-          <a:xfrm>
-            <a:off x="4572000" y="1371600"/>
-            <a:ext cx="3657600" cy="5029200"/>
-          </a:xfrm>
-          <a:prstGeom prst="rect">
-            <a:avLst/>
-          </a:prstGeom>
-          <a:solidFill>
-            <a:srgbClr val="F0F5FF"/>
-          </a:solidFill>
-          <a:ln>
-            <a:solidFill>
-              <a:srgbClr val="C8C8C8"/>
-            </a:solidFill>
-          </a:ln>
-        </p:spPr>
-        <p:style>
-          <a:lnRef idx="1">
-            <a:schemeClr val="accent1"/>
-          </a:lnRef>
-          <a:fillRef idx="3">
-            <a:schemeClr val="accent1"/>
-          </a:fillRef>
-          <a:effectRef idx="2">
-            <a:schemeClr val="accent1"/>
-          </a:effectRef>
-          <a:fontRef idx="minor">
-            <a:schemeClr val="lt1"/>
-          </a:fontRef>
-        </p:style>
-        <p:txBody>
-          <a:bodyPr rtlCol="0" anchor="ctr"/>
-          <a:lstStyle/>
-          <a:p>
-            <a:pPr algn="ctr"/>
-          </a:p>
-        </p:txBody>
-      </p:sp>
-      <p:sp>
-        <p:nvSpPr>
-          <p:cNvPr id="9" name="Rectangle 8"/>
-          <p:cNvSpPr/>
-          <p:nvPr/>
-        </p:nvSpPr>
-        <p:spPr>
-          <a:xfrm>
-            <a:off x="4663440" y="1371600"/>
-            <a:ext cx="3474720" cy="731520"/>
-          </a:xfrm>
-          <a:prstGeom prst="rect">
-            <a:avLst/>
-          </a:prstGeom>
-          <a:solidFill>
-            <a:srgbClr val="F0F0F0"/>
-          </a:solidFill>
-          <a:ln>
-            <a:solidFill>
-              <a:srgbClr val="C8C8C8"/>
-            </a:solidFill>
-          </a:ln>
-        </p:spPr>
-        <p:style>
-          <a:lnRef idx="1">
-            <a:schemeClr val="accent1"/>
-          </a:lnRef>
-          <a:fillRef idx="3">
-            <a:schemeClr val="accent1"/>
-          </a:fillRef>
-          <a:effectRef idx="2">
-            <a:schemeClr val="accent1"/>
-          </a:effectRef>
-          <a:fontRef idx="minor">
-            <a:schemeClr val="lt1"/>
-          </a:fontRef>
-        </p:style>
-        <p:txBody>
-          <a:bodyPr rtlCol="0" anchor="ctr"/>
-          <a:lstStyle/>
-          <a:p>
-            <a:pPr algn="ctr"/>
-          </a:p>
-        </p:txBody>
-      </p:sp>
-      <p:sp>
-        <p:nvSpPr>
-          <p:cNvPr id="10" name="TextBox 9"/>
-          <p:cNvSpPr txBox="1"/>
-          <p:nvPr/>
-        </p:nvSpPr>
-        <p:spPr>
-          <a:xfrm>
-            <a:off x="4754880" y="1463040"/>
-            <a:ext cx="3291840" cy="548640"/>
-          </a:xfrm>
-          <a:prstGeom prst="rect">
-            <a:avLst/>
-          </a:prstGeom>
-          <a:noFill/>
-        </p:spPr>
-        <p:txBody>
-          <a:bodyPr wrap="square">
-            <a:spAutoFit/>
-          </a:bodyPr>
-          <a:lstStyle/>
-          <a:p>
-            <a:pPr>
-              <a:defRPr sz="1200"/>
-            </a:pPr>
-            <a:r>
-              <a:t>Right Column - Row 1</a:t>
-            </a:r>
-          </a:p>
-        </p:txBody>
-      </p:sp>
-      <p:sp>
-        <p:nvSpPr>
-          <p:cNvPr id="11" name="Rectangle 10"/>
-          <p:cNvSpPr/>
-          <p:nvPr/>
-        </p:nvSpPr>
-        <p:spPr>
-          <a:xfrm>
-            <a:off x="4663440" y="2240280"/>
-            <a:ext cx="3474720" cy="731520"/>
-          </a:xfrm>
-          <a:prstGeom prst="rect">
-            <a:avLst/>
-          </a:prstGeom>
-          <a:solidFill>
-            <a:srgbClr val="F0F0F0"/>
-          </a:solidFill>
-          <a:ln>
-            <a:solidFill>
-              <a:srgbClr val="C8C8C8"/>
-            </a:solidFill>
-          </a:ln>
-        </p:spPr>
-        <p:style>
-          <a:lnRef idx="1">
-            <a:schemeClr val="accent1"/>
-          </a:lnRef>
-          <a:fillRef idx="3">
-            <a:schemeClr val="accent1"/>
-          </a:fillRef>
-          <a:effectRef idx="2">
-            <a:schemeClr val="accent1"/>
-          </a:effectRef>
-          <a:fontRef idx="minor">
-            <a:schemeClr val="lt1"/>
-          </a:fontRef>
-        </p:style>
-        <p:txBody>
-          <a:bodyPr rtlCol="0" anchor="ctr"/>
-          <a:lstStyle/>
-          <a:p>
-            <a:pPr algn="ctr"/>
-          </a:p>
-        </p:txBody>
-      </p:sp>
-      <p:sp>
-        <p:nvSpPr>
-          <p:cNvPr id="12" name="TextBox 11"/>
-          <p:cNvSpPr txBox="1"/>
-          <p:nvPr/>
-        </p:nvSpPr>
-        <p:spPr>
-          <a:xfrm>
-            <a:off x="4754880" y="2331720"/>
-            <a:ext cx="3291840" cy="548640"/>
-          </a:xfrm>
-          <a:prstGeom prst="rect">
-            <a:avLst/>
-          </a:prstGeom>
-          <a:noFill/>
-        </p:spPr>
-        <p:txBody>
-          <a:bodyPr wrap="square">
-            <a:spAutoFit/>
-          </a:bodyPr>
-          <a:lstStyle/>
-          <a:p>
-            <a:pPr>
-              <a:defRPr sz="1200"/>
-            </a:pPr>
-            <a:r>
-              <a:t>Right Column - Row 2</a:t>
-            </a:r>
-          </a:p>
-        </p:txBody>
-      </p:sp>
-      <p:sp>
-        <p:nvSpPr>
-          <p:cNvPr id="13" name="Rectangle 12"/>
-          <p:cNvSpPr/>
-          <p:nvPr/>
-        </p:nvSpPr>
-        <p:spPr>
-          <a:xfrm>
-            <a:off x="4663440" y="3108960"/>
-            <a:ext cx="3474720" cy="731520"/>
-          </a:xfrm>
-          <a:prstGeom prst="rect">
-            <a:avLst/>
-          </a:prstGeom>
-          <a:solidFill>
-            <a:srgbClr val="F0F0F0"/>
-          </a:solidFill>
-          <a:ln>
-            <a:solidFill>
-              <a:srgbClr val="C8C8C8"/>
-            </a:solidFill>
-          </a:ln>
-        </p:spPr>
-        <p:style>
-          <a:lnRef idx="1">
-            <a:schemeClr val="accent1"/>
-          </a:lnRef>
-          <a:fillRef idx="3">
-            <a:schemeClr val="accent1"/>
-          </a:fillRef>
-          <a:effectRef idx="2">
-            <a:schemeClr val="accent1"/>
-          </a:effectRef>
-          <a:fontRef idx="minor">
-            <a:schemeClr val="lt1"/>
-          </a:fontRef>
-        </p:style>
-        <p:txBody>
-          <a:bodyPr rtlCol="0" anchor="ctr"/>
-          <a:lstStyle/>
-          <a:p>
-            <a:pPr algn="ctr"/>
-          </a:p>
-        </p:txBody>
-      </p:sp>
-      <p:sp>
-        <p:nvSpPr>
-          <p:cNvPr id="14" name="TextBox 13"/>
-          <p:cNvSpPr txBox="1"/>
-          <p:nvPr/>
-        </p:nvSpPr>
-        <p:spPr>
-          <a:xfrm>
-            <a:off x="4754880" y="3200400"/>
-            <a:ext cx="3291840" cy="548640"/>
-          </a:xfrm>
-          <a:prstGeom prst="rect">
-            <a:avLst/>
-          </a:prstGeom>
-          <a:noFill/>
-        </p:spPr>
-        <p:txBody>
-          <a:bodyPr wrap="square">
-            <a:spAutoFit/>
-          </a:bodyPr>
-          <a:lstStyle/>
-          <a:p>
-            <a:pPr>
-              <a:defRPr sz="1200"/>
-            </a:pPr>
-            <a:r>
-              <a:t>Exceptions and KPIs: hey hi....how are you...</a:t>
-            </a:r>
-          </a:p>
-        </p:txBody>
-      </p:sp>
-      <p:sp>
-        <p:nvSpPr>
-          <p:cNvPr id="15" name="Rectangle 14"/>
-          <p:cNvSpPr/>
-          <p:nvPr/>
-        </p:nvSpPr>
-        <p:spPr>
-          <a:xfrm>
-            <a:off x="4663440" y="3977640"/>
-            <a:ext cx="3474720" cy="731520"/>
-          </a:xfrm>
-          <a:prstGeom prst="rect">
-            <a:avLst/>
-          </a:prstGeom>
-          <a:solidFill>
-            <a:srgbClr val="F0F0F0"/>
-          </a:solidFill>
-          <a:ln>
-            <a:solidFill>
-              <a:srgbClr val="C8C8C8"/>
-            </a:solidFill>
-          </a:ln>
-        </p:spPr>
-        <p:style>
-          <a:lnRef idx="1">
-            <a:schemeClr val="accent1"/>
-          </a:lnRef>
-          <a:fillRef idx="3">
-            <a:schemeClr val="accent1"/>
-          </a:fillRef>
-          <a:effectRef idx="2">
-            <a:schemeClr val="accent1"/>
-          </a:effectRef>
-          <a:fontRef idx="minor">
-            <a:schemeClr val="lt1"/>
-          </a:fontRef>
-        </p:style>
-        <p:txBody>
-          <a:bodyPr rtlCol="0" anchor="ctr"/>
-          <a:lstStyle/>
-          <a:p>
-            <a:pPr algn="ctr"/>
-          </a:p>
-        </p:txBody>
-      </p:sp>
-      <p:sp>
-        <p:nvSpPr>
-          <p:cNvPr id="16" name="TextBox 15"/>
-          <p:cNvSpPr txBox="1"/>
-          <p:nvPr/>
-        </p:nvSpPr>
-        <p:spPr>
-          <a:xfrm>
-            <a:off x="4754880" y="4069080"/>
-            <a:ext cx="3291840" cy="548640"/>
-          </a:xfrm>
-          <a:prstGeom prst="rect">
-            <a:avLst/>
-          </a:prstGeom>
-          <a:noFill/>
-        </p:spPr>
-        <p:txBody>
-          <a:bodyPr wrap="square">
-            <a:spAutoFit/>
-          </a:bodyPr>
-          <a:lstStyle/>
-          <a:p>
-            <a:pPr>
-              <a:defRPr sz="1200"/>
-            </a:pPr>
-            <a:r>
-              <a:t>Right Column - Row 4</a:t>
-            </a:r>
-          </a:p>
-        </p:txBody>
-      </p:sp>
-      <p:sp>
-        <p:nvSpPr>
-          <p:cNvPr id="17" name="Rectangle 16"/>
-          <p:cNvSpPr/>
-          <p:nvPr/>
-        </p:nvSpPr>
-        <p:spPr>
-          <a:xfrm>
-            <a:off x="4663440" y="4846320"/>
-            <a:ext cx="3474720" cy="731520"/>
-          </a:xfrm>
-          <a:prstGeom prst="rect">
-            <a:avLst/>
-          </a:prstGeom>
-          <a:solidFill>
-            <a:srgbClr val="F0F0F0"/>
-          </a:solidFill>
-          <a:ln>
-            <a:solidFill>
-              <a:srgbClr val="C8C8C8"/>
-            </a:solidFill>
-          </a:ln>
-        </p:spPr>
-        <p:style>
-          <a:lnRef idx="1">
-            <a:schemeClr val="accent1"/>
-          </a:lnRef>
-          <a:fillRef idx="3">
-            <a:schemeClr val="accent1"/>
-          </a:fillRef>
-          <a:effectRef idx="2">
-            <a:schemeClr val="accent1"/>
-          </a:effectRef>
-          <a:fontRef idx="minor">
-            <a:schemeClr val="lt1"/>
-          </a:fontRef>
-        </p:style>
-        <p:txBody>
-          <a:bodyPr rtlCol="0" anchor="ctr"/>
-          <a:lstStyle/>
-          <a:p>
-            <a:pPr algn="ctr"/>
-          </a:p>
-        </p:txBody>
-      </p:sp>
-      <p:sp>
-        <p:nvSpPr>
-          <p:cNvPr id="18" name="TextBox 17"/>
-          <p:cNvSpPr txBox="1"/>
-          <p:nvPr/>
-        </p:nvSpPr>
-        <p:spPr>
-          <a:xfrm>
-            <a:off x="4754880" y="4937760"/>
-            <a:ext cx="3291840" cy="548640"/>
-          </a:xfrm>
-          <a:prstGeom prst="rect">
-            <a:avLst/>
-          </a:prstGeom>
-          <a:noFill/>
-        </p:spPr>
-        <p:txBody>
-          <a:bodyPr wrap="square">
-            <a:spAutoFit/>
-          </a:bodyPr>
-          <a:lstStyle/>
-          <a:p>
-            <a:pPr>
-              <a:defRPr sz="1200"/>
-            </a:pPr>
-            <a:r>
-              <a:t>Right Column - Row 5</a:t>
-            </a:r>
-          </a:p>
-        </p:txBody>
-      </p:sp>
-    </p:spTree>
-  </p:cSld>
-  <p:clrMapOvr>
-    <a:masterClrMapping/>
-  </p:clrMapOvr>
-</p:sld>
-</file>
-
-<file path=ppt/slides/slide14.xml><?xml version="1.0" encoding="utf-8"?>
-<p:sld xmlns:a="http://schemas.openxmlformats.org/drawingml/2006/main" xmlns:p="http://schemas.openxmlformats.org/presentationml/2006/main" xmlns:r="http://schemas.openxmlformats.org/officeDocument/2006/relationships">
-  <p:cSld>
-    <p:spTree>
-      <p:nvGrpSpPr>
-        <p:cNvPr id="1" name=""/>
-        <p:cNvGrpSpPr/>
-        <p:nvPr/>
-      </p:nvGrpSpPr>
-      <p:grpSpPr/>
-      <p:sp>
-        <p:nvSpPr>
-          <p:cNvPr id="2" name="TextBox 1"/>
-          <p:cNvSpPr txBox="1"/>
-          <p:nvPr/>
-        </p:nvSpPr>
-        <p:spPr>
-          <a:xfrm>
-            <a:off x="457200" y="457200"/>
-            <a:ext cx="8229600" cy="914400"/>
-          </a:xfrm>
-          <a:prstGeom prst="rect">
-            <a:avLst/>
-          </a:prstGeom>
-          <a:noFill/>
-        </p:spPr>
-        <p:txBody>
-          <a:bodyPr wrap="none">
-            <a:spAutoFit/>
-          </a:bodyPr>
-          <a:lstStyle/>
-          <a:p/>
-          <a:p>
-            <a:pPr algn="ctr">
-              <a:defRPr sz="3200" b="1"/>
-            </a:pPr>
-            <a:r>
-              <a:t>Q&amp;A Session</a:t>
-            </a:r>
-          </a:p>
-        </p:txBody>
-      </p:sp>
-      <p:sp>
-        <p:nvSpPr>
-          <p:cNvPr id="3" name="TextBox 2"/>
-          <p:cNvSpPr txBox="1"/>
-          <p:nvPr/>
-        </p:nvSpPr>
-        <p:spPr>
-          <a:xfrm>
-            <a:off x="457200" y="1371600"/>
-            <a:ext cx="8229600" cy="1024890"/>
-          </a:xfrm>
-          <a:prstGeom prst="rect">
-            <a:avLst/>
-          </a:prstGeom>
-          <a:noFill/>
-        </p:spPr>
-        <p:txBody>
-          <a:bodyPr wrap="none">
-            <a:spAutoFit/>
-          </a:bodyPr>
-          <a:lstStyle/>
-          <a:p/>
-        </p:txBody>
-      </p:sp>
-      <p:pic>
-        <p:nvPicPr>
-          <p:cNvPr id="4" name="Picture 3" descr="image.jpg"/>
-          <p:cNvPicPr>
-            <a:picLocks noChangeAspect="1"/>
-          </p:cNvPicPr>
-          <p:nvPr/>
-        </p:nvPicPr>
-        <p:blipFill>
-          <a:blip r:embed="rId2"/>
-          <a:stretch>
-            <a:fillRect/>
-          </a:stretch>
-        </p:blipFill>
-        <p:spPr>
-          <a:xfrm>
-            <a:off x="457200" y="1371600"/>
-            <a:ext cx="952500" cy="476250"/>
-          </a:xfrm>
-          <a:prstGeom prst="rect">
-            <a:avLst/>
-          </a:prstGeom>
-        </p:spPr>
-      </p:pic>
-      <p:sp>
-        <p:nvSpPr>
-          <p:cNvPr id="5" name="TextBox 4"/>
-          <p:cNvSpPr txBox="1"/>
-          <p:nvPr/>
-        </p:nvSpPr>
-        <p:spPr>
-          <a:xfrm>
-            <a:off x="457200" y="2670810"/>
-            <a:ext cx="8229600" cy="1024890"/>
-          </a:xfrm>
-          <a:prstGeom prst="rect">
-            <a:avLst/>
-          </a:prstGeom>
-          <a:noFill/>
-        </p:spPr>
-        <p:txBody>
-          <a:bodyPr wrap="none">
-            <a:spAutoFit/>
-          </a:bodyPr>
-          <a:lstStyle/>
-          <a:p/>
-        </p:txBody>
-      </p:sp>
-      <p:pic>
-        <p:nvPicPr>
-          <p:cNvPr id="6" name="Picture 5" descr="image.jpg"/>
-          <p:cNvPicPr>
-            <a:picLocks noChangeAspect="1"/>
-          </p:cNvPicPr>
-          <p:nvPr/>
-        </p:nvPicPr>
-        <p:blipFill>
-          <a:blip r:embed="rId3"/>
-          <a:stretch>
-            <a:fillRect/>
-          </a:stretch>
-        </p:blipFill>
-        <p:spPr>
-          <a:xfrm>
-            <a:off x="457200" y="2670810"/>
-            <a:ext cx="952500" cy="476250"/>
-          </a:xfrm>
-          <a:prstGeom prst="rect">
-            <a:avLst/>
-          </a:prstGeom>
-        </p:spPr>
-      </p:pic>
-      <p:sp>
-        <p:nvSpPr>
-          <p:cNvPr id="7" name="TextBox 6"/>
-          <p:cNvSpPr txBox="1"/>
-          <p:nvPr/>
-        </p:nvSpPr>
-        <p:spPr>
-          <a:xfrm>
-            <a:off x="457200" y="3970020"/>
-            <a:ext cx="8229600" cy="731520"/>
-          </a:xfrm>
-          <a:prstGeom prst="rect">
-            <a:avLst/>
-          </a:prstGeom>
-          <a:noFill/>
-        </p:spPr>
-        <p:txBody>
-          <a:bodyPr wrap="square">
-            <a:spAutoFit/>
-          </a:bodyPr>
-          <a:lstStyle/>
-          <a:p/>
-          <a:p>
-            <a:r>
-              <a:t>Contact Information</a:t>
-            </a:r>
-            <a:br/>
-            <a:r>
-              <a:t>Email: presenter@example.com</a:t>
-            </a:r>
-            <a:br/>
-            <a:r>
-              <a:t>Twitter: @datascientist</a:t>
-            </a:r>
-            <a:br/>
-            <a:r>
-              <a:t>GitHub: github.com/datascientist</a:t>
-            </a:r>
-          </a:p>
-        </p:txBody>
-      </p:sp>
-      <p:sp>
-        <p:nvSpPr>
-          <p:cNvPr id="8" name="TextBox 7"/>
-          <p:cNvSpPr txBox="1"/>
-          <p:nvPr/>
-        </p:nvSpPr>
-        <p:spPr>
-          <a:xfrm>
-            <a:off x="457200" y="4975860"/>
-            <a:ext cx="8229600" cy="731520"/>
-          </a:xfrm>
-          <a:prstGeom prst="rect">
-            <a:avLst/>
-          </a:prstGeom>
-          <a:noFill/>
-        </p:spPr>
-        <p:txBody>
-          <a:bodyPr wrap="square">
-            <a:spAutoFit/>
-          </a:bodyPr>
-          <a:lstStyle/>
-          <a:p/>
-          <a:p>
-            <a:r>
-              <a:t>Download slides and code examples: example.com/resources</a:t>
-            </a:r>
-          </a:p>
-        </p:txBody>
-      </p:sp>
-    </p:spTree>
-  </p:cSld>
-  <p:clrMapOvr>
-    <a:masterClrMapping/>
-  </p:clrMapOvr>
-</p:sld>
-</file>
-
-<file path=ppt/slides/slide2.xml><?xml version="1.0" encoding="utf-8"?>
-<p:sld xmlns:a="http://schemas.openxmlformats.org/drawingml/2006/main" xmlns:p="http://schemas.openxmlformats.org/presentationml/2006/main" xmlns:r="http://schemas.openxmlformats.org/officeDocument/2006/relationships">
-  <p:cSld>
-    <p:spTree>
-      <p:nvGrpSpPr>
-        <p:cNvPr id="1" name=""/>
-        <p:cNvGrpSpPr/>
-        <p:nvPr/>
-      </p:nvGrpSpPr>
-      <p:grpSpPr/>
-      <p:sp>
-        <p:nvSpPr>
-          <p:cNvPr id="2" name="TextBox 1"/>
-          <p:cNvSpPr txBox="1"/>
-          <p:nvPr/>
-        </p:nvSpPr>
-        <p:spPr>
-          <a:xfrm>
-            <a:off x="457200" y="457200"/>
-            <a:ext cx="8229600" cy="914400"/>
-          </a:xfrm>
-          <a:prstGeom prst="rect">
-            <a:avLst/>
-          </a:prstGeom>
-          <a:noFill/>
-        </p:spPr>
-        <p:txBody>
-          <a:bodyPr wrap="none">
-            <a:spAutoFit/>
-          </a:bodyPr>
-          <a:lstStyle/>
-          <a:p/>
-          <a:p>
-            <a:pPr algn="ctr">
-              <a:defRPr sz="3200" b="1"/>
-            </a:pPr>
-            <a:r>
-              <a:t>To check the coverage of the content to next slides</a:t>
-            </a:r>
-          </a:p>
-        </p:txBody>
-      </p:sp>
-      <p:sp>
-        <p:nvSpPr>
-          <p:cNvPr id="3" name="TextBox 2"/>
-          <p:cNvSpPr txBox="1"/>
-          <p:nvPr/>
-        </p:nvSpPr>
-        <p:spPr>
-          <a:xfrm>
-            <a:off x="457200" y="1371600"/>
-            <a:ext cx="8229600" cy="4572000"/>
-          </a:xfrm>
-          <a:prstGeom prst="rect">
-            <a:avLst/>
-          </a:prstGeom>
-          <a:noFill/>
-        </p:spPr>
-        <p:txBody>
-          <a:bodyPr wrap="square">
-            <a:spAutoFit/>
-          </a:bodyPr>
-          <a:lstStyle/>
-          <a:p/>
-          <a:p>
-            <a:r>
-              <a:t>To check the coverage of the content to next slides</a:t>
-            </a:r>
-            <a:br/>
-            <a:r>
-              <a:t>Infosys is a global leader in next-generation digital services and consulting. We enable clients in more than 55 countries to navigate their digital transformation.Infosys is a global leader in next-generation digital services and consulting. We enable clients in more than 55 countries to navigate their digital transformation.Infosys is a global leader in next-generation digital services and consulting. We enable clients in more than 55 countries to navigate their digital transformation.Infosys is a global leader in next-generation digital services and consulting. We enable clients in more than 55 countries to navigate their digital transformation.Infosys is a global leader in next-generation digital services and consulting.</a:t>
-            </a:r>
-          </a:p>
-        </p:txBody>
-      </p:sp>
-    </p:spTree>
-  </p:cSld>
-  <p:clrMapOvr>
-    <a:masterClrMapping/>
-  </p:clrMapOvr>
-</p:sld>
-</file>
-
-<file path=ppt/slides/slide3.xml><?xml version="1.0" encoding="utf-8"?>
-<p:sld xmlns:a="http://schemas.openxmlformats.org/drawingml/2006/main" xmlns:p="http://schemas.openxmlformats.org/presentationml/2006/main" xmlns:r="http://schemas.openxmlformats.org/officeDocument/2006/relationships">
-  <p:cSld>
-    <p:spTree>
-      <p:nvGrpSpPr>
-        <p:cNvPr id="1" name=""/>
-        <p:cNvGrpSpPr/>
-        <p:nvPr/>
-      </p:nvGrpSpPr>
-      <p:grpSpPr/>
-      <p:sp>
-        <p:nvSpPr>
-          <p:cNvPr id="2" name="TextBox 1"/>
-          <p:cNvSpPr txBox="1"/>
-          <p:nvPr/>
-        </p:nvSpPr>
-        <p:spPr>
-          <a:xfrm>
-            <a:off x="457200" y="457200"/>
-            <a:ext cx="8229600" cy="731520"/>
-          </a:xfrm>
-          <a:prstGeom prst="rect">
-            <a:avLst/>
-          </a:prstGeom>
-          <a:noFill/>
-        </p:spPr>
-        <p:txBody>
-          <a:bodyPr wrap="none">
-            <a:spAutoFit/>
-          </a:bodyPr>
-          <a:lstStyle/>
-          <a:p/>
-          <a:p>
-            <a:pPr>
-              <a:defRPr i="1" b="1" sz="1800"/>
-            </a:pPr>
-            <a:r>
-              <a:t>Continued from Slide 2</a:t>
-            </a:r>
-          </a:p>
-        </p:txBody>
-      </p:sp>
-      <p:sp>
-        <p:nvSpPr>
-          <p:cNvPr id="3" name="TextBox 2"/>
-          <p:cNvSpPr txBox="1"/>
-          <p:nvPr/>
-        </p:nvSpPr>
-        <p:spPr>
-          <a:xfrm>
-            <a:off x="457200" y="1371600"/>
-            <a:ext cx="8229600" cy="5029200"/>
-          </a:xfrm>
-          <a:prstGeom prst="rect">
-            <a:avLst/>
-          </a:prstGeom>
-          <a:noFill/>
-        </p:spPr>
-        <p:txBody>
-          <a:bodyPr wrap="square">
-            <a:spAutoFit/>
-          </a:bodyPr>
-          <a:lstStyle/>
-          <a:p/>
-          <a:p>
-            <a:r>
-              <a:t>We enable clients in more than 55 countries to navigate their digital transformation.Infosys is a global leader in next-generation digital services and consulting. We enable clients in more than 55 countries to navigate their digital transformation.Infosys is a global leader in next-generation digital services and consulting. We enable clients in more than 55 countries to navigate their digital transformation.Infosys is a global leader in next-generation digital services and consulting. We enable clients in more than 55 countries to navigate their digital transformation.Infosys is a global leader in next-generation digital services and consulting.</a:t>
-            </a:r>
-          </a:p>
-        </p:txBody>
-      </p:sp>
-    </p:spTree>
-  </p:cSld>
-  <p:clrMapOvr>
-    <a:masterClrMapping/>
-  </p:clrMapOvr>
-</p:sld>
-</file>
-
-<file path=ppt/slides/slide4.xml><?xml version="1.0" encoding="utf-8"?>
-<p:sld xmlns:a="http://schemas.openxmlformats.org/drawingml/2006/main" xmlns:p="http://schemas.openxmlformats.org/presentationml/2006/main" xmlns:r="http://schemas.openxmlformats.org/officeDocument/2006/relationships">
-  <p:cSld>
-    <p:spTree>
-      <p:nvGrpSpPr>
-        <p:cNvPr id="1" name=""/>
-        <p:cNvGrpSpPr/>
-        <p:nvPr/>
-      </p:nvGrpSpPr>
-      <p:grpSpPr/>
-      <p:sp>
-        <p:nvSpPr>
-          <p:cNvPr id="2" name="TextBox 1"/>
-          <p:cNvSpPr txBox="1"/>
-          <p:nvPr/>
-        </p:nvSpPr>
-        <p:spPr>
-          <a:xfrm>
-            <a:off x="457200" y="457200"/>
-            <a:ext cx="8229600" cy="731520"/>
-          </a:xfrm>
-          <a:prstGeom prst="rect">
-            <a:avLst/>
-          </a:prstGeom>
-          <a:noFill/>
-        </p:spPr>
-        <p:txBody>
-          <a:bodyPr wrap="none">
-            <a:spAutoFit/>
-          </a:bodyPr>
-          <a:lstStyle/>
-          <a:p/>
-          <a:p>
-            <a:pPr>
-              <a:defRPr i="1" b="1" sz="1800"/>
-            </a:pPr>
-            <a:r>
-              <a:t>Continued from Slide 3</a:t>
-            </a:r>
-          </a:p>
-        </p:txBody>
-      </p:sp>
-      <p:sp>
-        <p:nvSpPr>
-          <p:cNvPr id="3" name="TextBox 2"/>
-          <p:cNvSpPr txBox="1"/>
-          <p:nvPr/>
-        </p:nvSpPr>
-        <p:spPr>
-          <a:xfrm>
-            <a:off x="457200" y="1371600"/>
-            <a:ext cx="8229600" cy="5029200"/>
-          </a:xfrm>
-          <a:prstGeom prst="rect">
-            <a:avLst/>
-          </a:prstGeom>
-          <a:noFill/>
-        </p:spPr>
-        <p:txBody>
-          <a:bodyPr wrap="square">
-            <a:spAutoFit/>
-          </a:bodyPr>
-          <a:lstStyle/>
-          <a:p/>
-          <a:p>
-            <a:r>
-              <a:t>We enable clients in more than 55 countries to navigate their digital transformation.Infosys is a global leader in next-generation digital services and consulting. We enable clients in more than 55 countries to navigate their digital transformation.Infosys is a global leader in next-generation digital services and consulting. We enable clients in more than 55 countries to navigate their digital transformation.Infosys is a global leader in next-generation digital services and consulting. We enable clients in more than 55 countries to navigate their digital transformation.Infosys is a global leader in next-generation digital services and consulting.</a:t>
-            </a:r>
-          </a:p>
-        </p:txBody>
-      </p:sp>
-    </p:spTree>
-  </p:cSld>
-  <p:clrMapOvr>
-    <a:masterClrMapping/>
-  </p:clrMapOvr>
-</p:sld>
-</file>
-
-<file path=ppt/slides/slide5.xml><?xml version="1.0" encoding="utf-8"?>
-<p:sld xmlns:a="http://schemas.openxmlformats.org/drawingml/2006/main" xmlns:p="http://schemas.openxmlformats.org/presentationml/2006/main" xmlns:r="http://schemas.openxmlformats.org/officeDocument/2006/relationships">
-  <p:cSld>
-    <p:spTree>
-      <p:nvGrpSpPr>
-        <p:cNvPr id="1" name=""/>
-        <p:cNvGrpSpPr/>
-        <p:nvPr/>
-      </p:nvGrpSpPr>
-      <p:grpSpPr/>
-      <p:sp>
-        <p:nvSpPr>
-          <p:cNvPr id="2" name="TextBox 1"/>
-          <p:cNvSpPr txBox="1"/>
-          <p:nvPr/>
-        </p:nvSpPr>
-        <p:spPr>
-          <a:xfrm>
-            <a:off x="457200" y="457200"/>
-            <a:ext cx="8229600" cy="731520"/>
-          </a:xfrm>
-          <a:prstGeom prst="rect">
-            <a:avLst/>
-          </a:prstGeom>
-          <a:noFill/>
-        </p:spPr>
-        <p:txBody>
-          <a:bodyPr wrap="none">
-            <a:spAutoFit/>
-          </a:bodyPr>
-          <a:lstStyle/>
-          <a:p/>
-          <a:p>
-            <a:pPr>
-              <a:defRPr i="1" b="1" sz="1800"/>
-            </a:pPr>
-            <a:r>
-              <a:t>Continued from Slide 4</a:t>
-            </a:r>
-          </a:p>
-        </p:txBody>
-      </p:sp>
-      <p:sp>
-        <p:nvSpPr>
-          <p:cNvPr id="3" name="TextBox 2"/>
-          <p:cNvSpPr txBox="1"/>
-          <p:nvPr/>
-        </p:nvSpPr>
-        <p:spPr>
-          <a:xfrm>
-            <a:off x="457200" y="1371600"/>
-            <a:ext cx="8229600" cy="5029200"/>
-          </a:xfrm>
-          <a:prstGeom prst="rect">
-            <a:avLst/>
-          </a:prstGeom>
-          <a:noFill/>
-        </p:spPr>
-        <p:txBody>
-          <a:bodyPr wrap="square">
-            <a:spAutoFit/>
-          </a:bodyPr>
-          <a:lstStyle/>
-          <a:p/>
-          <a:p>
-            <a:r>
-              <a:t>We enable clients in more than 55 countries to navigate their digital transformation.Infosys is a global leader in next-generation digital services and consulting. We enable clients in more than 55 countries to navigate their digital transformation.</a:t>
-            </a:r>
-          </a:p>
-        </p:txBody>
-      </p:sp>
-    </p:spTree>
-  </p:cSld>
-  <p:clrMapOvr>
-    <a:masterClrMapping/>
-  </p:clrMapOvr>
-</p:sld>
-</file>
-
-<file path=ppt/slides/slide6.xml><?xml version="1.0" encoding="utf-8"?>
-<p:sld xmlns:a="http://schemas.openxmlformats.org/drawingml/2006/main" xmlns:p="http://schemas.openxmlformats.org/presentationml/2006/main" xmlns:r="http://schemas.openxmlformats.org/officeDocument/2006/relationships">
-  <p:cSld>
-    <p:spTree>
-      <p:nvGrpSpPr>
-        <p:cNvPr id="1" name=""/>
-        <p:cNvGrpSpPr/>
-        <p:nvPr/>
-      </p:nvGrpSpPr>
-      <p:grpSpPr/>
-      <p:sp>
-        <p:nvSpPr>
-          <p:cNvPr id="2" name="TextBox 1"/>
-          <p:cNvSpPr txBox="1"/>
-          <p:nvPr/>
-        </p:nvSpPr>
-        <p:spPr>
-          <a:xfrm>
-            <a:off x="457200" y="457200"/>
-            <a:ext cx="8229600" cy="914400"/>
-          </a:xfrm>
-          <a:prstGeom prst="rect">
-            <a:avLst/>
-          </a:prstGeom>
-          <a:noFill/>
-        </p:spPr>
-        <p:txBody>
-          <a:bodyPr wrap="none">
-            <a:spAutoFit/>
-          </a:bodyPr>
-          <a:lstStyle/>
-          <a:p/>
-          <a:p>
-            <a:pPr algn="ctr">
-              <a:defRPr sz="3200" b="1"/>
-            </a:pPr>
-            <a:r>
-              <a:t>Essential Python Libraries</a:t>
-            </a:r>
-          </a:p>
-        </p:txBody>
-      </p:sp>
-      <p:sp>
-        <p:nvSpPr>
-          <p:cNvPr id="3" name="TextBox 2"/>
-          <p:cNvSpPr txBox="1"/>
-          <p:nvPr/>
-        </p:nvSpPr>
-        <p:spPr>
-          <a:xfrm>
-            <a:off x="457200" y="1371600"/>
-            <a:ext cx="8229600" cy="1024890"/>
-          </a:xfrm>
-          <a:prstGeom prst="rect">
-            <a:avLst/>
-          </a:prstGeom>
-          <a:noFill/>
-        </p:spPr>
-        <p:txBody>
-          <a:bodyPr wrap="none">
-            <a:spAutoFit/>
-          </a:bodyPr>
-          <a:lstStyle/>
-          <a:p/>
-          <a:p>
-            <a:r>
-              <a:t>Data Analysis</a:t>
-            </a:r>
-          </a:p>
-          <a:p>
-            <a:pPr lvl="1"/>
-            <a:r>
-              <a:t>• NumPy - Numerical computing</a:t>
-            </a:r>
-          </a:p>
-          <a:p>
-            <a:pPr lvl="1"/>
-            <a:r>
-              <a:t>• Pandas - Data manipulation</a:t>
-            </a:r>
-          </a:p>
-          <a:p>
-            <a:pPr lvl="1"/>
-            <a:r>
-              <a:t>• SciPy - Scientific computing</a:t>
-            </a:r>
-          </a:p>
-        </p:txBody>
-      </p:sp>
-      <p:sp>
-        <p:nvSpPr>
-          <p:cNvPr id="4" name="TextBox 3"/>
-          <p:cNvSpPr txBox="1"/>
-          <p:nvPr/>
-        </p:nvSpPr>
-        <p:spPr>
-          <a:xfrm>
-            <a:off x="457200" y="2670810"/>
-            <a:ext cx="8229600" cy="1024890"/>
-          </a:xfrm>
-          <a:prstGeom prst="rect">
-            <a:avLst/>
-          </a:prstGeom>
-          <a:noFill/>
-        </p:spPr>
-        <p:txBody>
-          <a:bodyPr wrap="none">
-            <a:spAutoFit/>
-          </a:bodyPr>
-          <a:lstStyle/>
-          <a:p/>
-        </p:txBody>
-      </p:sp>
-      <p:pic>
-        <p:nvPicPr>
-          <p:cNvPr id="5" name="Picture 4" descr="image.jpg"/>
-          <p:cNvPicPr>
-            <a:picLocks noChangeAspect="1"/>
-          </p:cNvPicPr>
-          <p:nvPr/>
-        </p:nvPicPr>
-        <p:blipFill>
-          <a:blip r:embed="rId2"/>
-          <a:stretch>
-            <a:fillRect/>
-          </a:stretch>
-        </p:blipFill>
-        <p:spPr>
-          <a:xfrm>
-            <a:off x="457200" y="2670810"/>
+            <a:off x="6162675" y="3886200"/>
             <a:ext cx="476250" cy="476250"/>
           </a:xfrm>
           <a:prstGeom prst="rect">
@@ -6056,748 +3633,6 @@
           </a:prstGeom>
         </p:spPr>
       </p:pic>
-      <p:sp>
-        <p:nvSpPr>
-          <p:cNvPr id="6" name="TextBox 5"/>
-          <p:cNvSpPr txBox="1"/>
-          <p:nvPr/>
-        </p:nvSpPr>
-        <p:spPr>
-          <a:xfrm>
-            <a:off x="457200" y="3970020"/>
-            <a:ext cx="8229600" cy="1645920"/>
-          </a:xfrm>
-          <a:prstGeom prst="rect">
-            <a:avLst/>
-          </a:prstGeom>
-          <a:noFill/>
-        </p:spPr>
-        <p:txBody>
-          <a:bodyPr wrap="none">
-            <a:spAutoFit/>
-          </a:bodyPr>
-          <a:lstStyle/>
-          <a:p/>
-          <a:p>
-            <a:pPr>
-              <a:defRPr b="1"/>
-            </a:pPr>
-            <a:r>
-              <a:t>[Table]</a:t>
-            </a:r>
-          </a:p>
-          <a:p>
-            <a:pPr>
-              <a:defRPr b="1"/>
-            </a:pPr>
-            <a:r>
-              <a:t>Library | Primary Use | Key Features</a:t>
-            </a:r>
-          </a:p>
-          <a:p>
-            <a:r>
-              <a:t>------------------------------------</a:t>
-            </a:r>
-          </a:p>
-          <a:p>
-            <a:r>
-              <a:t>NumPy | Numerical Computing | Arrays, Broadcasting, Linear Algebra</a:t>
-            </a:r>
-          </a:p>
-          <a:p>
-            <a:r>
-              <a:t>Pandas | Data Manipulation | DataFrames, Time Series, I/O Tools</a:t>
-            </a:r>
-          </a:p>
-          <a:p>
-            <a:r>
-              <a:t>Matplotlib | Visualization | Plots, Charts, Customization</a:t>
-            </a:r>
-          </a:p>
-        </p:txBody>
-      </p:sp>
-    </p:spTree>
-  </p:cSld>
-  <p:clrMapOvr>
-    <a:masterClrMapping/>
-  </p:clrMapOvr>
-</p:sld>
-</file>
-
-<file path=ppt/slides/slide7.xml><?xml version="1.0" encoding="utf-8"?>
-<p:sld xmlns:a="http://schemas.openxmlformats.org/drawingml/2006/main" xmlns:p="http://schemas.openxmlformats.org/presentationml/2006/main" xmlns:r="http://schemas.openxmlformats.org/officeDocument/2006/relationships">
-  <p:cSld>
-    <p:spTree>
-      <p:nvGrpSpPr>
-        <p:cNvPr id="1" name=""/>
-        <p:cNvGrpSpPr/>
-        <p:nvPr/>
-      </p:nvGrpSpPr>
-      <p:grpSpPr/>
-      <p:sp>
-        <p:nvSpPr>
-          <p:cNvPr id="2" name="TextBox 1"/>
-          <p:cNvSpPr txBox="1"/>
-          <p:nvPr/>
-        </p:nvSpPr>
-        <p:spPr>
-          <a:xfrm>
-            <a:off x="457200" y="457200"/>
-            <a:ext cx="8229600" cy="914400"/>
-          </a:xfrm>
-          <a:prstGeom prst="rect">
-            <a:avLst/>
-          </a:prstGeom>
-          <a:noFill/>
-        </p:spPr>
-        <p:txBody>
-          <a:bodyPr wrap="none">
-            <a:spAutoFit/>
-          </a:bodyPr>
-          <a:lstStyle/>
-          <a:p/>
-          <a:p>
-            <a:pPr algn="ctr">
-              <a:defRPr sz="3200" b="1"/>
-            </a:pPr>
-            <a:r>
-              <a:t>Data Visualization</a:t>
-            </a:r>
-          </a:p>
-        </p:txBody>
-      </p:sp>
-      <p:sp>
-        <p:nvSpPr>
-          <p:cNvPr id="3" name="TextBox 2"/>
-          <p:cNvSpPr txBox="1"/>
-          <p:nvPr/>
-        </p:nvSpPr>
-        <p:spPr>
-          <a:xfrm>
-            <a:off x="457200" y="1371600"/>
-            <a:ext cx="8229600" cy="1024890"/>
-          </a:xfrm>
-          <a:prstGeom prst="rect">
-            <a:avLst/>
-          </a:prstGeom>
-          <a:noFill/>
-        </p:spPr>
-        <p:txBody>
-          <a:bodyPr wrap="none">
-            <a:spAutoFit/>
-          </a:bodyPr>
-          <a:lstStyle/>
-          <a:p/>
-        </p:txBody>
-      </p:sp>
-      <p:pic>
-        <p:nvPicPr>
-          <p:cNvPr id="4" name="Picture 3" descr="image.jpg"/>
-          <p:cNvPicPr>
-            <a:picLocks noChangeAspect="1"/>
-          </p:cNvPicPr>
-          <p:nvPr/>
-        </p:nvPicPr>
-        <p:blipFill>
-          <a:blip r:embed="rId2"/>
-          <a:stretch>
-            <a:fillRect/>
-          </a:stretch>
-        </p:blipFill>
-        <p:spPr>
-          <a:xfrm>
-            <a:off x="457200" y="1371600"/>
-            <a:ext cx="476250" cy="476250"/>
-          </a:xfrm>
-          <a:prstGeom prst="rect">
-            <a:avLst/>
-          </a:prstGeom>
-        </p:spPr>
-      </p:pic>
-      <p:sp>
-        <p:nvSpPr>
-          <p:cNvPr id="5" name="TextBox 4"/>
-          <p:cNvSpPr txBox="1"/>
-          <p:nvPr/>
-        </p:nvSpPr>
-        <p:spPr>
-          <a:xfrm>
-            <a:off x="457200" y="1939290"/>
-            <a:ext cx="476250" cy="274320"/>
-          </a:xfrm>
-          <a:prstGeom prst="rect">
-            <a:avLst/>
-          </a:prstGeom>
-          <a:noFill/>
-        </p:spPr>
-        <p:txBody>
-          <a:bodyPr wrap="none">
-            <a:spAutoFit/>
-          </a:bodyPr>
-          <a:lstStyle/>
-          <a:p/>
-          <a:p>
-            <a:pPr algn="ctr">
-              <a:defRPr i="1"/>
-            </a:pPr>
-            <a:r>
-              <a:t>Common visualization types in data science</a:t>
-            </a:r>
-          </a:p>
-        </p:txBody>
-      </p:sp>
-      <p:sp>
-        <p:nvSpPr>
-          <p:cNvPr id="6" name="TextBox 5"/>
-          <p:cNvSpPr txBox="1"/>
-          <p:nvPr/>
-        </p:nvSpPr>
-        <p:spPr>
-          <a:xfrm>
-            <a:off x="457200" y="2670810"/>
-            <a:ext cx="8229600" cy="1024890"/>
-          </a:xfrm>
-          <a:prstGeom prst="rect">
-            <a:avLst/>
-          </a:prstGeom>
-          <a:noFill/>
-        </p:spPr>
-        <p:txBody>
-          <a:bodyPr wrap="none">
-            <a:spAutoFit/>
-          </a:bodyPr>
-          <a:lstStyle/>
-          <a:p/>
-        </p:txBody>
-      </p:sp>
-      <p:pic>
-        <p:nvPicPr>
-          <p:cNvPr id="7" name="Picture 6" descr="image.jpg"/>
-          <p:cNvPicPr>
-            <a:picLocks noChangeAspect="1"/>
-          </p:cNvPicPr>
-          <p:nvPr/>
-        </p:nvPicPr>
-        <p:blipFill>
-          <a:blip r:embed="rId3"/>
-          <a:stretch>
-            <a:fillRect/>
-          </a:stretch>
-        </p:blipFill>
-        <p:spPr>
-          <a:xfrm>
-            <a:off x="457200" y="2670810"/>
-            <a:ext cx="476250" cy="476250"/>
-          </a:xfrm>
-          <a:prstGeom prst="rect">
-            <a:avLst/>
-          </a:prstGeom>
-        </p:spPr>
-      </p:pic>
-      <p:sp>
-        <p:nvSpPr>
-          <p:cNvPr id="8" name="TextBox 7"/>
-          <p:cNvSpPr txBox="1"/>
-          <p:nvPr/>
-        </p:nvSpPr>
-        <p:spPr>
-          <a:xfrm>
-            <a:off x="457200" y="3238500"/>
-            <a:ext cx="476250" cy="274320"/>
-          </a:xfrm>
-          <a:prstGeom prst="rect">
-            <a:avLst/>
-          </a:prstGeom>
-          <a:noFill/>
-        </p:spPr>
-        <p:txBody>
-          <a:bodyPr wrap="none">
-            <a:spAutoFit/>
-          </a:bodyPr>
-          <a:lstStyle/>
-          <a:p/>
-          <a:p>
-            <a:pPr algn="ctr">
-              <a:defRPr i="1"/>
-            </a:pPr>
-            <a:r>
-              <a:t>Common visualization types in data science</a:t>
-            </a:r>
-          </a:p>
-        </p:txBody>
-      </p:sp>
-      <p:sp>
-        <p:nvSpPr>
-          <p:cNvPr id="9" name="TextBox 8"/>
-          <p:cNvSpPr txBox="1"/>
-          <p:nvPr/>
-        </p:nvSpPr>
-        <p:spPr>
-          <a:xfrm>
-            <a:off x="457200" y="3970020"/>
-            <a:ext cx="8229600" cy="731520"/>
-          </a:xfrm>
-          <a:prstGeom prst="rect">
-            <a:avLst/>
-          </a:prstGeom>
-          <a:noFill/>
-        </p:spPr>
-        <p:txBody>
-          <a:bodyPr wrap="square">
-            <a:spAutoFit/>
-          </a:bodyPr>
-          <a:lstStyle/>
-          <a:p/>
-          <a:p>
-            <a:r>
-              <a:t>[Interactive Chart: Monthly Sales Data]</a:t>
-            </a:r>
-          </a:p>
-        </p:txBody>
-      </p:sp>
-    </p:spTree>
-  </p:cSld>
-  <p:clrMapOvr>
-    <a:masterClrMapping/>
-  </p:clrMapOvr>
-</p:sld>
-</file>
-
-<file path=ppt/slides/slide8.xml><?xml version="1.0" encoding="utf-8"?>
-<p:sld xmlns:a="http://schemas.openxmlformats.org/drawingml/2006/main" xmlns:p="http://schemas.openxmlformats.org/presentationml/2006/main" xmlns:r="http://schemas.openxmlformats.org/officeDocument/2006/relationships">
-  <p:cSld>
-    <p:spTree>
-      <p:nvGrpSpPr>
-        <p:cNvPr id="1" name=""/>
-        <p:cNvGrpSpPr/>
-        <p:nvPr/>
-      </p:nvGrpSpPr>
-      <p:grpSpPr/>
-      <p:sp>
-        <p:nvSpPr>
-          <p:cNvPr id="2" name="TextBox 1"/>
-          <p:cNvSpPr txBox="1"/>
-          <p:nvPr/>
-        </p:nvSpPr>
-        <p:spPr>
-          <a:xfrm>
-            <a:off x="457200" y="457200"/>
-            <a:ext cx="8229600" cy="914400"/>
-          </a:xfrm>
-          <a:prstGeom prst="rect">
-            <a:avLst/>
-          </a:prstGeom>
-          <a:noFill/>
-        </p:spPr>
-        <p:txBody>
-          <a:bodyPr wrap="none">
-            <a:spAutoFit/>
-          </a:bodyPr>
-          <a:lstStyle/>
-          <a:p/>
-          <a:p>
-            <a:pPr algn="ctr">
-              <a:defRPr sz="3200" b="1"/>
-            </a:pPr>
-            <a:r>
-              <a:t>Python Code Examples</a:t>
-            </a:r>
-          </a:p>
-        </p:txBody>
-      </p:sp>
-      <p:sp>
-        <p:nvSpPr>
-          <p:cNvPr id="3" name="TextBox 2"/>
-          <p:cNvSpPr txBox="1"/>
-          <p:nvPr/>
-        </p:nvSpPr>
-        <p:spPr>
-          <a:xfrm>
-            <a:off x="457200" y="1371600"/>
-            <a:ext cx="8229600" cy="3840480"/>
-          </a:xfrm>
-          <a:prstGeom prst="rect">
-            <a:avLst/>
-          </a:prstGeom>
-          <a:noFill/>
-        </p:spPr>
-        <p:txBody>
-          <a:bodyPr wrap="none">
-            <a:spAutoFit/>
-          </a:bodyPr>
-          <a:lstStyle/>
-          <a:p/>
-          <a:p>
-            <a:pPr>
-              <a:defRPr b="1"/>
-            </a:pPr>
-            <a:r>
-              <a:t>[Code]</a:t>
-            </a:r>
-          </a:p>
-          <a:p>
-            <a:pPr>
-              <a:defRPr sz="900">
-                <a:latin typeface="Courier New"/>
-              </a:defRPr>
-            </a:pPr>
-            <a:r>
-              <a:t>import pandas as pd</a:t>
-            </a:r>
-          </a:p>
-          <a:p>
-            <a:pPr>
-              <a:defRPr sz="900">
-                <a:latin typeface="Courier New"/>
-              </a:defRPr>
-            </a:pPr>
-            <a:r>
-              <a:t>import matplotlib.pyplot as plt</a:t>
-            </a:r>
-          </a:p>
-          <a:p>
-            <a:pPr>
-              <a:defRPr sz="900">
-                <a:latin typeface="Courier New"/>
-              </a:defRPr>
-            </a:pPr>
-          </a:p>
-          <a:p>
-            <a:pPr>
-              <a:defRPr sz="900">
-                <a:latin typeface="Courier New"/>
-              </a:defRPr>
-            </a:pPr>
-            <a:r>
-              <a:t># Load and explore data</a:t>
-            </a:r>
-          </a:p>
-          <a:p>
-            <a:pPr>
-              <a:defRPr sz="900">
-                <a:latin typeface="Courier New"/>
-              </a:defRPr>
-            </a:pPr>
-            <a:r>
-              <a:t>df = pd.read_csv('sales_data.csv')</a:t>
-            </a:r>
-          </a:p>
-          <a:p>
-            <a:pPr>
-              <a:defRPr sz="900">
-                <a:latin typeface="Courier New"/>
-              </a:defRPr>
-            </a:pPr>
-            <a:r>
-              <a:t>print(df.head())</a:t>
-            </a:r>
-          </a:p>
-          <a:p>
-            <a:pPr>
-              <a:defRPr sz="900">
-                <a:latin typeface="Courier New"/>
-              </a:defRPr>
-            </a:pPr>
-          </a:p>
-          <a:p>
-            <a:pPr>
-              <a:defRPr sz="900">
-                <a:latin typeface="Courier New"/>
-              </a:defRPr>
-            </a:pPr>
-            <a:r>
-              <a:t># Basic statistics</a:t>
-            </a:r>
-          </a:p>
-          <a:p>
-            <a:pPr>
-              <a:defRPr sz="900">
-                <a:latin typeface="Courier New"/>
-              </a:defRPr>
-            </a:pPr>
-            <a:r>
-              <a:t>print(df.describe())</a:t>
-            </a:r>
-          </a:p>
-          <a:p>
-            <a:pPr>
-              <a:defRPr sz="900">
-                <a:latin typeface="Courier New"/>
-              </a:defRPr>
-            </a:pPr>
-          </a:p>
-          <a:p>
-            <a:pPr>
-              <a:defRPr sz="900">
-                <a:latin typeface="Courier New"/>
-              </a:defRPr>
-            </a:pPr>
-            <a:r>
-              <a:t># Visualization</a:t>
-            </a:r>
-          </a:p>
-          <a:p>
-            <a:pPr>
-              <a:defRPr sz="900">
-                <a:latin typeface="Courier New"/>
-              </a:defRPr>
-            </a:pPr>
-            <a:r>
-              <a:t>df.groupby('month')['sales'].sum().plot(kind='bar')</a:t>
-            </a:r>
-          </a:p>
-          <a:p>
-            <a:pPr>
-              <a:defRPr sz="900">
-                <a:latin typeface="Courier New"/>
-              </a:defRPr>
-            </a:pPr>
-            <a:r>
-              <a:t>plt.title('Monthly Sales')</a:t>
-            </a:r>
-          </a:p>
-          <a:p>
-            <a:pPr>
-              <a:defRPr sz="900">
-                <a:latin typeface="Courier New"/>
-              </a:defRPr>
-            </a:pPr>
-            <a:r>
-              <a:t>plt.xlabel('Month')</a:t>
-            </a:r>
-          </a:p>
-          <a:p>
-            <a:pPr>
-              <a:defRPr sz="900">
-                <a:latin typeface="Courier New"/>
-              </a:defRPr>
-            </a:pPr>
-            <a:r>
-              <a:t>plt.ylabel('Sales ($)')</a:t>
-            </a:r>
-          </a:p>
-          <a:p>
-            <a:pPr>
-              <a:defRPr sz="900">
-                <a:latin typeface="Courier New"/>
-              </a:defRPr>
-            </a:pPr>
-            <a:r>
-              <a:t>plt.show()</a:t>
-            </a:r>
-          </a:p>
-        </p:txBody>
-      </p:sp>
-    </p:spTree>
-  </p:cSld>
-  <p:clrMapOvr>
-    <a:masterClrMapping/>
-  </p:clrMapOvr>
-</p:sld>
-</file>
-
-<file path=ppt/slides/slide9.xml><?xml version="1.0" encoding="utf-8"?>
-<p:sld xmlns:a="http://schemas.openxmlformats.org/drawingml/2006/main" xmlns:p="http://schemas.openxmlformats.org/presentationml/2006/main" xmlns:r="http://schemas.openxmlformats.org/officeDocument/2006/relationships">
-  <p:cSld>
-    <p:spTree>
-      <p:nvGrpSpPr>
-        <p:cNvPr id="1" name=""/>
-        <p:cNvGrpSpPr/>
-        <p:nvPr/>
-      </p:nvGrpSpPr>
-      <p:grpSpPr/>
-      <p:sp>
-        <p:nvSpPr>
-          <p:cNvPr id="2" name="TextBox 1"/>
-          <p:cNvSpPr txBox="1"/>
-          <p:nvPr/>
-        </p:nvSpPr>
-        <p:spPr>
-          <a:xfrm>
-            <a:off x="457200" y="457200"/>
-            <a:ext cx="8229600" cy="731520"/>
-          </a:xfrm>
-          <a:prstGeom prst="rect">
-            <a:avLst/>
-          </a:prstGeom>
-          <a:noFill/>
-        </p:spPr>
-        <p:txBody>
-          <a:bodyPr wrap="none">
-            <a:spAutoFit/>
-          </a:bodyPr>
-          <a:lstStyle/>
-          <a:p/>
-          <a:p>
-            <a:pPr>
-              <a:defRPr i="1" b="1" sz="1800"/>
-            </a:pPr>
-            <a:r>
-              <a:t>Continued from Slide 5</a:t>
-            </a:r>
-          </a:p>
-        </p:txBody>
-      </p:sp>
-      <p:sp>
-        <p:nvSpPr>
-          <p:cNvPr id="3" name="TextBox 2"/>
-          <p:cNvSpPr txBox="1"/>
-          <p:nvPr/>
-        </p:nvSpPr>
-        <p:spPr>
-          <a:xfrm>
-            <a:off x="457200" y="1371600"/>
-            <a:ext cx="8229600" cy="1024890"/>
-          </a:xfrm>
-          <a:prstGeom prst="rect">
-            <a:avLst/>
-          </a:prstGeom>
-          <a:noFill/>
-        </p:spPr>
-        <p:txBody>
-          <a:bodyPr wrap="none">
-            <a:spAutoFit/>
-          </a:bodyPr>
-          <a:lstStyle/>
-          <a:p/>
-        </p:txBody>
-      </p:sp>
-      <p:pic>
-        <p:nvPicPr>
-          <p:cNvPr id="4" name="Picture 3" descr="image.jpg"/>
-          <p:cNvPicPr>
-            <a:picLocks noChangeAspect="1"/>
-          </p:cNvPicPr>
-          <p:nvPr/>
-        </p:nvPicPr>
-        <p:blipFill>
-          <a:blip r:embed="rId2"/>
-          <a:stretch>
-            <a:fillRect/>
-          </a:stretch>
-        </p:blipFill>
-        <p:spPr>
-          <a:xfrm>
-            <a:off x="457200" y="1371600"/>
-            <a:ext cx="476250" cy="476250"/>
-          </a:xfrm>
-          <a:prstGeom prst="rect">
-            <a:avLst/>
-          </a:prstGeom>
-        </p:spPr>
-      </p:pic>
-      <p:sp>
-        <p:nvSpPr>
-          <p:cNvPr id="5" name="TextBox 4"/>
-          <p:cNvSpPr txBox="1"/>
-          <p:nvPr/>
-        </p:nvSpPr>
-        <p:spPr>
-          <a:xfrm>
-            <a:off x="457200" y="1939290"/>
-            <a:ext cx="476250" cy="274320"/>
-          </a:xfrm>
-          <a:prstGeom prst="rect">
-            <a:avLst/>
-          </a:prstGeom>
-          <a:noFill/>
-        </p:spPr>
-        <p:txBody>
-          <a:bodyPr wrap="none">
-            <a:spAutoFit/>
-          </a:bodyPr>
-          <a:lstStyle/>
-          <a:p/>
-          <a:p>
-            <a:pPr algn="ctr">
-              <a:defRPr i="1"/>
-            </a:pPr>
-            <a:r>
-              <a:t>Output of the above code</a:t>
-            </a:r>
-          </a:p>
-        </p:txBody>
-      </p:sp>
-      <p:sp>
-        <p:nvSpPr>
-          <p:cNvPr id="6" name="TextBox 5"/>
-          <p:cNvSpPr txBox="1"/>
-          <p:nvPr/>
-        </p:nvSpPr>
-        <p:spPr>
-          <a:xfrm>
-            <a:off x="457200" y="2670810"/>
-            <a:ext cx="8229600" cy="1024890"/>
-          </a:xfrm>
-          <a:prstGeom prst="rect">
-            <a:avLst/>
-          </a:prstGeom>
-          <a:noFill/>
-        </p:spPr>
-        <p:txBody>
-          <a:bodyPr wrap="none">
-            <a:spAutoFit/>
-          </a:bodyPr>
-          <a:lstStyle/>
-          <a:p/>
-        </p:txBody>
-      </p:sp>
-      <p:pic>
-        <p:nvPicPr>
-          <p:cNvPr id="7" name="Picture 6" descr="image.jpg"/>
-          <p:cNvPicPr>
-            <a:picLocks noChangeAspect="1"/>
-          </p:cNvPicPr>
-          <p:nvPr/>
-        </p:nvPicPr>
-        <p:blipFill>
-          <a:blip r:embed="rId3"/>
-          <a:stretch>
-            <a:fillRect/>
-          </a:stretch>
-        </p:blipFill>
-        <p:spPr>
-          <a:xfrm>
-            <a:off x="457200" y="2670810"/>
-            <a:ext cx="476250" cy="476250"/>
-          </a:xfrm>
-          <a:prstGeom prst="rect">
-            <a:avLst/>
-          </a:prstGeom>
-        </p:spPr>
-      </p:pic>
-      <p:sp>
-        <p:nvSpPr>
-          <p:cNvPr id="8" name="TextBox 7"/>
-          <p:cNvSpPr txBox="1"/>
-          <p:nvPr/>
-        </p:nvSpPr>
-        <p:spPr>
-          <a:xfrm>
-            <a:off x="457200" y="3238500"/>
-            <a:ext cx="476250" cy="274320"/>
-          </a:xfrm>
-          <a:prstGeom prst="rect">
-            <a:avLst/>
-          </a:prstGeom>
-          <a:noFill/>
-        </p:spPr>
-        <p:txBody>
-          <a:bodyPr wrap="none">
-            <a:spAutoFit/>
-          </a:bodyPr>
-          <a:lstStyle/>
-          <a:p/>
-          <a:p>
-            <a:pPr algn="ctr">
-              <a:defRPr i="1"/>
-            </a:pPr>
-            <a:r>
-              <a:t>Output of the above code</a:t>
-            </a:r>
-          </a:p>
-        </p:txBody>
-      </p:sp>
     </p:spTree>
   </p:cSld>
   <p:clrMapOvr>

--- a/presentation.pptx
+++ b/presentation.pptx
@@ -3145,11 +3145,7 @@
           <a:p/>
           <a:p>
             <a:pPr>
-              <a:defRPr b="1" sz="1800">
-                <a:solidFill>
-                  <a:srgbClr val="FFC8C8"/>
-                </a:solidFill>
-              </a:defRPr>
+              <a:defRPr b="1" sz="1800"/>
             </a:pPr>
             <a:r>
               <a:t>Story Title:</a:t>
@@ -3410,7 +3406,7 @@
               <a:defRPr b="0" sz="1200"/>
             </a:pPr>
             <a:r>
-              <a:t>XYZ Corporation was facing multiple critical challenges across their global supply chain operations:Rising operational costs: Transportation expenses had increased by 32% over two years due to fuel price volatility and inefficient routing.</a:t>
+              <a:t>XYZ Corporation was facing multiple critical challenges across their global supply chain operations: Rising operational costs: Transportation expenses had increased by 32% over two years due to fuel price volatility and inefficient routing.</a:t>
             </a:r>
           </a:p>
         </p:txBody>
@@ -3424,7 +3420,7 @@
         <p:spPr>
           <a:xfrm>
             <a:off x="457200" y="3383280"/>
-            <a:ext cx="3657600" cy="1280160"/>
+            <a:ext cx="3657600" cy="2468880"/>
           </a:xfrm>
           <a:prstGeom prst="roundRect">
             <a:avLst/>
@@ -3469,7 +3465,7 @@
         <p:spPr>
           <a:xfrm>
             <a:off x="548640" y="3474720"/>
-            <a:ext cx="3474720" cy="1097280"/>
+            <a:ext cx="3474720" cy="1325880"/>
           </a:xfrm>
           <a:prstGeom prst="rect">
             <a:avLst/>
@@ -3512,16 +3508,40 @@
           </a:p>
         </p:txBody>
       </p:sp>
-      <p:sp>
-        <p:nvSpPr>
-          <p:cNvPr id="7" name="Rounded Rectangle 6"/>
+      <p:pic>
+        <p:nvPicPr>
+          <p:cNvPr id="7" name="Picture 6" descr="image.jpg"/>
+          <p:cNvPicPr>
+            <a:picLocks noChangeAspect="1"/>
+          </p:cNvPicPr>
+          <p:nvPr/>
+        </p:nvPicPr>
+        <p:blipFill>
+          <a:blip r:embed="rId2"/>
+          <a:stretch>
+            <a:fillRect/>
+          </a:stretch>
+        </p:blipFill>
+        <p:spPr>
+          <a:xfrm>
+            <a:off x="2047875" y="5166360"/>
+            <a:ext cx="476250" cy="476250"/>
+          </a:xfrm>
+          <a:prstGeom prst="rect">
+            <a:avLst/>
+          </a:prstGeom>
+        </p:spPr>
+      </p:pic>
+      <p:sp>
+        <p:nvSpPr>
+          <p:cNvPr id="8" name="Rounded Rectangle 7"/>
           <p:cNvSpPr/>
           <p:nvPr/>
         </p:nvSpPr>
         <p:spPr>
           <a:xfrm>
             <a:off x="4572000" y="1371600"/>
-            <a:ext cx="3657600" cy="3539490"/>
+            <a:ext cx="3657600" cy="2651760"/>
           </a:xfrm>
           <a:prstGeom prst="roundRect">
             <a:avLst/>
@@ -3559,14 +3579,14 @@
       </p:sp>
       <p:sp>
         <p:nvSpPr>
-          <p:cNvPr id="8" name="TextBox 7"/>
+          <p:cNvPr id="9" name="TextBox 8"/>
           <p:cNvSpPr txBox="1"/>
           <p:nvPr/>
         </p:nvSpPr>
         <p:spPr>
           <a:xfrm>
             <a:off x="4663440" y="1463040"/>
-            <a:ext cx="3474720" cy="2057400"/>
+            <a:ext cx="3474720" cy="2468880"/>
           </a:xfrm>
           <a:prstGeom prst="rect">
             <a:avLst/>
@@ -3604,35 +3624,11 @@
               <a:defRPr b="0" sz="1200"/>
             </a:pPr>
             <a:r>
-              <a:t>The SupplyIQ solution delivered significant, measurable business impact across multiple dimensions:The SupplyIQ solution delivered significant, measurable business impact across multiple dimensions:</a:t>
-            </a:r>
-          </a:p>
-        </p:txBody>
-      </p:sp>
-      <p:pic>
-        <p:nvPicPr>
-          <p:cNvPr id="9" name="Picture 8" descr="image.jpg"/>
-          <p:cNvPicPr>
-            <a:picLocks noChangeAspect="1"/>
-          </p:cNvPicPr>
-          <p:nvPr/>
-        </p:nvPicPr>
-        <p:blipFill>
-          <a:blip r:embed="rId2"/>
-          <a:stretch>
-            <a:fillRect/>
-          </a:stretch>
-        </p:blipFill>
-        <p:spPr>
-          <a:xfrm>
-            <a:off x="6162675" y="3886200"/>
-            <a:ext cx="476250" cy="476250"/>
-          </a:xfrm>
-          <a:prstGeom prst="rect">
-            <a:avLst/>
-          </a:prstGeom>
-        </p:spPr>
-      </p:pic>
+              <a:t>The SupplyIQ solution delivered significant, measurable business impact across multiple dimensions: The SupplyIQ solution delivered significant, measurable business impact across multiple dimensions: The SupplyIQ solution delivered significant, measurable business impact across multiple The SupplyIQ solution delivered significant, measurable business impact across multiple dimensions: The SupplyIQ solution delivered significant, measurable business impact across multiple dimensions:</a:t>
+            </a:r>
+          </a:p>
+        </p:txBody>
+      </p:sp>
     </p:spTree>
   </p:cSld>
   <p:clrMapOvr>

--- a/presentation.pptx
+++ b/presentation.pptx
@@ -7,6 +7,7 @@
   <p:sldIdLst>
     <p:sldId id="256" r:id="rId7"/>
     <p:sldId id="257" r:id="rId8"/>
+    <p:sldId id="258" r:id="rId9"/>
   </p:sldIdLst>
   <p:sldSz cx="9144000" cy="6858000" type="screen4x3"/>
   <p:notesSz cx="6858000" cy="9144000"/>
@@ -3323,7 +3324,7 @@
         <p:spPr>
           <a:xfrm>
             <a:off x="457200" y="1371600"/>
-            <a:ext cx="3657600" cy="1737360"/>
+            <a:ext cx="3657600" cy="1965960"/>
           </a:xfrm>
           <a:prstGeom prst="roundRect">
             <a:avLst/>
@@ -3368,7 +3369,7 @@
         <p:spPr>
           <a:xfrm>
             <a:off x="548640" y="1463040"/>
-            <a:ext cx="3474720" cy="1554480"/>
+            <a:ext cx="3474720" cy="1371600"/>
           </a:xfrm>
           <a:prstGeom prst="rect">
             <a:avLst/>
@@ -3419,8 +3420,8 @@
         </p:nvSpPr>
         <p:spPr>
           <a:xfrm>
-            <a:off x="457200" y="3383280"/>
-            <a:ext cx="3657600" cy="2468880"/>
+            <a:off x="4572000" y="1371600"/>
+            <a:ext cx="3657600" cy="1965960"/>
           </a:xfrm>
           <a:prstGeom prst="roundRect">
             <a:avLst/>
@@ -3464,8 +3465,8 @@
         </p:nvSpPr>
         <p:spPr>
           <a:xfrm>
-            <a:off x="548640" y="3474720"/>
-            <a:ext cx="3474720" cy="1325880"/>
+            <a:off x="4663440" y="1463040"/>
+            <a:ext cx="3474720" cy="914400"/>
           </a:xfrm>
           <a:prstGeom prst="rect">
             <a:avLst/>
@@ -3489,7 +3490,7 @@
               <a:defRPr b="1" sz="1400"/>
             </a:pPr>
             <a:r>
-              <a:t>Solution Provided:</a:t>
+              <a:t>Business Value Delivered:</a:t>
             </a:r>
           </a:p>
           <a:p>
@@ -3503,45 +3504,21 @@
               <a:defRPr b="0" sz="1200"/>
             </a:pPr>
             <a:r>
-              <a:t>We implemented a comprehensive, AI-driven supply chain transformation program named "SupplyIQ" with the following components:</a:t>
-            </a:r>
-          </a:p>
-        </p:txBody>
-      </p:sp>
-      <p:pic>
-        <p:nvPicPr>
-          <p:cNvPr id="7" name="Picture 6" descr="image.jpg"/>
-          <p:cNvPicPr>
-            <a:picLocks noChangeAspect="1"/>
-          </p:cNvPicPr>
+              <a:t>The SupplyIQ solution delivered significant, measurable benefits across multiple business dimensions. Supply chain visibility improved by 78%, while inventory carrying costs decreased by 23% in the first six months.</a:t>
+            </a:r>
+          </a:p>
+        </p:txBody>
+      </p:sp>
+      <p:sp>
+        <p:nvSpPr>
+          <p:cNvPr id="7" name="Rounded Rectangle 6"/>
+          <p:cNvSpPr/>
           <p:nvPr/>
-        </p:nvPicPr>
-        <p:blipFill>
-          <a:blip r:embed="rId2"/>
-          <a:stretch>
-            <a:fillRect/>
-          </a:stretch>
-        </p:blipFill>
+        </p:nvSpPr>
         <p:spPr>
           <a:xfrm>
-            <a:off x="2047875" y="5166360"/>
-            <a:ext cx="476250" cy="476250"/>
-          </a:xfrm>
-          <a:prstGeom prst="rect">
-            <a:avLst/>
-          </a:prstGeom>
-        </p:spPr>
-      </p:pic>
-      <p:sp>
-        <p:nvSpPr>
-          <p:cNvPr id="8" name="Rounded Rectangle 7"/>
-          <p:cNvSpPr/>
-          <p:nvPr/>
-        </p:nvSpPr>
-        <p:spPr>
-          <a:xfrm>
-            <a:off x="4572000" y="1371600"/>
-            <a:ext cx="3657600" cy="2651760"/>
+            <a:off x="457200" y="3886200"/>
+            <a:ext cx="8229600" cy="2716530"/>
           </a:xfrm>
           <a:prstGeom prst="roundRect">
             <a:avLst/>
@@ -3579,14 +3556,14 @@
       </p:sp>
       <p:sp>
         <p:nvSpPr>
-          <p:cNvPr id="9" name="TextBox 8"/>
+          <p:cNvPr id="8" name="TextBox 7"/>
           <p:cNvSpPr txBox="1"/>
           <p:nvPr/>
         </p:nvSpPr>
         <p:spPr>
           <a:xfrm>
-            <a:off x="4663440" y="1463040"/>
-            <a:ext cx="3474720" cy="2468880"/>
+            <a:off x="548640" y="3977640"/>
+            <a:ext cx="8046720" cy="914400"/>
           </a:xfrm>
           <a:prstGeom prst="rect">
             <a:avLst/>
@@ -3610,7 +3587,7 @@
               <a:defRPr b="1" sz="1400"/>
             </a:pPr>
             <a:r>
-              <a:t>Business Value Delivered:</a:t>
+              <a:t>Solution Provided:</a:t>
             </a:r>
           </a:p>
           <a:p>
@@ -3624,11 +3601,205 @@
               <a:defRPr b="0" sz="1200"/>
             </a:pPr>
             <a:r>
-              <a:t>The SupplyIQ solution delivered significant, measurable business impact across multiple dimensions: The SupplyIQ solution delivered significant, measurable business impact across multiple dimensions: The SupplyIQ solution delivered significant, measurable business impact across multiple The SupplyIQ solution delivered significant, measurable business impact across multiple dimensions: The SupplyIQ solution delivered significant, measurable business impact across multiple dimensions:</a:t>
-            </a:r>
-          </a:p>
-        </p:txBody>
-      </p:sp>
+              <a:t>We implemented a comprehensive, AI-driven supply chain transformation program named "SupplyIQ" with the following components:</a:t>
+            </a:r>
+          </a:p>
+        </p:txBody>
+      </p:sp>
+      <p:pic>
+        <p:nvPicPr>
+          <p:cNvPr id="9" name="Picture 8" descr="image.jpg"/>
+          <p:cNvPicPr>
+            <a:picLocks noChangeAspect="1"/>
+          </p:cNvPicPr>
+          <p:nvPr/>
+        </p:nvPicPr>
+        <p:blipFill>
+          <a:blip r:embed="rId2"/>
+          <a:stretch>
+            <a:fillRect/>
+          </a:stretch>
+        </p:blipFill>
+        <p:spPr>
+          <a:xfrm>
+            <a:off x="4333875" y="5074920"/>
+            <a:ext cx="476250" cy="476250"/>
+          </a:xfrm>
+          <a:prstGeom prst="rect">
+            <a:avLst/>
+          </a:prstGeom>
+        </p:spPr>
+      </p:pic>
+    </p:spTree>
+  </p:cSld>
+  <p:clrMapOvr>
+    <a:masterClrMapping/>
+  </p:clrMapOvr>
+</p:sld>
+</file>
+
+<file path=ppt/slides/slide3.xml><?xml version="1.0" encoding="utf-8"?>
+<p:sld xmlns:a="http://schemas.openxmlformats.org/drawingml/2006/main" xmlns:p="http://schemas.openxmlformats.org/presentationml/2006/main" xmlns:r="http://schemas.openxmlformats.org/officeDocument/2006/relationships">
+  <p:cSld>
+    <p:spTree>
+      <p:nvGrpSpPr>
+        <p:cNvPr id="1" name=""/>
+        <p:cNvGrpSpPr/>
+        <p:nvPr/>
+      </p:nvGrpSpPr>
+      <p:grpSpPr/>
+      <p:sp>
+        <p:nvSpPr>
+          <p:cNvPr id="2" name="TextBox 1"/>
+          <p:cNvSpPr txBox="1"/>
+          <p:nvPr/>
+        </p:nvSpPr>
+        <p:spPr>
+          <a:xfrm>
+            <a:off x="457200" y="274320"/>
+            <a:ext cx="8229600" cy="914400"/>
+          </a:xfrm>
+          <a:prstGeom prst="rect">
+            <a:avLst/>
+          </a:prstGeom>
+          <a:noFill/>
+        </p:spPr>
+        <p:txBody>
+          <a:bodyPr wrap="none">
+            <a:spAutoFit/>
+          </a:bodyPr>
+          <a:lstStyle/>
+          <a:p>
+            <a:pPr>
+              <a:defRPr sz="2800" b="1"/>
+            </a:pPr>
+            <a:r>
+              <a:t>Slide 2 (Continued)</a:t>
+            </a:r>
+          </a:p>
+        </p:txBody>
+      </p:sp>
+      <p:sp>
+        <p:nvSpPr>
+          <p:cNvPr id="3" name="Rounded Rectangle 2"/>
+          <p:cNvSpPr/>
+          <p:nvPr/>
+        </p:nvSpPr>
+        <p:spPr>
+          <a:xfrm>
+            <a:off x="457200" y="1371600"/>
+            <a:ext cx="8229600" cy="2716530"/>
+          </a:xfrm>
+          <a:prstGeom prst="roundRect">
+            <a:avLst/>
+          </a:prstGeom>
+          <a:solidFill>
+            <a:srgbClr val="DCDCDC"/>
+          </a:solidFill>
+          <a:ln>
+            <a:solidFill>
+              <a:srgbClr val="C8C8C8"/>
+            </a:solidFill>
+          </a:ln>
+        </p:spPr>
+        <p:style>
+          <a:lnRef idx="1">
+            <a:schemeClr val="accent1"/>
+          </a:lnRef>
+          <a:fillRef idx="3">
+            <a:schemeClr val="accent1"/>
+          </a:fillRef>
+          <a:effectRef idx="2">
+            <a:schemeClr val="accent1"/>
+          </a:effectRef>
+          <a:fontRef idx="minor">
+            <a:schemeClr val="lt1"/>
+          </a:fontRef>
+        </p:style>
+        <p:txBody>
+          <a:bodyPr rtlCol="0" anchor="ctr"/>
+          <a:lstStyle/>
+          <a:p>
+            <a:pPr algn="ctr"/>
+          </a:p>
+        </p:txBody>
+      </p:sp>
+      <p:sp>
+        <p:nvSpPr>
+          <p:cNvPr id="4" name="TextBox 3"/>
+          <p:cNvSpPr txBox="1"/>
+          <p:nvPr/>
+        </p:nvSpPr>
+        <p:spPr>
+          <a:xfrm>
+            <a:off x="548640" y="1463040"/>
+            <a:ext cx="8046720" cy="914400"/>
+          </a:xfrm>
+          <a:prstGeom prst="rect">
+            <a:avLst/>
+          </a:prstGeom>
+          <a:noFill/>
+        </p:spPr>
+        <p:txBody>
+          <a:bodyPr wrap="square" tIns="0" bIns="0" lIns="0" rIns="0">
+            <a:spAutoFit/>
+          </a:bodyPr>
+          <a:lstStyle/>
+          <a:p/>
+          <a:p>
+            <a:pPr>
+              <a:spcBef>
+                <a:spcPts val="0"/>
+              </a:spcBef>
+              <a:spcAft>
+                <a:spcPts val="200"/>
+              </a:spcAft>
+              <a:defRPr b="1" sz="1400"/>
+            </a:pPr>
+            <a:r>
+              <a:t>Solution Provided:</a:t>
+            </a:r>
+          </a:p>
+          <a:p>
+            <a:pPr>
+              <a:spcBef>
+                <a:spcPts val="0"/>
+              </a:spcBef>
+              <a:spcAft>
+                <a:spcPts val="0"/>
+              </a:spcAft>
+              <a:defRPr b="0" sz="1200"/>
+            </a:pPr>
+            <a:r>
+              <a:t>We implemented a comprehensive, AI-driven supply chain transformation program named "SupplyIQ" with the following components:</a:t>
+            </a:r>
+          </a:p>
+        </p:txBody>
+      </p:sp>
+      <p:pic>
+        <p:nvPicPr>
+          <p:cNvPr id="5" name="Picture 4" descr="image.jpg"/>
+          <p:cNvPicPr>
+            <a:picLocks noChangeAspect="1"/>
+          </p:cNvPicPr>
+          <p:nvPr/>
+        </p:nvPicPr>
+        <p:blipFill>
+          <a:blip r:embed="rId2"/>
+          <a:stretch>
+            <a:fillRect/>
+          </a:stretch>
+        </p:blipFill>
+        <p:spPr>
+          <a:xfrm>
+            <a:off x="4333875" y="2560320"/>
+            <a:ext cx="476250" cy="476250"/>
+          </a:xfrm>
+          <a:prstGeom prst="rect">
+            <a:avLst/>
+          </a:prstGeom>
+        </p:spPr>
+      </p:pic>
     </p:spTree>
   </p:cSld>
   <p:clrMapOvr>

--- a/presentation.pptx
+++ b/presentation.pptx
@@ -3092,14 +3092,55 @@
       <p:grpSpPr/>
       <p:sp>
         <p:nvSpPr>
-          <p:cNvPr id="2" name="TextBox 1"/>
+          <p:cNvPr id="2" name="Rectangle 1"/>
+          <p:cNvSpPr/>
+          <p:nvPr/>
+        </p:nvSpPr>
+        <p:spPr>
+          <a:xfrm>
+            <a:off x="0" y="0"/>
+            <a:ext cx="9144000" cy="1371600"/>
+          </a:xfrm>
+          <a:prstGeom prst="rect">
+            <a:avLst/>
+          </a:prstGeom>
+          <a:solidFill>
+            <a:srgbClr val="ADD8E6"/>
+          </a:solidFill>
+          <a:ln/>
+        </p:spPr>
+        <p:style>
+          <a:lnRef idx="1">
+            <a:schemeClr val="accent1"/>
+          </a:lnRef>
+          <a:fillRef idx="3">
+            <a:schemeClr val="accent1"/>
+          </a:fillRef>
+          <a:effectRef idx="2">
+            <a:schemeClr val="accent1"/>
+          </a:effectRef>
+          <a:fontRef idx="minor">
+            <a:schemeClr val="lt1"/>
+          </a:fontRef>
+        </p:style>
+        <p:txBody>
+          <a:bodyPr rtlCol="0" anchor="ctr"/>
+          <a:lstStyle/>
+          <a:p>
+            <a:pPr algn="ctr"/>
+          </a:p>
+        </p:txBody>
+      </p:sp>
+      <p:sp>
+        <p:nvSpPr>
+          <p:cNvPr id="3" name="TextBox 2"/>
           <p:cNvSpPr txBox="1"/>
           <p:nvPr/>
         </p:nvSpPr>
         <p:spPr>
           <a:xfrm>
-            <a:off x="457200" y="457200"/>
-            <a:ext cx="8229600" cy="914400"/>
+            <a:off x="7315200" y="182880"/>
+            <a:ext cx="1645920" cy="457200"/>
           </a:xfrm>
           <a:prstGeom prst="rect">
             <a:avLst/>
@@ -3113,25 +3154,29 @@
           <a:lstStyle/>
           <a:p/>
           <a:p>
-            <a:pPr algn="ctr">
-              <a:defRPr sz="3200" b="1"/>
+            <a:pPr algn="r">
+              <a:defRPr b="1" sz="1400">
+                <a:solidFill>
+                  <a:srgbClr val="003366"/>
+                </a:solidFill>
+              </a:defRPr>
             </a:pPr>
             <a:r>
-              <a:t>Success Story Repository</a:t>
-            </a:r>
-          </a:p>
-        </p:txBody>
-      </p:sp>
-      <p:sp>
-        <p:nvSpPr>
-          <p:cNvPr id="3" name="TextBox 2"/>
+              <a:t>@INFOSYS</a:t>
+            </a:r>
+          </a:p>
+        </p:txBody>
+      </p:sp>
+      <p:sp>
+        <p:nvSpPr>
+          <p:cNvPr id="4" name="TextBox 3"/>
           <p:cNvSpPr txBox="1"/>
           <p:nvPr/>
         </p:nvSpPr>
         <p:spPr>
           <a:xfrm>
-            <a:off x="457200" y="1371600"/>
-            <a:ext cx="8229600" cy="640080"/>
+            <a:off x="457200" y="457200"/>
+            <a:ext cx="8229600" cy="914400"/>
           </a:xfrm>
           <a:prstGeom prst="rect">
             <a:avLst/>
@@ -3139,39 +3184,31 @@
           <a:noFill/>
         </p:spPr>
         <p:txBody>
-          <a:bodyPr wrap="square" lIns="0" rIns="0" tIns="0" bIns="0">
+          <a:bodyPr wrap="none">
             <a:spAutoFit/>
           </a:bodyPr>
           <a:lstStyle/>
           <a:p/>
           <a:p>
-            <a:pPr>
-              <a:defRPr b="1" sz="1800"/>
+            <a:pPr algn="ctr">
+              <a:defRPr sz="3200" b="1"/>
             </a:pPr>
             <a:r>
-              <a:t>Story Title:</a:t>
-            </a:r>
-          </a:p>
-          <a:p>
-            <a:pPr>
-              <a:defRPr b="0" sz="1200"/>
-            </a:pPr>
-            <a:r>
-              <a:t>Global Supply Chain Optimization for XYZ Corp</a:t>
-            </a:r>
-          </a:p>
-        </p:txBody>
-      </p:sp>
-      <p:sp>
-        <p:nvSpPr>
-          <p:cNvPr id="4" name="TextBox 3"/>
+              <a:t>Success Story Repository</a:t>
+            </a:r>
+          </a:p>
+        </p:txBody>
+      </p:sp>
+      <p:sp>
+        <p:nvSpPr>
+          <p:cNvPr id="5" name="TextBox 4"/>
           <p:cNvSpPr txBox="1"/>
           <p:nvPr/>
         </p:nvSpPr>
         <p:spPr>
           <a:xfrm>
-            <a:off x="457200" y="2194560"/>
-            <a:ext cx="8229600" cy="1024890"/>
+            <a:off x="457200" y="1371600"/>
+            <a:ext cx="8229600" cy="640080"/>
           </a:xfrm>
           <a:prstGeom prst="rect">
             <a:avLst/>
@@ -3189,7 +3226,7 @@
               <a:defRPr b="1" sz="1800"/>
             </a:pPr>
             <a:r>
-              <a:t>Client MCC:</a:t>
+              <a:t>Story Title:</a:t>
             </a:r>
           </a:p>
           <a:p>
@@ -3197,6 +3234,46 @@
               <a:defRPr b="0" sz="1200"/>
             </a:pPr>
             <a:r>
+              <a:t>Global Supply Chain Optimization for XYZ Corp</a:t>
+            </a:r>
+          </a:p>
+        </p:txBody>
+      </p:sp>
+      <p:sp>
+        <p:nvSpPr>
+          <p:cNvPr id="6" name="TextBox 5"/>
+          <p:cNvSpPr txBox="1"/>
+          <p:nvPr/>
+        </p:nvSpPr>
+        <p:spPr>
+          <a:xfrm>
+            <a:off x="457200" y="2194560"/>
+            <a:ext cx="8229600" cy="1024890"/>
+          </a:xfrm>
+          <a:prstGeom prst="rect">
+            <a:avLst/>
+          </a:prstGeom>
+          <a:noFill/>
+        </p:spPr>
+        <p:txBody>
+          <a:bodyPr wrap="square" lIns="0" rIns="0" tIns="0" bIns="0">
+            <a:spAutoFit/>
+          </a:bodyPr>
+          <a:lstStyle/>
+          <a:p/>
+          <a:p>
+            <a:pPr>
+              <a:defRPr b="1" sz="1800"/>
+            </a:pPr>
+            <a:r>
+              <a:t>Client MCC:</a:t>
+            </a:r>
+          </a:p>
+          <a:p>
+            <a:pPr>
+              <a:defRPr b="0" sz="1200"/>
+            </a:pPr>
+            <a:r>
               <a:t>XYZ Corporation - Manufacturing</a:t>
             </a:r>
           </a:p>
@@ -3204,7 +3281,7 @@
       </p:sp>
       <p:pic>
         <p:nvPicPr>
-          <p:cNvPr id="5" name="Picture 4" descr="image.jpg"/>
+          <p:cNvPr id="7" name="Picture 6" descr="image.jpg"/>
           <p:cNvPicPr>
             <a:picLocks noChangeAspect="1"/>
           </p:cNvPicPr>
@@ -3228,7 +3305,7 @@
       </p:pic>
       <p:sp>
         <p:nvSpPr>
-          <p:cNvPr id="6" name="TextBox 5"/>
+          <p:cNvPr id="8" name="TextBox 7"/>
           <p:cNvSpPr txBox="1"/>
           <p:nvPr/>
         </p:nvSpPr>
@@ -3286,57 +3363,22 @@
       <p:grpSpPr/>
       <p:sp>
         <p:nvSpPr>
-          <p:cNvPr id="2" name="TextBox 1"/>
-          <p:cNvSpPr txBox="1"/>
+          <p:cNvPr id="2" name="Rectangle 1"/>
+          <p:cNvSpPr/>
           <p:nvPr/>
         </p:nvSpPr>
         <p:spPr>
           <a:xfrm>
-            <a:off x="457200" y="274320"/>
-            <a:ext cx="8229600" cy="914400"/>
+            <a:off x="0" y="0"/>
+            <a:ext cx="9144000" cy="1371600"/>
           </a:xfrm>
           <a:prstGeom prst="rect">
             <a:avLst/>
           </a:prstGeom>
-          <a:noFill/>
-        </p:spPr>
-        <p:txBody>
-          <a:bodyPr wrap="none">
-            <a:spAutoFit/>
-          </a:bodyPr>
-          <a:lstStyle/>
-          <a:p>
-            <a:pPr>
-              <a:defRPr sz="2800" b="1"/>
-            </a:pPr>
-            <a:r>
-              <a:t>Slide 2</a:t>
-            </a:r>
-          </a:p>
-        </p:txBody>
-      </p:sp>
-      <p:sp>
-        <p:nvSpPr>
-          <p:cNvPr id="3" name="Rounded Rectangle 2"/>
-          <p:cNvSpPr/>
-          <p:nvPr/>
-        </p:nvSpPr>
-        <p:spPr>
-          <a:xfrm>
-            <a:off x="457200" y="1371600"/>
-            <a:ext cx="3657600" cy="1965960"/>
-          </a:xfrm>
-          <a:prstGeom prst="roundRect">
-            <a:avLst/>
-          </a:prstGeom>
           <a:solidFill>
-            <a:srgbClr val="DCDCDC"/>
+            <a:srgbClr val="ADD8E6"/>
           </a:solidFill>
-          <a:ln>
-            <a:solidFill>
-              <a:srgbClr val="C8C8C8"/>
-            </a:solidFill>
-          </a:ln>
+          <a:ln/>
         </p:spPr>
         <p:style>
           <a:lnRef idx="1">
@@ -3362,14 +3404,14 @@
       </p:sp>
       <p:sp>
         <p:nvSpPr>
-          <p:cNvPr id="4" name="TextBox 3"/>
+          <p:cNvPr id="3" name="TextBox 2"/>
           <p:cNvSpPr txBox="1"/>
           <p:nvPr/>
         </p:nvSpPr>
         <p:spPr>
           <a:xfrm>
-            <a:off x="548640" y="1463040"/>
-            <a:ext cx="3474720" cy="1371600"/>
+            <a:off x="7315200" y="182880"/>
+            <a:ext cx="1645920" cy="457200"/>
           </a:xfrm>
           <a:prstGeom prst="rect">
             <a:avLst/>
@@ -3377,37 +3419,52 @@
           <a:noFill/>
         </p:spPr>
         <p:txBody>
-          <a:bodyPr wrap="square" tIns="0" bIns="0" lIns="0" rIns="0">
+          <a:bodyPr wrap="none">
             <a:spAutoFit/>
           </a:bodyPr>
           <a:lstStyle/>
           <a:p/>
           <a:p>
+            <a:pPr algn="r">
+              <a:defRPr b="1" sz="1400">
+                <a:solidFill>
+                  <a:srgbClr val="003366"/>
+                </a:solidFill>
+              </a:defRPr>
+            </a:pPr>
+            <a:r>
+              <a:t>@INFOSYS</a:t>
+            </a:r>
+          </a:p>
+        </p:txBody>
+      </p:sp>
+      <p:sp>
+        <p:nvSpPr>
+          <p:cNvPr id="4" name="TextBox 3"/>
+          <p:cNvSpPr txBox="1"/>
+          <p:nvPr/>
+        </p:nvSpPr>
+        <p:spPr>
+          <a:xfrm>
+            <a:off x="457200" y="274320"/>
+            <a:ext cx="8229600" cy="914400"/>
+          </a:xfrm>
+          <a:prstGeom prst="rect">
+            <a:avLst/>
+          </a:prstGeom>
+          <a:noFill/>
+        </p:spPr>
+        <p:txBody>
+          <a:bodyPr wrap="none">
+            <a:spAutoFit/>
+          </a:bodyPr>
+          <a:lstStyle/>
+          <a:p>
             <a:pPr>
-              <a:spcBef>
-                <a:spcPts val="0"/>
-              </a:spcBef>
-              <a:spcAft>
-                <a:spcPts val="200"/>
-              </a:spcAft>
-              <a:defRPr b="1" sz="1400"/>
+              <a:defRPr sz="2800" b="1"/>
             </a:pPr>
             <a:r>
-              <a:t>Problem Statement:</a:t>
-            </a:r>
-          </a:p>
-          <a:p>
-            <a:pPr>
-              <a:spcBef>
-                <a:spcPts val="0"/>
-              </a:spcBef>
-              <a:spcAft>
-                <a:spcPts val="0"/>
-              </a:spcAft>
-              <a:defRPr b="0" sz="1200"/>
-            </a:pPr>
-            <a:r>
-              <a:t>XYZ Corporation was facing multiple critical challenges across their global supply chain operations: Rising operational costs: Transportation expenses had increased by 32% over two years due to fuel price volatility and inefficient routing.</a:t>
+              <a:t>Slide 2</a:t>
             </a:r>
           </a:p>
         </p:txBody>
@@ -3420,7 +3477,7 @@
         </p:nvSpPr>
         <p:spPr>
           <a:xfrm>
-            <a:off x="4572000" y="1371600"/>
+            <a:off x="457200" y="1371600"/>
             <a:ext cx="3657600" cy="1965960"/>
           </a:xfrm>
           <a:prstGeom prst="roundRect">
@@ -3465,8 +3522,8 @@
         </p:nvSpPr>
         <p:spPr>
           <a:xfrm>
-            <a:off x="4663440" y="1463040"/>
-            <a:ext cx="3474720" cy="914400"/>
+            <a:off x="548640" y="1463040"/>
+            <a:ext cx="3474720" cy="1371600"/>
           </a:xfrm>
           <a:prstGeom prst="rect">
             <a:avLst/>
@@ -3490,7 +3547,7 @@
               <a:defRPr b="1" sz="1400"/>
             </a:pPr>
             <a:r>
-              <a:t>Business Value Delivered:</a:t>
+              <a:t>Problem Statement:</a:t>
             </a:r>
           </a:p>
           <a:p>
@@ -3504,7 +3561,7 @@
               <a:defRPr b="0" sz="1200"/>
             </a:pPr>
             <a:r>
-              <a:t>The SupplyIQ solution delivered significant, measurable benefits across multiple business dimensions. Supply chain visibility improved by 78%, while inventory carrying costs decreased by 23% in the first six months.</a:t>
+              <a:t>XYZ Corporation was facing multiple critical challenges across their global supply chain operations: Rising operational costs: Transportation expenses had increased by 32% over two years due to fuel price volatility and inefficient routing.</a:t>
             </a:r>
           </a:p>
         </p:txBody>
@@ -3517,8 +3574,8 @@
         </p:nvSpPr>
         <p:spPr>
           <a:xfrm>
-            <a:off x="457200" y="3886200"/>
-            <a:ext cx="8229600" cy="2716530"/>
+            <a:off x="4572000" y="1371600"/>
+            <a:ext cx="3657600" cy="1965960"/>
           </a:xfrm>
           <a:prstGeom prst="roundRect">
             <a:avLst/>
@@ -3562,8 +3619,8 @@
         </p:nvSpPr>
         <p:spPr>
           <a:xfrm>
-            <a:off x="548640" y="3977640"/>
-            <a:ext cx="8046720" cy="914400"/>
+            <a:off x="4663440" y="1463040"/>
+            <a:ext cx="3474720" cy="914400"/>
           </a:xfrm>
           <a:prstGeom prst="rect">
             <a:avLst/>
@@ -3587,7 +3644,7 @@
               <a:defRPr b="1" sz="1400"/>
             </a:pPr>
             <a:r>
-              <a:t>Solution Provided:</a:t>
+              <a:t>Business Value Delivered:</a:t>
             </a:r>
           </a:p>
           <a:p>
@@ -3601,6 +3658,103 @@
               <a:defRPr b="0" sz="1200"/>
             </a:pPr>
             <a:r>
+              <a:t>The SupplyIQ solution delivered significant, measurable benefits across multiple business dimensions. Supply chain visibility improved by 78%, while inventory carrying costs decreased by 23% in the first six months.</a:t>
+            </a:r>
+          </a:p>
+        </p:txBody>
+      </p:sp>
+      <p:sp>
+        <p:nvSpPr>
+          <p:cNvPr id="9" name="Rounded Rectangle 8"/>
+          <p:cNvSpPr/>
+          <p:nvPr/>
+        </p:nvSpPr>
+        <p:spPr>
+          <a:xfrm>
+            <a:off x="457200" y="3886200"/>
+            <a:ext cx="8229600" cy="2907030"/>
+          </a:xfrm>
+          <a:prstGeom prst="roundRect">
+            <a:avLst/>
+          </a:prstGeom>
+          <a:solidFill>
+            <a:srgbClr val="DCDCDC"/>
+          </a:solidFill>
+          <a:ln>
+            <a:solidFill>
+              <a:srgbClr val="C8C8C8"/>
+            </a:solidFill>
+          </a:ln>
+        </p:spPr>
+        <p:style>
+          <a:lnRef idx="1">
+            <a:schemeClr val="accent1"/>
+          </a:lnRef>
+          <a:fillRef idx="3">
+            <a:schemeClr val="accent1"/>
+          </a:fillRef>
+          <a:effectRef idx="2">
+            <a:schemeClr val="accent1"/>
+          </a:effectRef>
+          <a:fontRef idx="minor">
+            <a:schemeClr val="lt1"/>
+          </a:fontRef>
+        </p:style>
+        <p:txBody>
+          <a:bodyPr rtlCol="0" anchor="ctr"/>
+          <a:lstStyle/>
+          <a:p>
+            <a:pPr algn="ctr"/>
+          </a:p>
+        </p:txBody>
+      </p:sp>
+      <p:sp>
+        <p:nvSpPr>
+          <p:cNvPr id="10" name="TextBox 9"/>
+          <p:cNvSpPr txBox="1"/>
+          <p:nvPr/>
+        </p:nvSpPr>
+        <p:spPr>
+          <a:xfrm>
+            <a:off x="548640" y="3977640"/>
+            <a:ext cx="8046720" cy="914400"/>
+          </a:xfrm>
+          <a:prstGeom prst="rect">
+            <a:avLst/>
+          </a:prstGeom>
+          <a:noFill/>
+        </p:spPr>
+        <p:txBody>
+          <a:bodyPr wrap="square" tIns="0" bIns="0" lIns="0" rIns="0">
+            <a:spAutoFit/>
+          </a:bodyPr>
+          <a:lstStyle/>
+          <a:p/>
+          <a:p>
+            <a:pPr>
+              <a:spcBef>
+                <a:spcPts val="0"/>
+              </a:spcBef>
+              <a:spcAft>
+                <a:spcPts val="200"/>
+              </a:spcAft>
+              <a:defRPr b="1" sz="1400"/>
+            </a:pPr>
+            <a:r>
+              <a:t>Solution Provided:</a:t>
+            </a:r>
+          </a:p>
+          <a:p>
+            <a:pPr>
+              <a:spcBef>
+                <a:spcPts val="0"/>
+              </a:spcBef>
+              <a:spcAft>
+                <a:spcPts val="0"/>
+              </a:spcAft>
+              <a:defRPr b="0" sz="1200"/>
+            </a:pPr>
+            <a:r>
               <a:t>We implemented a comprehensive, AI-driven supply chain transformation program named "SupplyIQ" with the following components:</a:t>
             </a:r>
           </a:p>
@@ -3608,7 +3762,7 @@
       </p:sp>
       <p:pic>
         <p:nvPicPr>
-          <p:cNvPr id="9" name="Picture 8" descr="image.jpg"/>
+          <p:cNvPr id="11" name="Picture 10" descr="image.jpg"/>
           <p:cNvPicPr>
             <a:picLocks noChangeAspect="1"/>
           </p:cNvPicPr>
@@ -3622,8 +3776,8 @@
         </p:blipFill>
         <p:spPr>
           <a:xfrm>
-            <a:off x="4333875" y="5074920"/>
-            <a:ext cx="476250" cy="476250"/>
+            <a:off x="4238625" y="5074920"/>
+            <a:ext cx="666750" cy="666750"/>
           </a:xfrm>
           <a:prstGeom prst="rect">
             <a:avLst/>
@@ -3650,57 +3804,22 @@
       <p:grpSpPr/>
       <p:sp>
         <p:nvSpPr>
-          <p:cNvPr id="2" name="TextBox 1"/>
-          <p:cNvSpPr txBox="1"/>
+          <p:cNvPr id="2" name="Rectangle 1"/>
+          <p:cNvSpPr/>
           <p:nvPr/>
         </p:nvSpPr>
         <p:spPr>
           <a:xfrm>
-            <a:off x="457200" y="274320"/>
-            <a:ext cx="8229600" cy="914400"/>
+            <a:off x="0" y="0"/>
+            <a:ext cx="9144000" cy="1371600"/>
           </a:xfrm>
           <a:prstGeom prst="rect">
             <a:avLst/>
           </a:prstGeom>
-          <a:noFill/>
-        </p:spPr>
-        <p:txBody>
-          <a:bodyPr wrap="none">
-            <a:spAutoFit/>
-          </a:bodyPr>
-          <a:lstStyle/>
-          <a:p>
-            <a:pPr>
-              <a:defRPr sz="2800" b="1"/>
-            </a:pPr>
-            <a:r>
-              <a:t>Slide 2 (Continued)</a:t>
-            </a:r>
-          </a:p>
-        </p:txBody>
-      </p:sp>
-      <p:sp>
-        <p:nvSpPr>
-          <p:cNvPr id="3" name="Rounded Rectangle 2"/>
-          <p:cNvSpPr/>
-          <p:nvPr/>
-        </p:nvSpPr>
-        <p:spPr>
-          <a:xfrm>
-            <a:off x="457200" y="1371600"/>
-            <a:ext cx="8229600" cy="2716530"/>
-          </a:xfrm>
-          <a:prstGeom prst="roundRect">
-            <a:avLst/>
-          </a:prstGeom>
           <a:solidFill>
-            <a:srgbClr val="DCDCDC"/>
+            <a:srgbClr val="ADD8E6"/>
           </a:solidFill>
-          <a:ln>
-            <a:solidFill>
-              <a:srgbClr val="C8C8C8"/>
-            </a:solidFill>
-          </a:ln>
+          <a:ln/>
         </p:spPr>
         <p:style>
           <a:lnRef idx="1">
@@ -3726,7 +3845,119 @@
       </p:sp>
       <p:sp>
         <p:nvSpPr>
+          <p:cNvPr id="3" name="TextBox 2"/>
+          <p:cNvSpPr txBox="1"/>
+          <p:nvPr/>
+        </p:nvSpPr>
+        <p:spPr>
+          <a:xfrm>
+            <a:off x="7315200" y="182880"/>
+            <a:ext cx="1645920" cy="457200"/>
+          </a:xfrm>
+          <a:prstGeom prst="rect">
+            <a:avLst/>
+          </a:prstGeom>
+          <a:noFill/>
+        </p:spPr>
+        <p:txBody>
+          <a:bodyPr wrap="none">
+            <a:spAutoFit/>
+          </a:bodyPr>
+          <a:lstStyle/>
+          <a:p/>
+          <a:p>
+            <a:pPr algn="r">
+              <a:defRPr b="1" sz="1400">
+                <a:solidFill>
+                  <a:srgbClr val="003366"/>
+                </a:solidFill>
+              </a:defRPr>
+            </a:pPr>
+            <a:r>
+              <a:t>@INFOSYS</a:t>
+            </a:r>
+          </a:p>
+        </p:txBody>
+      </p:sp>
+      <p:sp>
+        <p:nvSpPr>
           <p:cNvPr id="4" name="TextBox 3"/>
+          <p:cNvSpPr txBox="1"/>
+          <p:nvPr/>
+        </p:nvSpPr>
+        <p:spPr>
+          <a:xfrm>
+            <a:off x="457200" y="274320"/>
+            <a:ext cx="8229600" cy="914400"/>
+          </a:xfrm>
+          <a:prstGeom prst="rect">
+            <a:avLst/>
+          </a:prstGeom>
+          <a:noFill/>
+        </p:spPr>
+        <p:txBody>
+          <a:bodyPr wrap="none">
+            <a:spAutoFit/>
+          </a:bodyPr>
+          <a:lstStyle/>
+          <a:p>
+            <a:pPr>
+              <a:defRPr sz="2800" b="1"/>
+            </a:pPr>
+            <a:r>
+              <a:t>Slide 2 (Continued)</a:t>
+            </a:r>
+          </a:p>
+        </p:txBody>
+      </p:sp>
+      <p:sp>
+        <p:nvSpPr>
+          <p:cNvPr id="5" name="Rounded Rectangle 4"/>
+          <p:cNvSpPr/>
+          <p:nvPr/>
+        </p:nvSpPr>
+        <p:spPr>
+          <a:xfrm>
+            <a:off x="457200" y="1371600"/>
+            <a:ext cx="8229600" cy="2907030"/>
+          </a:xfrm>
+          <a:prstGeom prst="roundRect">
+            <a:avLst/>
+          </a:prstGeom>
+          <a:solidFill>
+            <a:srgbClr val="DCDCDC"/>
+          </a:solidFill>
+          <a:ln>
+            <a:solidFill>
+              <a:srgbClr val="C8C8C8"/>
+            </a:solidFill>
+          </a:ln>
+        </p:spPr>
+        <p:style>
+          <a:lnRef idx="1">
+            <a:schemeClr val="accent1"/>
+          </a:lnRef>
+          <a:fillRef idx="3">
+            <a:schemeClr val="accent1"/>
+          </a:fillRef>
+          <a:effectRef idx="2">
+            <a:schemeClr val="accent1"/>
+          </a:effectRef>
+          <a:fontRef idx="minor">
+            <a:schemeClr val="lt1"/>
+          </a:fontRef>
+        </p:style>
+        <p:txBody>
+          <a:bodyPr rtlCol="0" anchor="ctr"/>
+          <a:lstStyle/>
+          <a:p>
+            <a:pPr algn="ctr"/>
+          </a:p>
+        </p:txBody>
+      </p:sp>
+      <p:sp>
+        <p:nvSpPr>
+          <p:cNvPr id="6" name="TextBox 5"/>
           <p:cNvSpPr txBox="1"/>
           <p:nvPr/>
         </p:nvSpPr>
@@ -3778,7 +4009,7 @@
       </p:sp>
       <p:pic>
         <p:nvPicPr>
-          <p:cNvPr id="5" name="Picture 4" descr="image.jpg"/>
+          <p:cNvPr id="7" name="Picture 6" descr="image.jpg"/>
           <p:cNvPicPr>
             <a:picLocks noChangeAspect="1"/>
           </p:cNvPicPr>
@@ -3792,8 +4023,8 @@
         </p:blipFill>
         <p:spPr>
           <a:xfrm>
-            <a:off x="4333875" y="2560320"/>
-            <a:ext cx="476250" cy="476250"/>
+            <a:off x="4238625" y="2560320"/>
+            <a:ext cx="666750" cy="666750"/>
           </a:xfrm>
           <a:prstGeom prst="rect">
             <a:avLst/>

--- a/presentation.pptx
+++ b/presentation.pptx
@@ -3090,198 +3090,9 @@
         <p:nvPr/>
       </p:nvGrpSpPr>
       <p:grpSpPr/>
-      <p:sp>
-        <p:nvSpPr>
-          <p:cNvPr id="2" name="Rectangle 1"/>
-          <p:cNvSpPr/>
-          <p:nvPr/>
-        </p:nvSpPr>
-        <p:spPr>
-          <a:xfrm>
-            <a:off x="0" y="0"/>
-            <a:ext cx="9144000" cy="1371600"/>
-          </a:xfrm>
-          <a:prstGeom prst="rect">
-            <a:avLst/>
-          </a:prstGeom>
-          <a:solidFill>
-            <a:srgbClr val="ADD8E6"/>
-          </a:solidFill>
-          <a:ln/>
-        </p:spPr>
-        <p:style>
-          <a:lnRef idx="1">
-            <a:schemeClr val="accent1"/>
-          </a:lnRef>
-          <a:fillRef idx="3">
-            <a:schemeClr val="accent1"/>
-          </a:fillRef>
-          <a:effectRef idx="2">
-            <a:schemeClr val="accent1"/>
-          </a:effectRef>
-          <a:fontRef idx="minor">
-            <a:schemeClr val="lt1"/>
-          </a:fontRef>
-        </p:style>
-        <p:txBody>
-          <a:bodyPr rtlCol="0" anchor="ctr"/>
-          <a:lstStyle/>
-          <a:p>
-            <a:pPr algn="ctr"/>
-          </a:p>
-        </p:txBody>
-      </p:sp>
-      <p:sp>
-        <p:nvSpPr>
-          <p:cNvPr id="3" name="TextBox 2"/>
-          <p:cNvSpPr txBox="1"/>
-          <p:nvPr/>
-        </p:nvSpPr>
-        <p:spPr>
-          <a:xfrm>
-            <a:off x="7315200" y="182880"/>
-            <a:ext cx="1645920" cy="457200"/>
-          </a:xfrm>
-          <a:prstGeom prst="rect">
-            <a:avLst/>
-          </a:prstGeom>
-          <a:noFill/>
-        </p:spPr>
-        <p:txBody>
-          <a:bodyPr wrap="none">
-            <a:spAutoFit/>
-          </a:bodyPr>
-          <a:lstStyle/>
-          <a:p/>
-          <a:p>
-            <a:pPr algn="r">
-              <a:defRPr b="1" sz="1400">
-                <a:solidFill>
-                  <a:srgbClr val="003366"/>
-                </a:solidFill>
-              </a:defRPr>
-            </a:pPr>
-            <a:r>
-              <a:t>@INFOSYS</a:t>
-            </a:r>
-          </a:p>
-        </p:txBody>
-      </p:sp>
-      <p:sp>
-        <p:nvSpPr>
-          <p:cNvPr id="4" name="TextBox 3"/>
-          <p:cNvSpPr txBox="1"/>
-          <p:nvPr/>
-        </p:nvSpPr>
-        <p:spPr>
-          <a:xfrm>
-            <a:off x="457200" y="457200"/>
-            <a:ext cx="8229600" cy="914400"/>
-          </a:xfrm>
-          <a:prstGeom prst="rect">
-            <a:avLst/>
-          </a:prstGeom>
-          <a:noFill/>
-        </p:spPr>
-        <p:txBody>
-          <a:bodyPr wrap="none">
-            <a:spAutoFit/>
-          </a:bodyPr>
-          <a:lstStyle/>
-          <a:p/>
-          <a:p>
-            <a:pPr algn="ctr">
-              <a:defRPr sz="3200" b="1"/>
-            </a:pPr>
-            <a:r>
-              <a:t>Success Story Repository</a:t>
-            </a:r>
-          </a:p>
-        </p:txBody>
-      </p:sp>
-      <p:sp>
-        <p:nvSpPr>
-          <p:cNvPr id="5" name="TextBox 4"/>
-          <p:cNvSpPr txBox="1"/>
-          <p:nvPr/>
-        </p:nvSpPr>
-        <p:spPr>
-          <a:xfrm>
-            <a:off x="457200" y="1371600"/>
-            <a:ext cx="8229600" cy="640080"/>
-          </a:xfrm>
-          <a:prstGeom prst="rect">
-            <a:avLst/>
-          </a:prstGeom>
-          <a:noFill/>
-        </p:spPr>
-        <p:txBody>
-          <a:bodyPr wrap="square" lIns="0" rIns="0" tIns="0" bIns="0">
-            <a:spAutoFit/>
-          </a:bodyPr>
-          <a:lstStyle/>
-          <a:p/>
-          <a:p>
-            <a:pPr>
-              <a:defRPr b="1" sz="1800"/>
-            </a:pPr>
-            <a:r>
-              <a:t>Story Title:</a:t>
-            </a:r>
-          </a:p>
-          <a:p>
-            <a:pPr>
-              <a:defRPr b="0" sz="1200"/>
-            </a:pPr>
-            <a:r>
-              <a:t>Global Supply Chain Optimization for XYZ Corp</a:t>
-            </a:r>
-          </a:p>
-        </p:txBody>
-      </p:sp>
-      <p:sp>
-        <p:nvSpPr>
-          <p:cNvPr id="6" name="TextBox 5"/>
-          <p:cNvSpPr txBox="1"/>
-          <p:nvPr/>
-        </p:nvSpPr>
-        <p:spPr>
-          <a:xfrm>
-            <a:off x="457200" y="2194560"/>
-            <a:ext cx="8229600" cy="1024890"/>
-          </a:xfrm>
-          <a:prstGeom prst="rect">
-            <a:avLst/>
-          </a:prstGeom>
-          <a:noFill/>
-        </p:spPr>
-        <p:txBody>
-          <a:bodyPr wrap="square" lIns="0" rIns="0" tIns="0" bIns="0">
-            <a:spAutoFit/>
-          </a:bodyPr>
-          <a:lstStyle/>
-          <a:p/>
-          <a:p>
-            <a:pPr>
-              <a:defRPr b="1" sz="1800"/>
-            </a:pPr>
-            <a:r>
-              <a:t>Client MCC:</a:t>
-            </a:r>
-          </a:p>
-          <a:p>
-            <a:pPr>
-              <a:defRPr b="0" sz="1200"/>
-            </a:pPr>
-            <a:r>
-              <a:t>XYZ Corporation - Manufacturing</a:t>
-            </a:r>
-          </a:p>
-        </p:txBody>
-      </p:sp>
       <p:pic>
         <p:nvPicPr>
-          <p:cNvPr id="7" name="Picture 6" descr="image.jpg"/>
+          <p:cNvPr id="2" name="Picture 1" descr="image.jpg"/>
           <p:cNvPicPr>
             <a:picLocks noChangeAspect="1"/>
           </p:cNvPicPr>
@@ -3295,8 +3106,8 @@
         </p:blipFill>
         <p:spPr>
           <a:xfrm>
-            <a:off x="4333875" y="3200400"/>
-            <a:ext cx="476250" cy="476250"/>
+            <a:off x="0" y="0"/>
+            <a:ext cx="9144000" cy="1280160"/>
           </a:xfrm>
           <a:prstGeom prst="rect">
             <a:avLst/>
@@ -3305,14 +3116,14 @@
       </p:pic>
       <p:sp>
         <p:nvSpPr>
-          <p:cNvPr id="8" name="TextBox 7"/>
+          <p:cNvPr id="3" name="TextBox 2"/>
           <p:cNvSpPr txBox="1"/>
           <p:nvPr/>
         </p:nvSpPr>
         <p:spPr>
           <a:xfrm>
-            <a:off x="457200" y="4042410"/>
-            <a:ext cx="8229600" cy="2011680"/>
+            <a:off x="7315200" y="182880"/>
+            <a:ext cx="1645920" cy="457200"/>
           </a:xfrm>
           <a:prstGeom prst="rect">
             <a:avLst/>
@@ -3320,6 +3131,74 @@
           <a:noFill/>
         </p:spPr>
         <p:txBody>
+          <a:bodyPr wrap="none">
+            <a:spAutoFit/>
+          </a:bodyPr>
+          <a:lstStyle/>
+          <a:p/>
+          <a:p>
+            <a:pPr algn="r">
+              <a:defRPr b="1" sz="1400">
+                <a:solidFill>
+                  <a:srgbClr val="003366"/>
+                </a:solidFill>
+              </a:defRPr>
+            </a:pPr>
+            <a:r>
+              <a:t>@INFOSYS</a:t>
+            </a:r>
+          </a:p>
+        </p:txBody>
+      </p:sp>
+      <p:sp>
+        <p:nvSpPr>
+          <p:cNvPr id="4" name="TextBox 3"/>
+          <p:cNvSpPr txBox="1"/>
+          <p:nvPr/>
+        </p:nvSpPr>
+        <p:spPr>
+          <a:xfrm>
+            <a:off x="457200" y="457200"/>
+            <a:ext cx="8229600" cy="914400"/>
+          </a:xfrm>
+          <a:prstGeom prst="rect">
+            <a:avLst/>
+          </a:prstGeom>
+          <a:noFill/>
+        </p:spPr>
+        <p:txBody>
+          <a:bodyPr wrap="none">
+            <a:spAutoFit/>
+          </a:bodyPr>
+          <a:lstStyle/>
+          <a:p/>
+          <a:p>
+            <a:pPr algn="ctr">
+              <a:defRPr sz="3200" b="1"/>
+            </a:pPr>
+            <a:r>
+              <a:t>Success Story Repository</a:t>
+            </a:r>
+          </a:p>
+        </p:txBody>
+      </p:sp>
+      <p:sp>
+        <p:nvSpPr>
+          <p:cNvPr id="5" name="TextBox 4"/>
+          <p:cNvSpPr txBox="1"/>
+          <p:nvPr/>
+        </p:nvSpPr>
+        <p:spPr>
+          <a:xfrm>
+            <a:off x="457200" y="1371600"/>
+            <a:ext cx="8229600" cy="640080"/>
+          </a:xfrm>
+          <a:prstGeom prst="rect">
+            <a:avLst/>
+          </a:prstGeom>
+          <a:noFill/>
+        </p:spPr>
+        <p:txBody>
           <a:bodyPr wrap="square" lIns="0" rIns="0" tIns="0" bIns="0">
             <a:spAutoFit/>
           </a:bodyPr>
@@ -3327,18 +3206,136 @@
           <a:p/>
           <a:p>
             <a:pPr>
-              <a:defRPr b="1" sz="1800"/>
+              <a:defRPr b="1" sz="2000"/>
             </a:pPr>
             <a:r>
+              <a:t>Story Title:</a:t>
+            </a:r>
+          </a:p>
+          <a:p>
+            <a:pPr>
+              <a:defRPr sz="1200"/>
+            </a:pPr>
+            <a:r>
+              <a:t>Global Supply Chain Optimization for XYZ Corp</a:t>
+            </a:r>
+          </a:p>
+        </p:txBody>
+      </p:sp>
+      <p:sp>
+        <p:nvSpPr>
+          <p:cNvPr id="6" name="TextBox 5"/>
+          <p:cNvSpPr txBox="1"/>
+          <p:nvPr/>
+        </p:nvSpPr>
+        <p:spPr>
+          <a:xfrm>
+            <a:off x="457200" y="2194560"/>
+            <a:ext cx="8229600" cy="1024890"/>
+          </a:xfrm>
+          <a:prstGeom prst="rect">
+            <a:avLst/>
+          </a:prstGeom>
+          <a:noFill/>
+        </p:spPr>
+        <p:txBody>
+          <a:bodyPr wrap="square" lIns="0" rIns="0" tIns="0" bIns="0">
+            <a:spAutoFit/>
+          </a:bodyPr>
+          <a:lstStyle/>
+          <a:p/>
+          <a:p>
+            <a:pPr>
+              <a:defRPr b="1" sz="2000"/>
+            </a:pPr>
+            <a:r>
+              <a:t>Client MCC:</a:t>
+            </a:r>
+          </a:p>
+          <a:p>
+            <a:pPr>
+              <a:defRPr sz="1200"/>
+            </a:pPr>
+            <a:r>
+              <a:t>XYZ Corporation - Manufacturing</a:t>
+            </a:r>
+          </a:p>
+        </p:txBody>
+      </p:sp>
+      <p:pic>
+        <p:nvPicPr>
+          <p:cNvPr id="7" name="Picture 6" descr="image.jpg"/>
+          <p:cNvPicPr>
+            <a:picLocks noChangeAspect="1"/>
+          </p:cNvPicPr>
+          <p:nvPr/>
+        </p:nvPicPr>
+        <p:blipFill>
+          <a:blip r:embed="rId3"/>
+          <a:stretch>
+            <a:fillRect/>
+          </a:stretch>
+        </p:blipFill>
+        <p:spPr>
+          <a:xfrm>
+            <a:off x="4333875" y="3200400"/>
+            <a:ext cx="476250" cy="476250"/>
+          </a:xfrm>
+          <a:prstGeom prst="rect">
+            <a:avLst/>
+          </a:prstGeom>
+        </p:spPr>
+      </p:pic>
+      <p:sp>
+        <p:nvSpPr>
+          <p:cNvPr id="8" name="TextBox 7"/>
+          <p:cNvSpPr txBox="1"/>
+          <p:nvPr/>
+        </p:nvSpPr>
+        <p:spPr>
+          <a:xfrm>
+            <a:off x="457200" y="4042410"/>
+            <a:ext cx="8229600" cy="2011680"/>
+          </a:xfrm>
+          <a:prstGeom prst="rect">
+            <a:avLst/>
+          </a:prstGeom>
+          <a:noFill/>
+        </p:spPr>
+        <p:txBody>
+          <a:bodyPr wrap="square" lIns="0" rIns="0" tIns="0" bIns="0">
+            <a:spAutoFit/>
+          </a:bodyPr>
+          <a:lstStyle/>
+          <a:p/>
+          <a:p>
+            <a:pPr>
+              <a:defRPr b="1" sz="2000"/>
+            </a:pPr>
+            <a:r>
               <a:t>Executive Summary:</a:t>
             </a:r>
           </a:p>
           <a:p>
-            <a:pPr>
-              <a:defRPr b="0" sz="1200"/>
-            </a:pPr>
-            <a:r>
-              <a:t>Helped XYZ Corporation transform their global supply chain operations through advanced AI and analytics, resulting in a comprehensive 27% reduction in overall costs. The multi-phase project began with a detailed assessment of their existing supply chain inefficiencies across 12 global markets, followed by implementation of custom predictive analytics models and machine learning algorithms.</a:t>
+            <a:r>
+              <a:rPr sz="1200"/>
+              <a:t>Helped XYZ Corporation transform their global supply chain operations through advanced AI and analytics, resulting in a comprehensive </a:t>
+            </a:r>
+            <a:r>
+              <a:rPr b="1" sz="1400"/>
+              <a:t>27</a:t>
+            </a:r>
+            <a:r>
+              <a:rPr sz="1200"/>
+              <a:t>% reduction in overall costs. The multi-phase project began with a detailed assessment of their existing supply chain inefficiencies across </a:t>
+            </a:r>
+            <a:r>
+              <a:rPr b="1" sz="1400"/>
+              <a:t>12</a:t>
+            </a:r>
+            <a:r>
+              <a:rPr sz="1200"/>
+              <a:t> global markets, followed by implementation of custom predictive analytics models and machine learning algorithms.</a:t>
             </a:r>
           </a:p>
         </p:txBody>
@@ -3361,24 +3358,119 @@
         <p:nvPr/>
       </p:nvGrpSpPr>
       <p:grpSpPr/>
-      <p:sp>
-        <p:nvSpPr>
-          <p:cNvPr id="2" name="Rectangle 1"/>
-          <p:cNvSpPr/>
+      <p:pic>
+        <p:nvPicPr>
+          <p:cNvPr id="2" name="Picture 1" descr="image.jpg"/>
+          <p:cNvPicPr>
+            <a:picLocks noChangeAspect="1"/>
+          </p:cNvPicPr>
           <p:nvPr/>
-        </p:nvSpPr>
+        </p:nvPicPr>
+        <p:blipFill>
+          <a:blip r:embed="rId2"/>
+          <a:stretch>
+            <a:fillRect/>
+          </a:stretch>
+        </p:blipFill>
         <p:spPr>
           <a:xfrm>
             <a:off x="0" y="0"/>
-            <a:ext cx="9144000" cy="1371600"/>
+            <a:ext cx="9144000" cy="1280160"/>
           </a:xfrm>
           <a:prstGeom prst="rect">
             <a:avLst/>
           </a:prstGeom>
+        </p:spPr>
+      </p:pic>
+      <p:sp>
+        <p:nvSpPr>
+          <p:cNvPr id="3" name="TextBox 2"/>
+          <p:cNvSpPr txBox="1"/>
+          <p:nvPr/>
+        </p:nvSpPr>
+        <p:spPr>
+          <a:xfrm>
+            <a:off x="7315200" y="182880"/>
+            <a:ext cx="1645920" cy="457200"/>
+          </a:xfrm>
+          <a:prstGeom prst="rect">
+            <a:avLst/>
+          </a:prstGeom>
+          <a:noFill/>
+        </p:spPr>
+        <p:txBody>
+          <a:bodyPr wrap="none">
+            <a:spAutoFit/>
+          </a:bodyPr>
+          <a:lstStyle/>
+          <a:p/>
+          <a:p>
+            <a:pPr algn="r">
+              <a:defRPr b="1" sz="1400">
+                <a:solidFill>
+                  <a:srgbClr val="003366"/>
+                </a:solidFill>
+              </a:defRPr>
+            </a:pPr>
+            <a:r>
+              <a:t>@INFOSYS</a:t>
+            </a:r>
+          </a:p>
+        </p:txBody>
+      </p:sp>
+      <p:sp>
+        <p:nvSpPr>
+          <p:cNvPr id="4" name="TextBox 3"/>
+          <p:cNvSpPr txBox="1"/>
+          <p:nvPr/>
+        </p:nvSpPr>
+        <p:spPr>
+          <a:xfrm>
+            <a:off x="457200" y="274320"/>
+            <a:ext cx="8229600" cy="914400"/>
+          </a:xfrm>
+          <a:prstGeom prst="rect">
+            <a:avLst/>
+          </a:prstGeom>
+          <a:noFill/>
+        </p:spPr>
+        <p:txBody>
+          <a:bodyPr wrap="none">
+            <a:spAutoFit/>
+          </a:bodyPr>
+          <a:lstStyle/>
+          <a:p>
+            <a:pPr>
+              <a:defRPr sz="2800" b="1"/>
+            </a:pPr>
+            <a:r>
+              <a:t>Slide 2</a:t>
+            </a:r>
+          </a:p>
+        </p:txBody>
+      </p:sp>
+      <p:sp>
+        <p:nvSpPr>
+          <p:cNvPr id="5" name="Rounded Rectangle 4"/>
+          <p:cNvSpPr/>
+          <p:nvPr/>
+        </p:nvSpPr>
+        <p:spPr>
+          <a:xfrm>
+            <a:off x="457200" y="1371600"/>
+            <a:ext cx="3657600" cy="1965960"/>
+          </a:xfrm>
+          <a:prstGeom prst="roundRect">
+            <a:avLst/>
+          </a:prstGeom>
           <a:solidFill>
-            <a:srgbClr val="ADD8E6"/>
+            <a:srgbClr val="DCDCDC"/>
           </a:solidFill>
-          <a:ln/>
+          <a:ln>
+            <a:solidFill>
+              <a:srgbClr val="C8C8C8"/>
+            </a:solidFill>
+          </a:ln>
         </p:spPr>
         <p:style>
           <a:lnRef idx="1">
@@ -3404,14 +3496,14 @@
       </p:sp>
       <p:sp>
         <p:nvSpPr>
-          <p:cNvPr id="3" name="TextBox 2"/>
+          <p:cNvPr id="6" name="TextBox 5"/>
           <p:cNvSpPr txBox="1"/>
           <p:nvPr/>
         </p:nvSpPr>
         <p:spPr>
           <a:xfrm>
-            <a:off x="7315200" y="182880"/>
-            <a:ext cx="1645920" cy="457200"/>
+            <a:off x="548640" y="1463040"/>
+            <a:ext cx="3474720" cy="1371600"/>
           </a:xfrm>
           <a:prstGeom prst="rect">
             <a:avLst/>
@@ -3419,65 +3511,58 @@
           <a:noFill/>
         </p:spPr>
         <p:txBody>
-          <a:bodyPr wrap="none">
+          <a:bodyPr wrap="square" tIns="0" bIns="0" lIns="0" rIns="0">
             <a:spAutoFit/>
           </a:bodyPr>
           <a:lstStyle/>
           <a:p/>
           <a:p>
-            <a:pPr algn="r">
-              <a:defRPr b="1" sz="1400">
-                <a:solidFill>
-                  <a:srgbClr val="003366"/>
-                </a:solidFill>
-              </a:defRPr>
+            <a:pPr>
+              <a:spcBef>
+                <a:spcPts val="0"/>
+              </a:spcBef>
+              <a:spcAft>
+                <a:spcPts val="200"/>
+              </a:spcAft>
+              <a:defRPr b="1" sz="1400"/>
             </a:pPr>
             <a:r>
-              <a:t>@INFOSYS</a:t>
-            </a:r>
-          </a:p>
-        </p:txBody>
-      </p:sp>
-      <p:sp>
-        <p:nvSpPr>
-          <p:cNvPr id="4" name="TextBox 3"/>
-          <p:cNvSpPr txBox="1"/>
-          <p:nvPr/>
-        </p:nvSpPr>
-        <p:spPr>
-          <a:xfrm>
-            <a:off x="457200" y="274320"/>
-            <a:ext cx="8229600" cy="914400"/>
-          </a:xfrm>
-          <a:prstGeom prst="rect">
-            <a:avLst/>
-          </a:prstGeom>
-          <a:noFill/>
-        </p:spPr>
-        <p:txBody>
-          <a:bodyPr wrap="none">
-            <a:spAutoFit/>
-          </a:bodyPr>
-          <a:lstStyle/>
+              <a:t>Problem Statement:</a:t>
+            </a:r>
+          </a:p>
           <a:p>
             <a:pPr>
-              <a:defRPr sz="2800" b="1"/>
+              <a:spcBef>
+                <a:spcPts val="0"/>
+              </a:spcBef>
+              <a:spcAft>
+                <a:spcPts val="0"/>
+              </a:spcAft>
             </a:pPr>
             <a:r>
-              <a:t>Slide 2</a:t>
-            </a:r>
-          </a:p>
-        </p:txBody>
-      </p:sp>
-      <p:sp>
-        <p:nvSpPr>
-          <p:cNvPr id="5" name="Rounded Rectangle 4"/>
+              <a:rPr sz="1200" b="0"/>
+              <a:t>XYZ Corporation was facing multiple critical challenges across their global supply chain operations: Rising operational costs: Transportation expenses had increased by </a:t>
+            </a:r>
+            <a:r>
+              <a:rPr b="1" sz="1400"/>
+              <a:t>32</a:t>
+            </a:r>
+            <a:r>
+              <a:rPr sz="1200" b="0"/>
+              <a:t>% over two years due to fuel price volatility and inefficient routing.</a:t>
+            </a:r>
+          </a:p>
+        </p:txBody>
+      </p:sp>
+      <p:sp>
+        <p:nvSpPr>
+          <p:cNvPr id="7" name="Rounded Rectangle 6"/>
           <p:cNvSpPr/>
           <p:nvPr/>
         </p:nvSpPr>
         <p:spPr>
           <a:xfrm>
-            <a:off x="457200" y="1371600"/>
+            <a:off x="4572000" y="1371600"/>
             <a:ext cx="3657600" cy="1965960"/>
           </a:xfrm>
           <a:prstGeom prst="roundRect">
@@ -3516,14 +3601,14 @@
       </p:sp>
       <p:sp>
         <p:nvSpPr>
-          <p:cNvPr id="6" name="TextBox 5"/>
+          <p:cNvPr id="8" name="TextBox 7"/>
           <p:cNvSpPr txBox="1"/>
           <p:nvPr/>
         </p:nvSpPr>
         <p:spPr>
           <a:xfrm>
-            <a:off x="548640" y="1463040"/>
-            <a:ext cx="3474720" cy="1371600"/>
+            <a:off x="4663440" y="1463040"/>
+            <a:ext cx="3474720" cy="914400"/>
           </a:xfrm>
           <a:prstGeom prst="rect">
             <a:avLst/>
@@ -3547,7 +3632,7 @@
               <a:defRPr b="1" sz="1400"/>
             </a:pPr>
             <a:r>
-              <a:t>Problem Statement:</a:t>
+              <a:t>Business Value Delivered:</a:t>
             </a:r>
           </a:p>
           <a:p>
@@ -3558,24 +3643,40 @@
               <a:spcAft>
                 <a:spcPts val="0"/>
               </a:spcAft>
-              <a:defRPr b="0" sz="1200"/>
             </a:pPr>
             <a:r>
-              <a:t>XYZ Corporation was facing multiple critical challenges across their global supply chain operations: Rising operational costs: Transportation expenses had increased by 32% over two years due to fuel price volatility and inefficient routing.</a:t>
-            </a:r>
-          </a:p>
-        </p:txBody>
-      </p:sp>
-      <p:sp>
-        <p:nvSpPr>
-          <p:cNvPr id="7" name="Rounded Rectangle 6"/>
+              <a:rPr sz="1200" b="0"/>
+              <a:t>The SupplyIQ solution delivered significant, measurable benefits across multiple business dimensions. Supply chain visibility improved by </a:t>
+            </a:r>
+            <a:r>
+              <a:rPr b="1" sz="1400"/>
+              <a:t>78</a:t>
+            </a:r>
+            <a:r>
+              <a:rPr sz="1200" b="0"/>
+              <a:t>%, while inventory carrying costs decreased by </a:t>
+            </a:r>
+            <a:r>
+              <a:rPr b="1" sz="1400"/>
+              <a:t>23</a:t>
+            </a:r>
+            <a:r>
+              <a:rPr sz="1200" b="0"/>
+              <a:t>% in the first six months.</a:t>
+            </a:r>
+          </a:p>
+        </p:txBody>
+      </p:sp>
+      <p:sp>
+        <p:nvSpPr>
+          <p:cNvPr id="9" name="Rounded Rectangle 8"/>
           <p:cNvSpPr/>
           <p:nvPr/>
         </p:nvSpPr>
         <p:spPr>
           <a:xfrm>
-            <a:off x="4572000" y="1371600"/>
-            <a:ext cx="3657600" cy="1965960"/>
+            <a:off x="457200" y="3886200"/>
+            <a:ext cx="8229600" cy="3089910"/>
           </a:xfrm>
           <a:prstGeom prst="roundRect">
             <a:avLst/>
@@ -3613,14 +3714,14 @@
       </p:sp>
       <p:sp>
         <p:nvSpPr>
-          <p:cNvPr id="8" name="TextBox 7"/>
+          <p:cNvPr id="10" name="TextBox 9"/>
           <p:cNvSpPr txBox="1"/>
           <p:nvPr/>
         </p:nvSpPr>
         <p:spPr>
           <a:xfrm>
-            <a:off x="4663440" y="1463040"/>
-            <a:ext cx="3474720" cy="914400"/>
+            <a:off x="548640" y="3977640"/>
+            <a:ext cx="8046720" cy="914400"/>
           </a:xfrm>
           <a:prstGeom prst="rect">
             <a:avLst/>
@@ -3644,7 +3745,7 @@
               <a:defRPr b="1" sz="1400"/>
             </a:pPr>
             <a:r>
-              <a:t>Business Value Delivered:</a:t>
+              <a:t>Solution Provided:</a:t>
             </a:r>
           </a:p>
           <a:p>
@@ -3655,107 +3756,18 @@
               <a:spcAft>
                 <a:spcPts val="0"/>
               </a:spcAft>
-              <a:defRPr b="0" sz="1200"/>
             </a:pPr>
             <a:r>
-              <a:t>The SupplyIQ solution delivered significant, measurable benefits across multiple business dimensions. Supply chain visibility improved by 78%, while inventory carrying costs decreased by 23% in the first six months.</a:t>
-            </a:r>
-          </a:p>
-        </p:txBody>
-      </p:sp>
-      <p:sp>
-        <p:nvSpPr>
-          <p:cNvPr id="9" name="Rounded Rectangle 8"/>
-          <p:cNvSpPr/>
-          <p:nvPr/>
-        </p:nvSpPr>
-        <p:spPr>
-          <a:xfrm>
-            <a:off x="457200" y="3886200"/>
-            <a:ext cx="8229600" cy="2907030"/>
-          </a:xfrm>
-          <a:prstGeom prst="roundRect">
-            <a:avLst/>
-          </a:prstGeom>
-          <a:solidFill>
-            <a:srgbClr val="DCDCDC"/>
-          </a:solidFill>
-          <a:ln>
-            <a:solidFill>
-              <a:srgbClr val="C8C8C8"/>
-            </a:solidFill>
-          </a:ln>
-        </p:spPr>
-        <p:style>
-          <a:lnRef idx="1">
-            <a:schemeClr val="accent1"/>
-          </a:lnRef>
-          <a:fillRef idx="3">
-            <a:schemeClr val="accent1"/>
-          </a:fillRef>
-          <a:effectRef idx="2">
-            <a:schemeClr val="accent1"/>
-          </a:effectRef>
-          <a:fontRef idx="minor">
-            <a:schemeClr val="lt1"/>
-          </a:fontRef>
-        </p:style>
-        <p:txBody>
-          <a:bodyPr rtlCol="0" anchor="ctr"/>
-          <a:lstStyle/>
-          <a:p>
-            <a:pPr algn="ctr"/>
-          </a:p>
-        </p:txBody>
-      </p:sp>
-      <p:sp>
-        <p:nvSpPr>
-          <p:cNvPr id="10" name="TextBox 9"/>
-          <p:cNvSpPr txBox="1"/>
-          <p:nvPr/>
-        </p:nvSpPr>
-        <p:spPr>
-          <a:xfrm>
-            <a:off x="548640" y="3977640"/>
-            <a:ext cx="8046720" cy="914400"/>
-          </a:xfrm>
-          <a:prstGeom prst="rect">
-            <a:avLst/>
-          </a:prstGeom>
-          <a:noFill/>
-        </p:spPr>
-        <p:txBody>
-          <a:bodyPr wrap="square" tIns="0" bIns="0" lIns="0" rIns="0">
-            <a:spAutoFit/>
-          </a:bodyPr>
-          <a:lstStyle/>
-          <a:p/>
-          <a:p>
-            <a:pPr>
-              <a:spcBef>
-                <a:spcPts val="0"/>
-              </a:spcBef>
-              <a:spcAft>
-                <a:spcPts val="200"/>
-              </a:spcAft>
-              <a:defRPr b="1" sz="1400"/>
-            </a:pPr>
-            <a:r>
-              <a:t>Solution Provided:</a:t>
-            </a:r>
-          </a:p>
-          <a:p>
-            <a:pPr>
-              <a:spcBef>
-                <a:spcPts val="0"/>
-              </a:spcBef>
-              <a:spcAft>
-                <a:spcPts val="0"/>
-              </a:spcAft>
-              <a:defRPr b="0" sz="1200"/>
-            </a:pPr>
-            <a:r>
-              <a:t>We implemented a comprehensive, AI-driven supply chain transformation program named "SupplyIQ" with the following components:</a:t>
+              <a:rPr sz="1200" b="0"/>
+              <a:t>We implemented a comprehensive, AI-driven </a:t>
+            </a:r>
+            <a:r>
+              <a:rPr b="1" sz="1400"/>
+              <a:t>40</a:t>
+            </a:r>
+            <a:r>
+              <a:rPr sz="1200" b="0"/>
+              <a:t>% supply chain transformation program named "SupplyIQ" with the following components:The SupplyIQ solution delivered significant</a:t>
             </a:r>
           </a:p>
         </p:txBody>
@@ -3769,7 +3781,7 @@
           <p:nvPr/>
         </p:nvPicPr>
         <p:blipFill>
-          <a:blip r:embed="rId2"/>
+          <a:blip r:embed="rId3"/>
           <a:stretch>
             <a:fillRect/>
           </a:stretch>
@@ -3802,24 +3814,119 @@
         <p:nvPr/>
       </p:nvGrpSpPr>
       <p:grpSpPr/>
-      <p:sp>
-        <p:nvSpPr>
-          <p:cNvPr id="2" name="Rectangle 1"/>
-          <p:cNvSpPr/>
+      <p:pic>
+        <p:nvPicPr>
+          <p:cNvPr id="2" name="Picture 1" descr="image.jpg"/>
+          <p:cNvPicPr>
+            <a:picLocks noChangeAspect="1"/>
+          </p:cNvPicPr>
           <p:nvPr/>
-        </p:nvSpPr>
+        </p:nvPicPr>
+        <p:blipFill>
+          <a:blip r:embed="rId2"/>
+          <a:stretch>
+            <a:fillRect/>
+          </a:stretch>
+        </p:blipFill>
         <p:spPr>
           <a:xfrm>
             <a:off x="0" y="0"/>
-            <a:ext cx="9144000" cy="1371600"/>
+            <a:ext cx="9144000" cy="1280160"/>
           </a:xfrm>
           <a:prstGeom prst="rect">
             <a:avLst/>
           </a:prstGeom>
+        </p:spPr>
+      </p:pic>
+      <p:sp>
+        <p:nvSpPr>
+          <p:cNvPr id="3" name="TextBox 2"/>
+          <p:cNvSpPr txBox="1"/>
+          <p:nvPr/>
+        </p:nvSpPr>
+        <p:spPr>
+          <a:xfrm>
+            <a:off x="7315200" y="182880"/>
+            <a:ext cx="1645920" cy="457200"/>
+          </a:xfrm>
+          <a:prstGeom prst="rect">
+            <a:avLst/>
+          </a:prstGeom>
+          <a:noFill/>
+        </p:spPr>
+        <p:txBody>
+          <a:bodyPr wrap="none">
+            <a:spAutoFit/>
+          </a:bodyPr>
+          <a:lstStyle/>
+          <a:p/>
+          <a:p>
+            <a:pPr algn="r">
+              <a:defRPr b="1" sz="1400">
+                <a:solidFill>
+                  <a:srgbClr val="003366"/>
+                </a:solidFill>
+              </a:defRPr>
+            </a:pPr>
+            <a:r>
+              <a:t>@INFOSYS</a:t>
+            </a:r>
+          </a:p>
+        </p:txBody>
+      </p:sp>
+      <p:sp>
+        <p:nvSpPr>
+          <p:cNvPr id="4" name="TextBox 3"/>
+          <p:cNvSpPr txBox="1"/>
+          <p:nvPr/>
+        </p:nvSpPr>
+        <p:spPr>
+          <a:xfrm>
+            <a:off x="457200" y="274320"/>
+            <a:ext cx="8229600" cy="914400"/>
+          </a:xfrm>
+          <a:prstGeom prst="rect">
+            <a:avLst/>
+          </a:prstGeom>
+          <a:noFill/>
+        </p:spPr>
+        <p:txBody>
+          <a:bodyPr wrap="none">
+            <a:spAutoFit/>
+          </a:bodyPr>
+          <a:lstStyle/>
+          <a:p>
+            <a:pPr>
+              <a:defRPr sz="2800" b="1"/>
+            </a:pPr>
+            <a:r>
+              <a:t>Slide 2 (Continued)</a:t>
+            </a:r>
+          </a:p>
+        </p:txBody>
+      </p:sp>
+      <p:sp>
+        <p:nvSpPr>
+          <p:cNvPr id="5" name="Rounded Rectangle 4"/>
+          <p:cNvSpPr/>
+          <p:nvPr/>
+        </p:nvSpPr>
+        <p:spPr>
+          <a:xfrm>
+            <a:off x="457200" y="1371600"/>
+            <a:ext cx="8229600" cy="3089910"/>
+          </a:xfrm>
+          <a:prstGeom prst="roundRect">
+            <a:avLst/>
+          </a:prstGeom>
           <a:solidFill>
-            <a:srgbClr val="ADD8E6"/>
+            <a:srgbClr val="DCDCDC"/>
           </a:solidFill>
-          <a:ln/>
+          <a:ln>
+            <a:solidFill>
+              <a:srgbClr val="C8C8C8"/>
+            </a:solidFill>
+          </a:ln>
         </p:spPr>
         <p:style>
           <a:lnRef idx="1">
@@ -3845,118 +3952,6 @@
       </p:sp>
       <p:sp>
         <p:nvSpPr>
-          <p:cNvPr id="3" name="TextBox 2"/>
-          <p:cNvSpPr txBox="1"/>
-          <p:nvPr/>
-        </p:nvSpPr>
-        <p:spPr>
-          <a:xfrm>
-            <a:off x="7315200" y="182880"/>
-            <a:ext cx="1645920" cy="457200"/>
-          </a:xfrm>
-          <a:prstGeom prst="rect">
-            <a:avLst/>
-          </a:prstGeom>
-          <a:noFill/>
-        </p:spPr>
-        <p:txBody>
-          <a:bodyPr wrap="none">
-            <a:spAutoFit/>
-          </a:bodyPr>
-          <a:lstStyle/>
-          <a:p/>
-          <a:p>
-            <a:pPr algn="r">
-              <a:defRPr b="1" sz="1400">
-                <a:solidFill>
-                  <a:srgbClr val="003366"/>
-                </a:solidFill>
-              </a:defRPr>
-            </a:pPr>
-            <a:r>
-              <a:t>@INFOSYS</a:t>
-            </a:r>
-          </a:p>
-        </p:txBody>
-      </p:sp>
-      <p:sp>
-        <p:nvSpPr>
-          <p:cNvPr id="4" name="TextBox 3"/>
-          <p:cNvSpPr txBox="1"/>
-          <p:nvPr/>
-        </p:nvSpPr>
-        <p:spPr>
-          <a:xfrm>
-            <a:off x="457200" y="274320"/>
-            <a:ext cx="8229600" cy="914400"/>
-          </a:xfrm>
-          <a:prstGeom prst="rect">
-            <a:avLst/>
-          </a:prstGeom>
-          <a:noFill/>
-        </p:spPr>
-        <p:txBody>
-          <a:bodyPr wrap="none">
-            <a:spAutoFit/>
-          </a:bodyPr>
-          <a:lstStyle/>
-          <a:p>
-            <a:pPr>
-              <a:defRPr sz="2800" b="1"/>
-            </a:pPr>
-            <a:r>
-              <a:t>Slide 2 (Continued)</a:t>
-            </a:r>
-          </a:p>
-        </p:txBody>
-      </p:sp>
-      <p:sp>
-        <p:nvSpPr>
-          <p:cNvPr id="5" name="Rounded Rectangle 4"/>
-          <p:cNvSpPr/>
-          <p:nvPr/>
-        </p:nvSpPr>
-        <p:spPr>
-          <a:xfrm>
-            <a:off x="457200" y="1371600"/>
-            <a:ext cx="8229600" cy="2907030"/>
-          </a:xfrm>
-          <a:prstGeom prst="roundRect">
-            <a:avLst/>
-          </a:prstGeom>
-          <a:solidFill>
-            <a:srgbClr val="DCDCDC"/>
-          </a:solidFill>
-          <a:ln>
-            <a:solidFill>
-              <a:srgbClr val="C8C8C8"/>
-            </a:solidFill>
-          </a:ln>
-        </p:spPr>
-        <p:style>
-          <a:lnRef idx="1">
-            <a:schemeClr val="accent1"/>
-          </a:lnRef>
-          <a:fillRef idx="3">
-            <a:schemeClr val="accent1"/>
-          </a:fillRef>
-          <a:effectRef idx="2">
-            <a:schemeClr val="accent1"/>
-          </a:effectRef>
-          <a:fontRef idx="minor">
-            <a:schemeClr val="lt1"/>
-          </a:fontRef>
-        </p:style>
-        <p:txBody>
-          <a:bodyPr rtlCol="0" anchor="ctr"/>
-          <a:lstStyle/>
-          <a:p>
-            <a:pPr algn="ctr"/>
-          </a:p>
-        </p:txBody>
-      </p:sp>
-      <p:sp>
-        <p:nvSpPr>
           <p:cNvPr id="6" name="TextBox 5"/>
           <p:cNvSpPr txBox="1"/>
           <p:nvPr/>
@@ -3999,10 +3994,18 @@
               <a:spcAft>
                 <a:spcPts val="0"/>
               </a:spcAft>
-              <a:defRPr b="0" sz="1200"/>
             </a:pPr>
             <a:r>
-              <a:t>We implemented a comprehensive, AI-driven supply chain transformation program named "SupplyIQ" with the following components:</a:t>
+              <a:rPr sz="1200" b="0"/>
+              <a:t>We implemented a comprehensive, AI-driven </a:t>
+            </a:r>
+            <a:r>
+              <a:rPr b="1" sz="1400"/>
+              <a:t>40</a:t>
+            </a:r>
+            <a:r>
+              <a:rPr sz="1200" b="0"/>
+              <a:t>% supply chain transformation program named "SupplyIQ" with the following components:The SupplyIQ solution delivered significant</a:t>
             </a:r>
           </a:p>
         </p:txBody>
@@ -4016,7 +4019,7 @@
           <p:nvPr/>
         </p:nvPicPr>
         <p:blipFill>
-          <a:blip r:embed="rId2"/>
+          <a:blip r:embed="rId3"/>
           <a:stretch>
             <a:fillRect/>
           </a:stretch>

--- a/presentation.pptx
+++ b/presentation.pptx
@@ -3090,9 +3090,198 @@
         <p:nvPr/>
       </p:nvGrpSpPr>
       <p:grpSpPr/>
+      <p:sp>
+        <p:nvSpPr>
+          <p:cNvPr id="2" name="Rectangle 1"/>
+          <p:cNvSpPr/>
+          <p:nvPr/>
+        </p:nvSpPr>
+        <p:spPr>
+          <a:xfrm>
+            <a:off x="0" y="0"/>
+            <a:ext cx="9144000" cy="1280160"/>
+          </a:xfrm>
+          <a:prstGeom prst="rect">
+            <a:avLst/>
+          </a:prstGeom>
+          <a:solidFill>
+            <a:srgbClr val="ADD8E6"/>
+          </a:solidFill>
+          <a:ln/>
+        </p:spPr>
+        <p:style>
+          <a:lnRef idx="1">
+            <a:schemeClr val="accent1"/>
+          </a:lnRef>
+          <a:fillRef idx="3">
+            <a:schemeClr val="accent1"/>
+          </a:fillRef>
+          <a:effectRef idx="2">
+            <a:schemeClr val="accent1"/>
+          </a:effectRef>
+          <a:fontRef idx="minor">
+            <a:schemeClr val="lt1"/>
+          </a:fontRef>
+        </p:style>
+        <p:txBody>
+          <a:bodyPr rtlCol="0" anchor="ctr"/>
+          <a:lstStyle/>
+          <a:p>
+            <a:pPr algn="ctr"/>
+          </a:p>
+        </p:txBody>
+      </p:sp>
+      <p:sp>
+        <p:nvSpPr>
+          <p:cNvPr id="3" name="TextBox 2"/>
+          <p:cNvSpPr txBox="1"/>
+          <p:nvPr/>
+        </p:nvSpPr>
+        <p:spPr>
+          <a:xfrm>
+            <a:off x="7315200" y="182880"/>
+            <a:ext cx="1645920" cy="457200"/>
+          </a:xfrm>
+          <a:prstGeom prst="rect">
+            <a:avLst/>
+          </a:prstGeom>
+          <a:noFill/>
+        </p:spPr>
+        <p:txBody>
+          <a:bodyPr wrap="none">
+            <a:spAutoFit/>
+          </a:bodyPr>
+          <a:lstStyle/>
+          <a:p/>
+          <a:p>
+            <a:pPr algn="r">
+              <a:defRPr b="1" sz="1400">
+                <a:solidFill>
+                  <a:srgbClr val="003366"/>
+                </a:solidFill>
+              </a:defRPr>
+            </a:pPr>
+            <a:r>
+              <a:t>@INFOSYS</a:t>
+            </a:r>
+          </a:p>
+        </p:txBody>
+      </p:sp>
+      <p:sp>
+        <p:nvSpPr>
+          <p:cNvPr id="4" name="TextBox 3"/>
+          <p:cNvSpPr txBox="1"/>
+          <p:nvPr/>
+        </p:nvSpPr>
+        <p:spPr>
+          <a:xfrm>
+            <a:off x="457200" y="457200"/>
+            <a:ext cx="8229600" cy="914400"/>
+          </a:xfrm>
+          <a:prstGeom prst="rect">
+            <a:avLst/>
+          </a:prstGeom>
+          <a:noFill/>
+        </p:spPr>
+        <p:txBody>
+          <a:bodyPr wrap="none">
+            <a:spAutoFit/>
+          </a:bodyPr>
+          <a:lstStyle/>
+          <a:p/>
+          <a:p>
+            <a:pPr algn="ctr">
+              <a:defRPr sz="3200" b="1"/>
+            </a:pPr>
+            <a:r>
+              <a:t>Success Story Repository</a:t>
+            </a:r>
+          </a:p>
+        </p:txBody>
+      </p:sp>
+      <p:sp>
+        <p:nvSpPr>
+          <p:cNvPr id="5" name="TextBox 4"/>
+          <p:cNvSpPr txBox="1"/>
+          <p:nvPr/>
+        </p:nvSpPr>
+        <p:spPr>
+          <a:xfrm>
+            <a:off x="457200" y="1371600"/>
+            <a:ext cx="8229600" cy="640080"/>
+          </a:xfrm>
+          <a:prstGeom prst="rect">
+            <a:avLst/>
+          </a:prstGeom>
+          <a:noFill/>
+        </p:spPr>
+        <p:txBody>
+          <a:bodyPr wrap="square" lIns="0" rIns="0" tIns="0" bIns="0">
+            <a:spAutoFit/>
+          </a:bodyPr>
+          <a:lstStyle/>
+          <a:p/>
+          <a:p>
+            <a:pPr>
+              <a:defRPr b="1" sz="2000"/>
+            </a:pPr>
+            <a:r>
+              <a:t>Story Title:</a:t>
+            </a:r>
+          </a:p>
+          <a:p>
+            <a:pPr>
+              <a:defRPr sz="1200"/>
+            </a:pPr>
+            <a:r>
+              <a:t>Driving Digital Transformation for a Leading Global Bank</a:t>
+            </a:r>
+          </a:p>
+        </p:txBody>
+      </p:sp>
+      <p:sp>
+        <p:nvSpPr>
+          <p:cNvPr id="6" name="TextBox 5"/>
+          <p:cNvSpPr txBox="1"/>
+          <p:nvPr/>
+        </p:nvSpPr>
+        <p:spPr>
+          <a:xfrm>
+            <a:off x="457200" y="2194560"/>
+            <a:ext cx="8229600" cy="1024890"/>
+          </a:xfrm>
+          <a:prstGeom prst="rect">
+            <a:avLst/>
+          </a:prstGeom>
+          <a:noFill/>
+        </p:spPr>
+        <p:txBody>
+          <a:bodyPr wrap="square" lIns="0" rIns="0" tIns="0" bIns="0">
+            <a:spAutoFit/>
+          </a:bodyPr>
+          <a:lstStyle/>
+          <a:p/>
+          <a:p>
+            <a:pPr>
+              <a:defRPr b="1" sz="2000"/>
+            </a:pPr>
+            <a:r>
+              <a:t>Client MCC:</a:t>
+            </a:r>
+          </a:p>
+          <a:p>
+            <a:pPr>
+              <a:defRPr sz="1200"/>
+            </a:pPr>
+            <a:r>
+              <a:t>Banking and Financial Services</a:t>
+            </a:r>
+          </a:p>
+        </p:txBody>
+      </p:sp>
       <p:pic>
         <p:nvPicPr>
-          <p:cNvPr id="2" name="Picture 1" descr="image.jpg"/>
+          <p:cNvPr id="7" name="Picture 6" descr="image.jpg"/>
           <p:cNvPicPr>
             <a:picLocks noChangeAspect="1"/>
           </p:cNvPicPr>
@@ -3106,8 +3295,8 @@
         </p:blipFill>
         <p:spPr>
           <a:xfrm>
-            <a:off x="0" y="0"/>
-            <a:ext cx="9144000" cy="1280160"/>
+            <a:off x="4333875" y="3200400"/>
+            <a:ext cx="476250" cy="476250"/>
           </a:xfrm>
           <a:prstGeom prst="rect">
             <a:avLst/>
@@ -3116,14 +3305,14 @@
       </p:pic>
       <p:sp>
         <p:nvSpPr>
-          <p:cNvPr id="3" name="TextBox 2"/>
+          <p:cNvPr id="8" name="TextBox 7"/>
           <p:cNvSpPr txBox="1"/>
           <p:nvPr/>
         </p:nvSpPr>
         <p:spPr>
           <a:xfrm>
-            <a:off x="7315200" y="182880"/>
-            <a:ext cx="1645920" cy="457200"/>
+            <a:off x="457200" y="4042410"/>
+            <a:ext cx="8229600" cy="1645920"/>
           </a:xfrm>
           <a:prstGeom prst="rect">
             <a:avLst/>
@@ -3131,35 +3320,82 @@
           <a:noFill/>
         </p:spPr>
         <p:txBody>
-          <a:bodyPr wrap="none">
+          <a:bodyPr wrap="square" lIns="0" rIns="0" tIns="0" bIns="0">
             <a:spAutoFit/>
           </a:bodyPr>
           <a:lstStyle/>
           <a:p/>
           <a:p>
-            <a:pPr algn="r">
-              <a:defRPr b="1" sz="1400">
-                <a:solidFill>
-                  <a:srgbClr val="003366"/>
-                </a:solidFill>
-              </a:defRPr>
+            <a:pPr>
+              <a:defRPr b="1" sz="2000"/>
             </a:pPr>
             <a:r>
-              <a:t>@INFOSYS</a:t>
-            </a:r>
-          </a:p>
-        </p:txBody>
-      </p:sp>
-      <p:sp>
-        <p:nvSpPr>
-          <p:cNvPr id="4" name="TextBox 3"/>
+              <a:t>Executive Summary:</a:t>
+            </a:r>
+          </a:p>
+          <a:p>
+            <a:pPr>
+              <a:defRPr sz="1200"/>
+            </a:pPr>
+            <a:r>
+              <a:t>GlobalTrust Bank partnered with us to accelerate its digital banking initiatives. The engagement involved modernizing customer engagement platforms, implementing data-driven decision-making processes, and migrating critical operations to the cloud, enabling superior customer experience and operational efficiency.</a:t>
+            </a:r>
+          </a:p>
+        </p:txBody>
+      </p:sp>
+      <p:sp>
+        <p:nvSpPr>
+          <p:cNvPr id="9" name="Rectangle 8"/>
+          <p:cNvSpPr/>
+          <p:nvPr/>
+        </p:nvSpPr>
+        <p:spPr>
+          <a:xfrm>
+            <a:off x="0" y="6400800"/>
+            <a:ext cx="9144000" cy="457200"/>
+          </a:xfrm>
+          <a:prstGeom prst="rect">
+            <a:avLst/>
+          </a:prstGeom>
+          <a:solidFill>
+            <a:srgbClr val="0066CC"/>
+          </a:solidFill>
+          <a:ln>
+            <a:noFill/>
+          </a:ln>
+        </p:spPr>
+        <p:style>
+          <a:lnRef idx="1">
+            <a:schemeClr val="accent1"/>
+          </a:lnRef>
+          <a:fillRef idx="3">
+            <a:schemeClr val="accent1"/>
+          </a:fillRef>
+          <a:effectRef idx="2">
+            <a:schemeClr val="accent1"/>
+          </a:effectRef>
+          <a:fontRef idx="minor">
+            <a:schemeClr val="lt1"/>
+          </a:fontRef>
+        </p:style>
+        <p:txBody>
+          <a:bodyPr rtlCol="0" anchor="ctr"/>
+          <a:lstStyle/>
+          <a:p>
+            <a:pPr algn="ctr"/>
+          </a:p>
+        </p:txBody>
+      </p:sp>
+      <p:sp>
+        <p:nvSpPr>
+          <p:cNvPr id="10" name="TextBox 9"/>
           <p:cNvSpPr txBox="1"/>
           <p:nvPr/>
         </p:nvSpPr>
         <p:spPr>
           <a:xfrm>
-            <a:off x="457200" y="457200"/>
-            <a:ext cx="8229600" cy="914400"/>
+            <a:off x="457200" y="6492240"/>
+            <a:ext cx="8229600" cy="274320"/>
           </a:xfrm>
           <a:prstGeom prst="rect">
             <a:avLst/>
@@ -3171,171 +3407,16 @@
             <a:spAutoFit/>
           </a:bodyPr>
           <a:lstStyle/>
-          <a:p/>
-          <a:p>
-            <a:pPr algn="ctr">
-              <a:defRPr sz="3200" b="1"/>
+          <a:p>
+            <a:pPr algn="r">
+              <a:defRPr sz="1200">
+                <a:solidFill>
+                  <a:srgbClr val="FFFFFF"/>
+                </a:solidFill>
+              </a:defRPr>
             </a:pPr>
             <a:r>
-              <a:t>Success Story Repository</a:t>
-            </a:r>
-          </a:p>
-        </p:txBody>
-      </p:sp>
-      <p:sp>
-        <p:nvSpPr>
-          <p:cNvPr id="5" name="TextBox 4"/>
-          <p:cNvSpPr txBox="1"/>
-          <p:nvPr/>
-        </p:nvSpPr>
-        <p:spPr>
-          <a:xfrm>
-            <a:off x="457200" y="1371600"/>
-            <a:ext cx="8229600" cy="640080"/>
-          </a:xfrm>
-          <a:prstGeom prst="rect">
-            <a:avLst/>
-          </a:prstGeom>
-          <a:noFill/>
-        </p:spPr>
-        <p:txBody>
-          <a:bodyPr wrap="square" lIns="0" rIns="0" tIns="0" bIns="0">
-            <a:spAutoFit/>
-          </a:bodyPr>
-          <a:lstStyle/>
-          <a:p/>
-          <a:p>
-            <a:pPr>
-              <a:defRPr b="1" sz="2000"/>
-            </a:pPr>
-            <a:r>
-              <a:t>Story Title:</a:t>
-            </a:r>
-          </a:p>
-          <a:p>
-            <a:pPr>
-              <a:defRPr sz="1200"/>
-            </a:pPr>
-            <a:r>
-              <a:t>Global Supply Chain Optimization for XYZ Corp</a:t>
-            </a:r>
-          </a:p>
-        </p:txBody>
-      </p:sp>
-      <p:sp>
-        <p:nvSpPr>
-          <p:cNvPr id="6" name="TextBox 5"/>
-          <p:cNvSpPr txBox="1"/>
-          <p:nvPr/>
-        </p:nvSpPr>
-        <p:spPr>
-          <a:xfrm>
-            <a:off x="457200" y="2194560"/>
-            <a:ext cx="8229600" cy="1024890"/>
-          </a:xfrm>
-          <a:prstGeom prst="rect">
-            <a:avLst/>
-          </a:prstGeom>
-          <a:noFill/>
-        </p:spPr>
-        <p:txBody>
-          <a:bodyPr wrap="square" lIns="0" rIns="0" tIns="0" bIns="0">
-            <a:spAutoFit/>
-          </a:bodyPr>
-          <a:lstStyle/>
-          <a:p/>
-          <a:p>
-            <a:pPr>
-              <a:defRPr b="1" sz="2000"/>
-            </a:pPr>
-            <a:r>
-              <a:t>Client MCC:</a:t>
-            </a:r>
-          </a:p>
-          <a:p>
-            <a:pPr>
-              <a:defRPr sz="1200"/>
-            </a:pPr>
-            <a:r>
-              <a:t>XYZ Corporation - Manufacturing</a:t>
-            </a:r>
-          </a:p>
-        </p:txBody>
-      </p:sp>
-      <p:pic>
-        <p:nvPicPr>
-          <p:cNvPr id="7" name="Picture 6" descr="image.jpg"/>
-          <p:cNvPicPr>
-            <a:picLocks noChangeAspect="1"/>
-          </p:cNvPicPr>
-          <p:nvPr/>
-        </p:nvPicPr>
-        <p:blipFill>
-          <a:blip r:embed="rId3"/>
-          <a:stretch>
-            <a:fillRect/>
-          </a:stretch>
-        </p:blipFill>
-        <p:spPr>
-          <a:xfrm>
-            <a:off x="4333875" y="3200400"/>
-            <a:ext cx="476250" cy="476250"/>
-          </a:xfrm>
-          <a:prstGeom prst="rect">
-            <a:avLst/>
-          </a:prstGeom>
-        </p:spPr>
-      </p:pic>
-      <p:sp>
-        <p:nvSpPr>
-          <p:cNvPr id="8" name="TextBox 7"/>
-          <p:cNvSpPr txBox="1"/>
-          <p:nvPr/>
-        </p:nvSpPr>
-        <p:spPr>
-          <a:xfrm>
-            <a:off x="457200" y="4042410"/>
-            <a:ext cx="8229600" cy="2011680"/>
-          </a:xfrm>
-          <a:prstGeom prst="rect">
-            <a:avLst/>
-          </a:prstGeom>
-          <a:noFill/>
-        </p:spPr>
-        <p:txBody>
-          <a:bodyPr wrap="square" lIns="0" rIns="0" tIns="0" bIns="0">
-            <a:spAutoFit/>
-          </a:bodyPr>
-          <a:lstStyle/>
-          <a:p/>
-          <a:p>
-            <a:pPr>
-              <a:defRPr b="1" sz="2000"/>
-            </a:pPr>
-            <a:r>
-              <a:t>Executive Summary:</a:t>
-            </a:r>
-          </a:p>
-          <a:p>
-            <a:r>
-              <a:rPr sz="1200"/>
-              <a:t>Helped XYZ Corporation transform their global supply chain operations through advanced AI and analytics, resulting in a comprehensive </a:t>
-            </a:r>
-            <a:r>
-              <a:rPr b="1" sz="1400"/>
-              <a:t>27</a:t>
-            </a:r>
-            <a:r>
-              <a:rPr sz="1200"/>
-              <a:t>% reduction in overall costs. The multi-phase project began with a detailed assessment of their existing supply chain inefficiencies across </a:t>
-            </a:r>
-            <a:r>
-              <a:rPr b="1" sz="1400"/>
-              <a:t>12</a:t>
-            </a:r>
-            <a:r>
-              <a:rPr sz="1200"/>
-              <a:t> global markets, followed by implementation of custom predictive analytics models and machine learning algorithms.</a:t>
+              <a:t>@surveys</a:t>
             </a:r>
           </a:p>
         </p:txBody>
@@ -3358,20 +3439,12 @@
         <p:nvPr/>
       </p:nvGrpSpPr>
       <p:grpSpPr/>
-      <p:pic>
-        <p:nvPicPr>
-          <p:cNvPr id="2" name="Picture 1" descr="image.jpg"/>
-          <p:cNvPicPr>
-            <a:picLocks noChangeAspect="1"/>
-          </p:cNvPicPr>
+      <p:sp>
+        <p:nvSpPr>
+          <p:cNvPr id="2" name="Rectangle 1"/>
+          <p:cNvSpPr/>
           <p:nvPr/>
-        </p:nvPicPr>
-        <p:blipFill>
-          <a:blip r:embed="rId2"/>
-          <a:stretch>
-            <a:fillRect/>
-          </a:stretch>
-        </p:blipFill>
+        </p:nvSpPr>
         <p:spPr>
           <a:xfrm>
             <a:off x="0" y="0"/>
@@ -3380,97 +3453,10 @@
           <a:prstGeom prst="rect">
             <a:avLst/>
           </a:prstGeom>
-        </p:spPr>
-      </p:pic>
-      <p:sp>
-        <p:nvSpPr>
-          <p:cNvPr id="3" name="TextBox 2"/>
-          <p:cNvSpPr txBox="1"/>
-          <p:nvPr/>
-        </p:nvSpPr>
-        <p:spPr>
-          <a:xfrm>
-            <a:off x="7315200" y="182880"/>
-            <a:ext cx="1645920" cy="457200"/>
-          </a:xfrm>
-          <a:prstGeom prst="rect">
-            <a:avLst/>
-          </a:prstGeom>
-          <a:noFill/>
-        </p:spPr>
-        <p:txBody>
-          <a:bodyPr wrap="none">
-            <a:spAutoFit/>
-          </a:bodyPr>
-          <a:lstStyle/>
-          <a:p/>
-          <a:p>
-            <a:pPr algn="r">
-              <a:defRPr b="1" sz="1400">
-                <a:solidFill>
-                  <a:srgbClr val="003366"/>
-                </a:solidFill>
-              </a:defRPr>
-            </a:pPr>
-            <a:r>
-              <a:t>@INFOSYS</a:t>
-            </a:r>
-          </a:p>
-        </p:txBody>
-      </p:sp>
-      <p:sp>
-        <p:nvSpPr>
-          <p:cNvPr id="4" name="TextBox 3"/>
-          <p:cNvSpPr txBox="1"/>
-          <p:nvPr/>
-        </p:nvSpPr>
-        <p:spPr>
-          <a:xfrm>
-            <a:off x="457200" y="274320"/>
-            <a:ext cx="8229600" cy="914400"/>
-          </a:xfrm>
-          <a:prstGeom prst="rect">
-            <a:avLst/>
-          </a:prstGeom>
-          <a:noFill/>
-        </p:spPr>
-        <p:txBody>
-          <a:bodyPr wrap="none">
-            <a:spAutoFit/>
-          </a:bodyPr>
-          <a:lstStyle/>
-          <a:p>
-            <a:pPr>
-              <a:defRPr sz="2800" b="1"/>
-            </a:pPr>
-            <a:r>
-              <a:t>Slide 2</a:t>
-            </a:r>
-          </a:p>
-        </p:txBody>
-      </p:sp>
-      <p:sp>
-        <p:nvSpPr>
-          <p:cNvPr id="5" name="Rounded Rectangle 4"/>
-          <p:cNvSpPr/>
-          <p:nvPr/>
-        </p:nvSpPr>
-        <p:spPr>
-          <a:xfrm>
-            <a:off x="457200" y="1371600"/>
-            <a:ext cx="3657600" cy="1965960"/>
-          </a:xfrm>
-          <a:prstGeom prst="roundRect">
-            <a:avLst/>
-          </a:prstGeom>
           <a:solidFill>
-            <a:srgbClr val="DCDCDC"/>
+            <a:srgbClr val="ADD8E6"/>
           </a:solidFill>
-          <a:ln>
-            <a:solidFill>
-              <a:srgbClr val="C8C8C8"/>
-            </a:solidFill>
-          </a:ln>
+          <a:ln/>
         </p:spPr>
         <p:style>
           <a:lnRef idx="1">
@@ -3496,14 +3482,14 @@
       </p:sp>
       <p:sp>
         <p:nvSpPr>
-          <p:cNvPr id="6" name="TextBox 5"/>
+          <p:cNvPr id="3" name="TextBox 2"/>
           <p:cNvSpPr txBox="1"/>
           <p:nvPr/>
         </p:nvSpPr>
         <p:spPr>
           <a:xfrm>
-            <a:off x="548640" y="1463040"/>
-            <a:ext cx="3474720" cy="1371600"/>
+            <a:off x="7315200" y="182880"/>
+            <a:ext cx="1645920" cy="457200"/>
           </a:xfrm>
           <a:prstGeom prst="rect">
             <a:avLst/>
@@ -3511,58 +3497,65 @@
           <a:noFill/>
         </p:spPr>
         <p:txBody>
-          <a:bodyPr wrap="square" tIns="0" bIns="0" lIns="0" rIns="0">
+          <a:bodyPr wrap="none">
             <a:spAutoFit/>
           </a:bodyPr>
           <a:lstStyle/>
           <a:p/>
           <a:p>
+            <a:pPr algn="r">
+              <a:defRPr b="1" sz="1400">
+                <a:solidFill>
+                  <a:srgbClr val="003366"/>
+                </a:solidFill>
+              </a:defRPr>
+            </a:pPr>
+            <a:r>
+              <a:t>@INFOSYS</a:t>
+            </a:r>
+          </a:p>
+        </p:txBody>
+      </p:sp>
+      <p:sp>
+        <p:nvSpPr>
+          <p:cNvPr id="4" name="TextBox 3"/>
+          <p:cNvSpPr txBox="1"/>
+          <p:nvPr/>
+        </p:nvSpPr>
+        <p:spPr>
+          <a:xfrm>
+            <a:off x="457200" y="274320"/>
+            <a:ext cx="8229600" cy="914400"/>
+          </a:xfrm>
+          <a:prstGeom prst="rect">
+            <a:avLst/>
+          </a:prstGeom>
+          <a:noFill/>
+        </p:spPr>
+        <p:txBody>
+          <a:bodyPr wrap="none">
+            <a:spAutoFit/>
+          </a:bodyPr>
+          <a:lstStyle/>
+          <a:p>
             <a:pPr>
-              <a:spcBef>
-                <a:spcPts val="0"/>
-              </a:spcBef>
-              <a:spcAft>
-                <a:spcPts val="200"/>
-              </a:spcAft>
-              <a:defRPr b="1" sz="1400"/>
+              <a:defRPr sz="2800" b="1"/>
             </a:pPr>
             <a:r>
-              <a:t>Problem Statement:</a:t>
-            </a:r>
-          </a:p>
-          <a:p>
-            <a:pPr>
-              <a:spcBef>
-                <a:spcPts val="0"/>
-              </a:spcBef>
-              <a:spcAft>
-                <a:spcPts val="0"/>
-              </a:spcAft>
-            </a:pPr>
-            <a:r>
-              <a:rPr sz="1200" b="0"/>
-              <a:t>XYZ Corporation was facing multiple critical challenges across their global supply chain operations: Rising operational costs: Transportation expenses had increased by </a:t>
-            </a:r>
-            <a:r>
-              <a:rPr b="1" sz="1400"/>
-              <a:t>32</a:t>
-            </a:r>
-            <a:r>
-              <a:rPr sz="1200" b="0"/>
-              <a:t>% over two years due to fuel price volatility and inefficient routing.</a:t>
-            </a:r>
-          </a:p>
-        </p:txBody>
-      </p:sp>
-      <p:sp>
-        <p:nvSpPr>
-          <p:cNvPr id="7" name="Rounded Rectangle 6"/>
+              <a:t>Client Challenge, Solution, and Impact</a:t>
+            </a:r>
+          </a:p>
+        </p:txBody>
+      </p:sp>
+      <p:sp>
+        <p:nvSpPr>
+          <p:cNvPr id="5" name="Rounded Rectangle 4"/>
           <p:cNvSpPr/>
           <p:nvPr/>
         </p:nvSpPr>
         <p:spPr>
           <a:xfrm>
-            <a:off x="4572000" y="1371600"/>
+            <a:off x="457200" y="1371600"/>
             <a:ext cx="3657600" cy="1965960"/>
           </a:xfrm>
           <a:prstGeom prst="roundRect">
@@ -3601,14 +3594,14 @@
       </p:sp>
       <p:sp>
         <p:nvSpPr>
-          <p:cNvPr id="8" name="TextBox 7"/>
+          <p:cNvPr id="6" name="TextBox 5"/>
           <p:cNvSpPr txBox="1"/>
           <p:nvPr/>
         </p:nvSpPr>
         <p:spPr>
           <a:xfrm>
-            <a:off x="4663440" y="1463040"/>
-            <a:ext cx="3474720" cy="914400"/>
+            <a:off x="548640" y="1463040"/>
+            <a:ext cx="3474720" cy="1371600"/>
           </a:xfrm>
           <a:prstGeom prst="rect">
             <a:avLst/>
@@ -3632,7 +3625,7 @@
               <a:defRPr b="1" sz="1400"/>
             </a:pPr>
             <a:r>
-              <a:t>Business Value Delivered:</a:t>
+              <a:t>Problem Statement:</a:t>
             </a:r>
           </a:p>
           <a:p>
@@ -3643,46 +3636,30 @@
               <a:spcAft>
                 <a:spcPts val="0"/>
               </a:spcAft>
+              <a:defRPr b="0" sz="1200"/>
             </a:pPr>
             <a:r>
-              <a:rPr sz="1200" b="0"/>
-              <a:t>The SupplyIQ solution delivered significant, measurable benefits across multiple business dimensions. Supply chain visibility improved by </a:t>
-            </a:r>
-            <a:r>
-              <a:rPr b="1" sz="1400"/>
-              <a:t>78</a:t>
-            </a:r>
-            <a:r>
-              <a:rPr sz="1200" b="0"/>
-              <a:t>%, while inventory carrying costs decreased by </a:t>
-            </a:r>
-            <a:r>
-              <a:rPr b="1" sz="1400"/>
-              <a:t>23</a:t>
-            </a:r>
-            <a:r>
-              <a:rPr sz="1200" b="0"/>
-              <a:t>% in the first six months.</a:t>
-            </a:r>
-          </a:p>
-        </p:txBody>
-      </p:sp>
-      <p:sp>
-        <p:nvSpPr>
-          <p:cNvPr id="9" name="Rounded Rectangle 8"/>
+              <a:t>The bank faced challenges with legacy systems that led to slow customer onboarding, fragmented customer experiences, and limited insights into customer behavior, affecting competitiveness in the rapidly evolving digital banking landscape</a:t>
+            </a:r>
+          </a:p>
+        </p:txBody>
+      </p:sp>
+      <p:sp>
+        <p:nvSpPr>
+          <p:cNvPr id="7" name="Rounded Rectangle 6"/>
           <p:cNvSpPr/>
           <p:nvPr/>
         </p:nvSpPr>
         <p:spPr>
           <a:xfrm>
-            <a:off x="457200" y="3886200"/>
-            <a:ext cx="8229600" cy="3089910"/>
+            <a:off x="4572000" y="1371600"/>
+            <a:ext cx="3657600" cy="2148840"/>
           </a:xfrm>
           <a:prstGeom prst="roundRect">
             <a:avLst/>
           </a:prstGeom>
           <a:solidFill>
-            <a:srgbClr val="DCDCDC"/>
+            <a:srgbClr val="FFC8C8"/>
           </a:solidFill>
           <a:ln>
             <a:solidFill>
@@ -3714,14 +3691,14 @@
       </p:sp>
       <p:sp>
         <p:nvSpPr>
-          <p:cNvPr id="10" name="TextBox 9"/>
+          <p:cNvPr id="8" name="TextBox 7"/>
           <p:cNvSpPr txBox="1"/>
           <p:nvPr/>
         </p:nvSpPr>
         <p:spPr>
           <a:xfrm>
-            <a:off x="548640" y="3977640"/>
-            <a:ext cx="8046720" cy="914400"/>
+            <a:off x="4663440" y="1463040"/>
+            <a:ext cx="3474720" cy="1371600"/>
           </a:xfrm>
           <a:prstGeom prst="rect">
             <a:avLst/>
@@ -3745,7 +3722,7 @@
               <a:defRPr b="1" sz="1400"/>
             </a:pPr>
             <a:r>
-              <a:t>Solution Provided:</a:t>
+              <a:t>Business Value Delivered:</a:t>
             </a:r>
           </a:p>
           <a:p>
@@ -3759,7 +3736,7 @@
             </a:pPr>
             <a:r>
               <a:rPr sz="1200" b="0"/>
-              <a:t>We implemented a comprehensive, AI-driven </a:t>
+              <a:t>The client achieved a </a:t>
             </a:r>
             <a:r>
               <a:rPr b="1" sz="1400"/>
@@ -3767,35 +3744,194 @@
             </a:r>
             <a:r>
               <a:rPr sz="1200" b="0"/>
-              <a:t>% supply chain transformation program named "SupplyIQ" with the following components:The SupplyIQ solution delivered significant</a:t>
-            </a:r>
-          </a:p>
-        </p:txBody>
-      </p:sp>
-      <p:pic>
-        <p:nvPicPr>
-          <p:cNvPr id="11" name="Picture 10" descr="image.jpg"/>
-          <p:cNvPicPr>
-            <a:picLocks noChangeAspect="1"/>
-          </p:cNvPicPr>
+              <a:t>% reduction in customer onboarding time, a </a:t>
+            </a:r>
+            <a:r>
+              <a:rPr b="1" sz="1400"/>
+              <a:t>25</a:t>
+            </a:r>
+            <a:r>
+              <a:rPr sz="1200" b="0"/>
+              <a:t>% increase in digital engagement metrics, and significant improvements in operational cost efficiency. The modern platform enabled faster product launches and enhanced customer satisfaction scores.</a:t>
+            </a:r>
+          </a:p>
+        </p:txBody>
+      </p:sp>
+      <p:sp>
+        <p:nvSpPr>
+          <p:cNvPr id="9" name="Rounded Rectangle 8"/>
+          <p:cNvSpPr/>
           <p:nvPr/>
-        </p:nvPicPr>
-        <p:blipFill>
-          <a:blip r:embed="rId3"/>
-          <a:stretch>
-            <a:fillRect/>
-          </a:stretch>
-        </p:blipFill>
-        <p:spPr>
-          <a:xfrm>
-            <a:off x="4238625" y="5074920"/>
-            <a:ext cx="666750" cy="666750"/>
+        </p:nvSpPr>
+        <p:spPr>
+          <a:xfrm>
+            <a:off x="457200" y="4069080"/>
+            <a:ext cx="8229600" cy="2148840"/>
+          </a:xfrm>
+          <a:prstGeom prst="roundRect">
+            <a:avLst/>
+          </a:prstGeom>
+          <a:solidFill>
+            <a:srgbClr val="DCDCDC"/>
+          </a:solidFill>
+          <a:ln>
+            <a:solidFill>
+              <a:srgbClr val="C8C8C8"/>
+            </a:solidFill>
+          </a:ln>
+        </p:spPr>
+        <p:style>
+          <a:lnRef idx="1">
+            <a:schemeClr val="accent1"/>
+          </a:lnRef>
+          <a:fillRef idx="3">
+            <a:schemeClr val="accent1"/>
+          </a:fillRef>
+          <a:effectRef idx="2">
+            <a:schemeClr val="accent1"/>
+          </a:effectRef>
+          <a:fontRef idx="minor">
+            <a:schemeClr val="lt1"/>
+          </a:fontRef>
+        </p:style>
+        <p:txBody>
+          <a:bodyPr rtlCol="0" anchor="ctr"/>
+          <a:lstStyle/>
+          <a:p>
+            <a:pPr algn="ctr"/>
+          </a:p>
+        </p:txBody>
+      </p:sp>
+      <p:sp>
+        <p:nvSpPr>
+          <p:cNvPr id="10" name="TextBox 9"/>
+          <p:cNvSpPr txBox="1"/>
+          <p:nvPr/>
+        </p:nvSpPr>
+        <p:spPr>
+          <a:xfrm>
+            <a:off x="548640" y="4160520"/>
+            <a:ext cx="8046720" cy="1371600"/>
           </a:xfrm>
           <a:prstGeom prst="rect">
             <a:avLst/>
           </a:prstGeom>
-        </p:spPr>
-      </p:pic>
+          <a:noFill/>
+        </p:spPr>
+        <p:txBody>
+          <a:bodyPr wrap="square" tIns="0" bIns="0" lIns="0" rIns="0">
+            <a:spAutoFit/>
+          </a:bodyPr>
+          <a:lstStyle/>
+          <a:p/>
+          <a:p>
+            <a:pPr>
+              <a:spcBef>
+                <a:spcPts val="0"/>
+              </a:spcBef>
+              <a:spcAft>
+                <a:spcPts val="200"/>
+              </a:spcAft>
+              <a:defRPr b="1" sz="1400"/>
+            </a:pPr>
+            <a:r>
+              <a:t>Solution Provided:</a:t>
+            </a:r>
+          </a:p>
+          <a:p>
+            <a:pPr>
+              <a:spcBef>
+                <a:spcPts val="0"/>
+              </a:spcBef>
+              <a:spcAft>
+                <a:spcPts val="0"/>
+              </a:spcAft>
+              <a:defRPr b="0" sz="1200"/>
+            </a:pPr>
+            <a:r>
+              <a:t>We designed and implemented a unified digital banking platform integrated with AI-driven analytics, automated onboarding workflows, and personalized customer service solutions. Critical legacy systems were modernized and migrated to a scalable cloud infrastructure.</a:t>
+            </a:r>
+          </a:p>
+        </p:txBody>
+      </p:sp>
+      <p:sp>
+        <p:nvSpPr>
+          <p:cNvPr id="11" name="Rectangle 10"/>
+          <p:cNvSpPr/>
+          <p:nvPr/>
+        </p:nvSpPr>
+        <p:spPr>
+          <a:xfrm>
+            <a:off x="0" y="6400800"/>
+            <a:ext cx="9144000" cy="457200"/>
+          </a:xfrm>
+          <a:prstGeom prst="rect">
+            <a:avLst/>
+          </a:prstGeom>
+          <a:solidFill>
+            <a:srgbClr val="0066CC"/>
+          </a:solidFill>
+          <a:ln>
+            <a:noFill/>
+          </a:ln>
+        </p:spPr>
+        <p:style>
+          <a:lnRef idx="1">
+            <a:schemeClr val="accent1"/>
+          </a:lnRef>
+          <a:fillRef idx="3">
+            <a:schemeClr val="accent1"/>
+          </a:fillRef>
+          <a:effectRef idx="2">
+            <a:schemeClr val="accent1"/>
+          </a:effectRef>
+          <a:fontRef idx="minor">
+            <a:schemeClr val="lt1"/>
+          </a:fontRef>
+        </p:style>
+        <p:txBody>
+          <a:bodyPr rtlCol="0" anchor="ctr"/>
+          <a:lstStyle/>
+          <a:p>
+            <a:pPr algn="ctr"/>
+          </a:p>
+        </p:txBody>
+      </p:sp>
+      <p:sp>
+        <p:nvSpPr>
+          <p:cNvPr id="12" name="TextBox 11"/>
+          <p:cNvSpPr txBox="1"/>
+          <p:nvPr/>
+        </p:nvSpPr>
+        <p:spPr>
+          <a:xfrm>
+            <a:off x="457200" y="6492240"/>
+            <a:ext cx="8229600" cy="274320"/>
+          </a:xfrm>
+          <a:prstGeom prst="rect">
+            <a:avLst/>
+          </a:prstGeom>
+          <a:noFill/>
+        </p:spPr>
+        <p:txBody>
+          <a:bodyPr wrap="none">
+            <a:spAutoFit/>
+          </a:bodyPr>
+          <a:lstStyle/>
+          <a:p>
+            <a:pPr algn="r">
+              <a:defRPr sz="1200">
+                <a:solidFill>
+                  <a:srgbClr val="FFFFFF"/>
+                </a:solidFill>
+              </a:defRPr>
+            </a:pPr>
+            <a:r>
+              <a:t>@surveys</a:t>
+            </a:r>
+          </a:p>
+        </p:txBody>
+      </p:sp>
     </p:spTree>
   </p:cSld>
   <p:clrMapOvr>
@@ -3814,20 +3950,12 @@
         <p:nvPr/>
       </p:nvGrpSpPr>
       <p:grpSpPr/>
-      <p:pic>
-        <p:nvPicPr>
-          <p:cNvPr id="2" name="Picture 1" descr="image.jpg"/>
-          <p:cNvPicPr>
-            <a:picLocks noChangeAspect="1"/>
-          </p:cNvPicPr>
+      <p:sp>
+        <p:nvSpPr>
+          <p:cNvPr id="2" name="Rectangle 1"/>
+          <p:cNvSpPr/>
           <p:nvPr/>
-        </p:nvPicPr>
-        <p:blipFill>
-          <a:blip r:embed="rId2"/>
-          <a:stretch>
-            <a:fillRect/>
-          </a:stretch>
-        </p:blipFill>
+        </p:nvSpPr>
         <p:spPr>
           <a:xfrm>
             <a:off x="0" y="0"/>
@@ -3836,97 +3964,10 @@
           <a:prstGeom prst="rect">
             <a:avLst/>
           </a:prstGeom>
-        </p:spPr>
-      </p:pic>
-      <p:sp>
-        <p:nvSpPr>
-          <p:cNvPr id="3" name="TextBox 2"/>
-          <p:cNvSpPr txBox="1"/>
-          <p:nvPr/>
-        </p:nvSpPr>
-        <p:spPr>
-          <a:xfrm>
-            <a:off x="7315200" y="182880"/>
-            <a:ext cx="1645920" cy="457200"/>
-          </a:xfrm>
-          <a:prstGeom prst="rect">
-            <a:avLst/>
-          </a:prstGeom>
-          <a:noFill/>
-        </p:spPr>
-        <p:txBody>
-          <a:bodyPr wrap="none">
-            <a:spAutoFit/>
-          </a:bodyPr>
-          <a:lstStyle/>
-          <a:p/>
-          <a:p>
-            <a:pPr algn="r">
-              <a:defRPr b="1" sz="1400">
-                <a:solidFill>
-                  <a:srgbClr val="003366"/>
-                </a:solidFill>
-              </a:defRPr>
-            </a:pPr>
-            <a:r>
-              <a:t>@INFOSYS</a:t>
-            </a:r>
-          </a:p>
-        </p:txBody>
-      </p:sp>
-      <p:sp>
-        <p:nvSpPr>
-          <p:cNvPr id="4" name="TextBox 3"/>
-          <p:cNvSpPr txBox="1"/>
-          <p:nvPr/>
-        </p:nvSpPr>
-        <p:spPr>
-          <a:xfrm>
-            <a:off x="457200" y="274320"/>
-            <a:ext cx="8229600" cy="914400"/>
-          </a:xfrm>
-          <a:prstGeom prst="rect">
-            <a:avLst/>
-          </a:prstGeom>
-          <a:noFill/>
-        </p:spPr>
-        <p:txBody>
-          <a:bodyPr wrap="none">
-            <a:spAutoFit/>
-          </a:bodyPr>
-          <a:lstStyle/>
-          <a:p>
-            <a:pPr>
-              <a:defRPr sz="2800" b="1"/>
-            </a:pPr>
-            <a:r>
-              <a:t>Slide 2 (Continued)</a:t>
-            </a:r>
-          </a:p>
-        </p:txBody>
-      </p:sp>
-      <p:sp>
-        <p:nvSpPr>
-          <p:cNvPr id="5" name="Rounded Rectangle 4"/>
-          <p:cNvSpPr/>
-          <p:nvPr/>
-        </p:nvSpPr>
-        <p:spPr>
-          <a:xfrm>
-            <a:off x="457200" y="1371600"/>
-            <a:ext cx="8229600" cy="3089910"/>
-          </a:xfrm>
-          <a:prstGeom prst="roundRect">
-            <a:avLst/>
-          </a:prstGeom>
           <a:solidFill>
-            <a:srgbClr val="DCDCDC"/>
+            <a:srgbClr val="ADD8E6"/>
           </a:solidFill>
-          <a:ln>
-            <a:solidFill>
-              <a:srgbClr val="C8C8C8"/>
-            </a:solidFill>
-          </a:ln>
+          <a:ln/>
         </p:spPr>
         <p:style>
           <a:lnRef idx="1">
@@ -3952,14 +3993,14 @@
       </p:sp>
       <p:sp>
         <p:nvSpPr>
-          <p:cNvPr id="6" name="TextBox 5"/>
+          <p:cNvPr id="3" name="TextBox 2"/>
           <p:cNvSpPr txBox="1"/>
           <p:nvPr/>
         </p:nvSpPr>
         <p:spPr>
           <a:xfrm>
-            <a:off x="548640" y="1463040"/>
-            <a:ext cx="8046720" cy="914400"/>
+            <a:off x="7315200" y="182880"/>
+            <a:ext cx="1645920" cy="457200"/>
           </a:xfrm>
           <a:prstGeom prst="rect">
             <a:avLst/>
@@ -3967,73 +4008,224 @@
           <a:noFill/>
         </p:spPr>
         <p:txBody>
-          <a:bodyPr wrap="square" tIns="0" bIns="0" lIns="0" rIns="0">
+          <a:bodyPr wrap="none">
             <a:spAutoFit/>
           </a:bodyPr>
           <a:lstStyle/>
           <a:p/>
           <a:p>
-            <a:pPr>
-              <a:spcBef>
-                <a:spcPts val="0"/>
-              </a:spcBef>
-              <a:spcAft>
-                <a:spcPts val="200"/>
-              </a:spcAft>
-              <a:defRPr b="1" sz="1400"/>
+            <a:pPr algn="r">
+              <a:defRPr b="1" sz="1400">
+                <a:solidFill>
+                  <a:srgbClr val="003366"/>
+                </a:solidFill>
+              </a:defRPr>
             </a:pPr>
             <a:r>
-              <a:t>Solution Provided:</a:t>
-            </a:r>
-          </a:p>
-          <a:p>
-            <a:pPr>
-              <a:spcBef>
-                <a:spcPts val="0"/>
-              </a:spcBef>
-              <a:spcAft>
-                <a:spcPts val="0"/>
-              </a:spcAft>
-            </a:pPr>
-            <a:r>
-              <a:rPr sz="1200" b="0"/>
-              <a:t>We implemented a comprehensive, AI-driven </a:t>
-            </a:r>
-            <a:r>
-              <a:rPr b="1" sz="1400"/>
-              <a:t>40</a:t>
-            </a:r>
-            <a:r>
-              <a:rPr sz="1200" b="0"/>
-              <a:t>% supply chain transformation program named "SupplyIQ" with the following components:The SupplyIQ solution delivered significant</a:t>
-            </a:r>
-          </a:p>
-        </p:txBody>
-      </p:sp>
-      <p:pic>
-        <p:nvPicPr>
-          <p:cNvPr id="7" name="Picture 6" descr="image.jpg"/>
-          <p:cNvPicPr>
-            <a:picLocks noChangeAspect="1"/>
-          </p:cNvPicPr>
+              <a:t>@INFOSYS</a:t>
+            </a:r>
+          </a:p>
+        </p:txBody>
+      </p:sp>
+      <p:sp>
+        <p:nvSpPr>
+          <p:cNvPr id="4" name="TextBox 3"/>
+          <p:cNvSpPr txBox="1"/>
           <p:nvPr/>
-        </p:nvPicPr>
-        <p:blipFill>
-          <a:blip r:embed="rId3"/>
-          <a:stretch>
-            <a:fillRect/>
-          </a:stretch>
-        </p:blipFill>
-        <p:spPr>
-          <a:xfrm>
-            <a:off x="4238625" y="2560320"/>
-            <a:ext cx="666750" cy="666750"/>
+        </p:nvSpPr>
+        <p:spPr>
+          <a:xfrm>
+            <a:off x="457200" y="457200"/>
+            <a:ext cx="8229600" cy="914400"/>
           </a:xfrm>
           <a:prstGeom prst="rect">
             <a:avLst/>
           </a:prstGeom>
-        </p:spPr>
-      </p:pic>
+          <a:noFill/>
+        </p:spPr>
+        <p:txBody>
+          <a:bodyPr wrap="none">
+            <a:spAutoFit/>
+          </a:bodyPr>
+          <a:lstStyle/>
+          <a:p/>
+          <a:p>
+            <a:pPr algn="ctr">
+              <a:defRPr sz="3200" b="1"/>
+            </a:pPr>
+            <a:r>
+              <a:t>Platforms and coes</a:t>
+            </a:r>
+          </a:p>
+        </p:txBody>
+      </p:sp>
+      <p:sp>
+        <p:nvSpPr>
+          <p:cNvPr id="5" name="TextBox 4"/>
+          <p:cNvSpPr txBox="1"/>
+          <p:nvPr/>
+        </p:nvSpPr>
+        <p:spPr>
+          <a:xfrm>
+            <a:off x="457200" y="1371600"/>
+            <a:ext cx="8229600" cy="914400"/>
+          </a:xfrm>
+          <a:prstGeom prst="rect">
+            <a:avLst/>
+          </a:prstGeom>
+          <a:noFill/>
+        </p:spPr>
+        <p:txBody>
+          <a:bodyPr wrap="square" lIns="0" rIns="0" tIns="0" bIns="0">
+            <a:spAutoFit/>
+          </a:bodyPr>
+          <a:lstStyle/>
+          <a:p/>
+          <a:p>
+            <a:pPr>
+              <a:defRPr b="1" sz="2000"/>
+            </a:pPr>
+            <a:r>
+              <a:t>Platforms / Accelerators / Assets Used</a:t>
+            </a:r>
+          </a:p>
+          <a:p>
+            <a:pPr>
+              <a:defRPr sz="1200"/>
+            </a:pPr>
+            <a:r>
+              <a:t>Digital Experience Platform (DXP) Accelerator,Cloud Migration Toolkit,AI-Based Customer Analytics Framework,Automated Workflow Engine</a:t>
+            </a:r>
+          </a:p>
+        </p:txBody>
+      </p:sp>
+      <p:sp>
+        <p:nvSpPr>
+          <p:cNvPr id="6" name="TextBox 5"/>
+          <p:cNvSpPr txBox="1"/>
+          <p:nvPr/>
+        </p:nvSpPr>
+        <p:spPr>
+          <a:xfrm>
+            <a:off x="457200" y="2468880"/>
+            <a:ext cx="8229600" cy="914400"/>
+          </a:xfrm>
+          <a:prstGeom prst="rect">
+            <a:avLst/>
+          </a:prstGeom>
+          <a:noFill/>
+        </p:spPr>
+        <p:txBody>
+          <a:bodyPr wrap="square" lIns="0" rIns="0" tIns="0" bIns="0">
+            <a:spAutoFit/>
+          </a:bodyPr>
+          <a:lstStyle/>
+          <a:p/>
+          <a:p>
+            <a:pPr>
+              <a:defRPr b="1" sz="2000"/>
+            </a:pPr>
+            <a:r>
+              <a:t>COE</a:t>
+            </a:r>
+          </a:p>
+          <a:p>
+            <a:r>
+              <a:t>COE</a:t>
+            </a:r>
+          </a:p>
+          <a:p>
+            <a:pPr lvl="1"/>
+            <a:r>
+              <a:t>• Cobalt</a:t>
+            </a:r>
+          </a:p>
+          <a:p>
+            <a:pPr lvl="1"/>
+            <a:r>
+              <a:t>• Topaz</a:t>
+            </a:r>
+          </a:p>
+        </p:txBody>
+      </p:sp>
+      <p:sp>
+        <p:nvSpPr>
+          <p:cNvPr id="7" name="Rectangle 6"/>
+          <p:cNvSpPr/>
+          <p:nvPr/>
+        </p:nvSpPr>
+        <p:spPr>
+          <a:xfrm>
+            <a:off x="0" y="6400800"/>
+            <a:ext cx="9144000" cy="457200"/>
+          </a:xfrm>
+          <a:prstGeom prst="rect">
+            <a:avLst/>
+          </a:prstGeom>
+          <a:solidFill>
+            <a:srgbClr val="0066CC"/>
+          </a:solidFill>
+          <a:ln>
+            <a:noFill/>
+          </a:ln>
+        </p:spPr>
+        <p:style>
+          <a:lnRef idx="1">
+            <a:schemeClr val="accent1"/>
+          </a:lnRef>
+          <a:fillRef idx="3">
+            <a:schemeClr val="accent1"/>
+          </a:fillRef>
+          <a:effectRef idx="2">
+            <a:schemeClr val="accent1"/>
+          </a:effectRef>
+          <a:fontRef idx="minor">
+            <a:schemeClr val="lt1"/>
+          </a:fontRef>
+        </p:style>
+        <p:txBody>
+          <a:bodyPr rtlCol="0" anchor="ctr"/>
+          <a:lstStyle/>
+          <a:p>
+            <a:pPr algn="ctr"/>
+          </a:p>
+        </p:txBody>
+      </p:sp>
+      <p:sp>
+        <p:nvSpPr>
+          <p:cNvPr id="8" name="TextBox 7"/>
+          <p:cNvSpPr txBox="1"/>
+          <p:nvPr/>
+        </p:nvSpPr>
+        <p:spPr>
+          <a:xfrm>
+            <a:off x="457200" y="6492240"/>
+            <a:ext cx="8229600" cy="274320"/>
+          </a:xfrm>
+          <a:prstGeom prst="rect">
+            <a:avLst/>
+          </a:prstGeom>
+          <a:noFill/>
+        </p:spPr>
+        <p:txBody>
+          <a:bodyPr wrap="none">
+            <a:spAutoFit/>
+          </a:bodyPr>
+          <a:lstStyle/>
+          <a:p>
+            <a:pPr algn="r">
+              <a:defRPr sz="1200">
+                <a:solidFill>
+                  <a:srgbClr val="FFFFFF"/>
+                </a:solidFill>
+              </a:defRPr>
+            </a:pPr>
+            <a:r>
+              <a:t>@surveys</a:t>
+            </a:r>
+          </a:p>
+        </p:txBody>
+      </p:sp>
     </p:spTree>
   </p:cSld>
   <p:clrMapOvr>

--- a/presentation.pptx
+++ b/presentation.pptx
@@ -8,6 +8,8 @@
     <p:sldId id="256" r:id="rId7"/>
     <p:sldId id="257" r:id="rId8"/>
     <p:sldId id="258" r:id="rId9"/>
+    <p:sldId id="259" r:id="rId10"/>
+    <p:sldId id="260" r:id="rId11"/>
   </p:sldIdLst>
   <p:sldSz cx="9144000" cy="6858000" type="screen4x3"/>
   <p:notesSz cx="6858000" cy="9144000"/>
@@ -3090,24 +3092,198 @@
         <p:nvPr/>
       </p:nvGrpSpPr>
       <p:grpSpPr/>
-      <p:sp>
-        <p:nvSpPr>
-          <p:cNvPr id="2" name="Rectangle 1"/>
+      <p:pic>
+        <p:nvPicPr>
+          <p:cNvPr id="2" name="Picture 1" descr="image.jpg"/>
+          <p:cNvPicPr>
+            <a:picLocks noChangeAspect="1"/>
+          </p:cNvPicPr>
+          <p:nvPr/>
+        </p:nvPicPr>
+        <p:blipFill>
+          <a:blip r:embed="rId2"/>
+          <a:stretch>
+            <a:fillRect/>
+          </a:stretch>
+        </p:blipFill>
+        <p:spPr>
+          <a:xfrm>
+            <a:off x="0" y="0"/>
+            <a:ext cx="9144000" cy="1280160"/>
+          </a:xfrm>
+          <a:prstGeom prst="rect">
+            <a:avLst/>
+          </a:prstGeom>
+        </p:spPr>
+      </p:pic>
+      <p:sp>
+        <p:nvSpPr>
+          <p:cNvPr id="3" name="TextBox 2"/>
+          <p:cNvSpPr txBox="1"/>
+          <p:nvPr/>
+        </p:nvSpPr>
+        <p:spPr>
+          <a:xfrm>
+            <a:off x="7315200" y="182880"/>
+            <a:ext cx="1645920" cy="457200"/>
+          </a:xfrm>
+          <a:prstGeom prst="rect">
+            <a:avLst/>
+          </a:prstGeom>
+          <a:noFill/>
+        </p:spPr>
+        <p:txBody>
+          <a:bodyPr wrap="none">
+            <a:spAutoFit/>
+          </a:bodyPr>
+          <a:lstStyle/>
+          <a:p/>
+          <a:p>
+            <a:pPr algn="r">
+              <a:defRPr b="1" sz="1400">
+                <a:solidFill>
+                  <a:srgbClr val="003366"/>
+                </a:solidFill>
+              </a:defRPr>
+            </a:pPr>
+            <a:r>
+              <a:t>@INFOSYS</a:t>
+            </a:r>
+          </a:p>
+        </p:txBody>
+      </p:sp>
+      <p:sp>
+        <p:nvSpPr>
+          <p:cNvPr id="4" name="TextBox 3"/>
+          <p:cNvSpPr txBox="1"/>
+          <p:nvPr/>
+        </p:nvSpPr>
+        <p:spPr>
+          <a:xfrm>
+            <a:off x="457200" y="457200"/>
+            <a:ext cx="8229600" cy="914400"/>
+          </a:xfrm>
+          <a:prstGeom prst="rect">
+            <a:avLst/>
+          </a:prstGeom>
+          <a:noFill/>
+        </p:spPr>
+        <p:txBody>
+          <a:bodyPr wrap="none">
+            <a:spAutoFit/>
+          </a:bodyPr>
+          <a:lstStyle/>
+          <a:p/>
+          <a:p>
+            <a:pPr algn="ctr">
+              <a:defRPr sz="3200" b="1"/>
+            </a:pPr>
+            <a:r>
+              <a:t>Success Story Repository</a:t>
+            </a:r>
+          </a:p>
+        </p:txBody>
+      </p:sp>
+      <p:sp>
+        <p:nvSpPr>
+          <p:cNvPr id="5" name="TextBox 4"/>
+          <p:cNvSpPr txBox="1"/>
+          <p:nvPr/>
+        </p:nvSpPr>
+        <p:spPr>
+          <a:xfrm>
+            <a:off x="457200" y="1371600"/>
+            <a:ext cx="8229600" cy="640080"/>
+          </a:xfrm>
+          <a:prstGeom prst="rect">
+            <a:avLst/>
+          </a:prstGeom>
+          <a:noFill/>
+        </p:spPr>
+        <p:txBody>
+          <a:bodyPr wrap="square" lIns="0" rIns="0" tIns="0" bIns="0">
+            <a:spAutoFit/>
+          </a:bodyPr>
+          <a:lstStyle/>
+          <a:p/>
+          <a:p>
+            <a:pPr>
+              <a:defRPr b="1" sz="2000"/>
+            </a:pPr>
+            <a:r>
+              <a:t>Story Title:</a:t>
+            </a:r>
+          </a:p>
+          <a:p>
+            <a:pPr>
+              <a:defRPr sz="1400"/>
+            </a:pPr>
+            <a:r>
+              <a:t>Driving Digital Transformation for a Leading Global Bank</a:t>
+            </a:r>
+          </a:p>
+        </p:txBody>
+      </p:sp>
+      <p:sp>
+        <p:nvSpPr>
+          <p:cNvPr id="6" name="TextBox 5"/>
+          <p:cNvSpPr txBox="1"/>
+          <p:nvPr/>
+        </p:nvSpPr>
+        <p:spPr>
+          <a:xfrm>
+            <a:off x="457200" y="2286000"/>
+            <a:ext cx="8229600" cy="1024890"/>
+          </a:xfrm>
+          <a:prstGeom prst="rect">
+            <a:avLst/>
+          </a:prstGeom>
+          <a:noFill/>
+        </p:spPr>
+        <p:txBody>
+          <a:bodyPr wrap="square" lIns="0" rIns="0" tIns="0" bIns="0">
+            <a:spAutoFit/>
+          </a:bodyPr>
+          <a:lstStyle/>
+          <a:p/>
+          <a:p>
+            <a:pPr>
+              <a:defRPr b="1" sz="2000"/>
+            </a:pPr>
+            <a:r>
+              <a:t>Client MCC:</a:t>
+            </a:r>
+          </a:p>
+          <a:p>
+            <a:pPr>
+              <a:defRPr sz="1400"/>
+            </a:pPr>
+            <a:r>
+              <a:t>Banking and Financial Services</a:t>
+            </a:r>
+          </a:p>
+        </p:txBody>
+      </p:sp>
+      <p:sp>
+        <p:nvSpPr>
+          <p:cNvPr id="7" name="Rectangle 6"/>
           <p:cNvSpPr/>
           <p:nvPr/>
         </p:nvSpPr>
         <p:spPr>
           <a:xfrm>
-            <a:off x="0" y="0"/>
-            <a:ext cx="9144000" cy="1280160"/>
+            <a:off x="0" y="6400800"/>
+            <a:ext cx="9144000" cy="457200"/>
           </a:xfrm>
           <a:prstGeom prst="rect">
             <a:avLst/>
           </a:prstGeom>
           <a:solidFill>
-            <a:srgbClr val="ADD8E6"/>
+            <a:srgbClr val="0066CC"/>
           </a:solidFill>
-          <a:ln/>
+          <a:ln>
+            <a:noFill/>
+          </a:ln>
         </p:spPr>
         <p:style>
           <a:lnRef idx="1">
@@ -3133,262 +3309,7 @@
       </p:sp>
       <p:sp>
         <p:nvSpPr>
-          <p:cNvPr id="3" name="TextBox 2"/>
-          <p:cNvSpPr txBox="1"/>
-          <p:nvPr/>
-        </p:nvSpPr>
-        <p:spPr>
-          <a:xfrm>
-            <a:off x="7315200" y="182880"/>
-            <a:ext cx="1645920" cy="457200"/>
-          </a:xfrm>
-          <a:prstGeom prst="rect">
-            <a:avLst/>
-          </a:prstGeom>
-          <a:noFill/>
-        </p:spPr>
-        <p:txBody>
-          <a:bodyPr wrap="none">
-            <a:spAutoFit/>
-          </a:bodyPr>
-          <a:lstStyle/>
-          <a:p/>
-          <a:p>
-            <a:pPr algn="r">
-              <a:defRPr b="1" sz="1400">
-                <a:solidFill>
-                  <a:srgbClr val="003366"/>
-                </a:solidFill>
-              </a:defRPr>
-            </a:pPr>
-            <a:r>
-              <a:t>@INFOSYS</a:t>
-            </a:r>
-          </a:p>
-        </p:txBody>
-      </p:sp>
-      <p:sp>
-        <p:nvSpPr>
-          <p:cNvPr id="4" name="TextBox 3"/>
-          <p:cNvSpPr txBox="1"/>
-          <p:nvPr/>
-        </p:nvSpPr>
-        <p:spPr>
-          <a:xfrm>
-            <a:off x="457200" y="457200"/>
-            <a:ext cx="8229600" cy="914400"/>
-          </a:xfrm>
-          <a:prstGeom prst="rect">
-            <a:avLst/>
-          </a:prstGeom>
-          <a:noFill/>
-        </p:spPr>
-        <p:txBody>
-          <a:bodyPr wrap="none">
-            <a:spAutoFit/>
-          </a:bodyPr>
-          <a:lstStyle/>
-          <a:p/>
-          <a:p>
-            <a:pPr algn="ctr">
-              <a:defRPr sz="3200" b="1"/>
-            </a:pPr>
-            <a:r>
-              <a:t>Success Story Repository</a:t>
-            </a:r>
-          </a:p>
-        </p:txBody>
-      </p:sp>
-      <p:sp>
-        <p:nvSpPr>
-          <p:cNvPr id="5" name="TextBox 4"/>
-          <p:cNvSpPr txBox="1"/>
-          <p:nvPr/>
-        </p:nvSpPr>
-        <p:spPr>
-          <a:xfrm>
-            <a:off x="457200" y="1371600"/>
-            <a:ext cx="8229600" cy="640080"/>
-          </a:xfrm>
-          <a:prstGeom prst="rect">
-            <a:avLst/>
-          </a:prstGeom>
-          <a:noFill/>
-        </p:spPr>
-        <p:txBody>
-          <a:bodyPr wrap="square" lIns="0" rIns="0" tIns="0" bIns="0">
-            <a:spAutoFit/>
-          </a:bodyPr>
-          <a:lstStyle/>
-          <a:p/>
-          <a:p>
-            <a:pPr>
-              <a:defRPr b="1" sz="2000"/>
-            </a:pPr>
-            <a:r>
-              <a:t>Story Title:</a:t>
-            </a:r>
-          </a:p>
-          <a:p>
-            <a:pPr>
-              <a:defRPr sz="1200"/>
-            </a:pPr>
-            <a:r>
-              <a:t>Driving Digital Transformation for a Leading Global Bank</a:t>
-            </a:r>
-          </a:p>
-        </p:txBody>
-      </p:sp>
-      <p:sp>
-        <p:nvSpPr>
-          <p:cNvPr id="6" name="TextBox 5"/>
-          <p:cNvSpPr txBox="1"/>
-          <p:nvPr/>
-        </p:nvSpPr>
-        <p:spPr>
-          <a:xfrm>
-            <a:off x="457200" y="2194560"/>
-            <a:ext cx="8229600" cy="1024890"/>
-          </a:xfrm>
-          <a:prstGeom prst="rect">
-            <a:avLst/>
-          </a:prstGeom>
-          <a:noFill/>
-        </p:spPr>
-        <p:txBody>
-          <a:bodyPr wrap="square" lIns="0" rIns="0" tIns="0" bIns="0">
-            <a:spAutoFit/>
-          </a:bodyPr>
-          <a:lstStyle/>
-          <a:p/>
-          <a:p>
-            <a:pPr>
-              <a:defRPr b="1" sz="2000"/>
-            </a:pPr>
-            <a:r>
-              <a:t>Client MCC:</a:t>
-            </a:r>
-          </a:p>
-          <a:p>
-            <a:pPr>
-              <a:defRPr sz="1200"/>
-            </a:pPr>
-            <a:r>
-              <a:t>Banking and Financial Services</a:t>
-            </a:r>
-          </a:p>
-        </p:txBody>
-      </p:sp>
-      <p:pic>
-        <p:nvPicPr>
-          <p:cNvPr id="7" name="Picture 6" descr="image.jpg"/>
-          <p:cNvPicPr>
-            <a:picLocks noChangeAspect="1"/>
-          </p:cNvPicPr>
-          <p:nvPr/>
-        </p:nvPicPr>
-        <p:blipFill>
-          <a:blip r:embed="rId2"/>
-          <a:stretch>
-            <a:fillRect/>
-          </a:stretch>
-        </p:blipFill>
-        <p:spPr>
-          <a:xfrm>
-            <a:off x="4333875" y="3200400"/>
-            <a:ext cx="476250" cy="476250"/>
-          </a:xfrm>
-          <a:prstGeom prst="rect">
-            <a:avLst/>
-          </a:prstGeom>
-        </p:spPr>
-      </p:pic>
-      <p:sp>
-        <p:nvSpPr>
           <p:cNvPr id="8" name="TextBox 7"/>
-          <p:cNvSpPr txBox="1"/>
-          <p:nvPr/>
-        </p:nvSpPr>
-        <p:spPr>
-          <a:xfrm>
-            <a:off x="457200" y="4042410"/>
-            <a:ext cx="8229600" cy="1645920"/>
-          </a:xfrm>
-          <a:prstGeom prst="rect">
-            <a:avLst/>
-          </a:prstGeom>
-          <a:noFill/>
-        </p:spPr>
-        <p:txBody>
-          <a:bodyPr wrap="square" lIns="0" rIns="0" tIns="0" bIns="0">
-            <a:spAutoFit/>
-          </a:bodyPr>
-          <a:lstStyle/>
-          <a:p/>
-          <a:p>
-            <a:pPr>
-              <a:defRPr b="1" sz="2000"/>
-            </a:pPr>
-            <a:r>
-              <a:t>Executive Summary:</a:t>
-            </a:r>
-          </a:p>
-          <a:p>
-            <a:pPr>
-              <a:defRPr sz="1200"/>
-            </a:pPr>
-            <a:r>
-              <a:t>GlobalTrust Bank partnered with us to accelerate its digital banking initiatives. The engagement involved modernizing customer engagement platforms, implementing data-driven decision-making processes, and migrating critical operations to the cloud, enabling superior customer experience and operational efficiency.</a:t>
-            </a:r>
-          </a:p>
-        </p:txBody>
-      </p:sp>
-      <p:sp>
-        <p:nvSpPr>
-          <p:cNvPr id="9" name="Rectangle 8"/>
-          <p:cNvSpPr/>
-          <p:nvPr/>
-        </p:nvSpPr>
-        <p:spPr>
-          <a:xfrm>
-            <a:off x="0" y="6400800"/>
-            <a:ext cx="9144000" cy="457200"/>
-          </a:xfrm>
-          <a:prstGeom prst="rect">
-            <a:avLst/>
-          </a:prstGeom>
-          <a:solidFill>
-            <a:srgbClr val="0066CC"/>
-          </a:solidFill>
-          <a:ln>
-            <a:noFill/>
-          </a:ln>
-        </p:spPr>
-        <p:style>
-          <a:lnRef idx="1">
-            <a:schemeClr val="accent1"/>
-          </a:lnRef>
-          <a:fillRef idx="3">
-            <a:schemeClr val="accent1"/>
-          </a:fillRef>
-          <a:effectRef idx="2">
-            <a:schemeClr val="accent1"/>
-          </a:effectRef>
-          <a:fontRef idx="minor">
-            <a:schemeClr val="lt1"/>
-          </a:fontRef>
-        </p:style>
-        <p:txBody>
-          <a:bodyPr rtlCol="0" anchor="ctr"/>
-          <a:lstStyle/>
-          <a:p>
-            <a:pPr algn="ctr"/>
-          </a:p>
-        </p:txBody>
-      </p:sp>
-      <p:sp>
-        <p:nvSpPr>
-          <p:cNvPr id="10" name="TextBox 9"/>
           <p:cNvSpPr txBox="1"/>
           <p:nvPr/>
         </p:nvSpPr>
@@ -3439,24 +3360,158 @@
         <p:nvPr/>
       </p:nvGrpSpPr>
       <p:grpSpPr/>
-      <p:sp>
-        <p:nvSpPr>
-          <p:cNvPr id="2" name="Rectangle 1"/>
+      <p:pic>
+        <p:nvPicPr>
+          <p:cNvPr id="2" name="Picture 1" descr="image.jpg"/>
+          <p:cNvPicPr>
+            <a:picLocks noChangeAspect="1"/>
+          </p:cNvPicPr>
+          <p:nvPr/>
+        </p:nvPicPr>
+        <p:blipFill>
+          <a:blip r:embed="rId2"/>
+          <a:stretch>
+            <a:fillRect/>
+          </a:stretch>
+        </p:blipFill>
+        <p:spPr>
+          <a:xfrm>
+            <a:off x="0" y="0"/>
+            <a:ext cx="9144000" cy="1280160"/>
+          </a:xfrm>
+          <a:prstGeom prst="rect">
+            <a:avLst/>
+          </a:prstGeom>
+        </p:spPr>
+      </p:pic>
+      <p:sp>
+        <p:nvSpPr>
+          <p:cNvPr id="3" name="TextBox 2"/>
+          <p:cNvSpPr txBox="1"/>
+          <p:nvPr/>
+        </p:nvSpPr>
+        <p:spPr>
+          <a:xfrm>
+            <a:off x="7315200" y="182880"/>
+            <a:ext cx="1645920" cy="457200"/>
+          </a:xfrm>
+          <a:prstGeom prst="rect">
+            <a:avLst/>
+          </a:prstGeom>
+          <a:noFill/>
+        </p:spPr>
+        <p:txBody>
+          <a:bodyPr wrap="none">
+            <a:spAutoFit/>
+          </a:bodyPr>
+          <a:lstStyle/>
+          <a:p/>
+          <a:p>
+            <a:pPr algn="r">
+              <a:defRPr b="1" sz="1400">
+                <a:solidFill>
+                  <a:srgbClr val="003366"/>
+                </a:solidFill>
+              </a:defRPr>
+            </a:pPr>
+            <a:r>
+              <a:t>@INFOSYS</a:t>
+            </a:r>
+          </a:p>
+        </p:txBody>
+      </p:sp>
+      <p:sp>
+        <p:nvSpPr>
+          <p:cNvPr id="4" name="TextBox 3"/>
+          <p:cNvSpPr txBox="1"/>
+          <p:nvPr/>
+        </p:nvSpPr>
+        <p:spPr>
+          <a:xfrm>
+            <a:off x="457200" y="457200"/>
+            <a:ext cx="8229600" cy="731520"/>
+          </a:xfrm>
+          <a:prstGeom prst="rect">
+            <a:avLst/>
+          </a:prstGeom>
+          <a:noFill/>
+        </p:spPr>
+        <p:txBody>
+          <a:bodyPr wrap="none">
+            <a:spAutoFit/>
+          </a:bodyPr>
+          <a:lstStyle/>
+          <a:p/>
+          <a:p>
+            <a:pPr algn="ctr">
+              <a:defRPr b="1" i="1" sz="2400"/>
+            </a:pPr>
+            <a:r>
+              <a:t>Success Story Repository (Continued)</a:t>
+            </a:r>
+          </a:p>
+        </p:txBody>
+      </p:sp>
+      <p:sp>
+        <p:nvSpPr>
+          <p:cNvPr id="5" name="TextBox 4"/>
+          <p:cNvSpPr txBox="1"/>
+          <p:nvPr/>
+        </p:nvSpPr>
+        <p:spPr>
+          <a:xfrm>
+            <a:off x="457200" y="1371600"/>
+            <a:ext cx="8229600" cy="4572000"/>
+          </a:xfrm>
+          <a:prstGeom prst="rect">
+            <a:avLst/>
+          </a:prstGeom>
+          <a:noFill/>
+        </p:spPr>
+        <p:txBody>
+          <a:bodyPr wrap="square" lIns="0" rIns="0" tIns="0" bIns="0">
+            <a:spAutoFit/>
+          </a:bodyPr>
+          <a:lstStyle/>
+          <a:p/>
+          <a:p>
+            <a:pPr>
+              <a:defRPr b="1" sz="2000"/>
+            </a:pPr>
+            <a:r>
+              <a:t>Executive Summary:</a:t>
+            </a:r>
+          </a:p>
+          <a:p>
+            <a:pPr>
+              <a:defRPr sz="1400"/>
+            </a:pPr>
+            <a:r>
+              <a:t>GlobalTrust Bank partnered with us to accelerate its digital banking initiatives. The engagement involved modernizing customer engagement platforms, implementing data-driven decision-making processes, and migrating critical operations to the cloud, enabling superior customer experience and operational efficiency.GlobalTrust Bank partnered with us to accelerate its digital banking initiatives. The engagement involved modernizing customer engagement platforms, implementing data-driven decision-making processes, and migrating critical operations to the cloud, enabling superior customer experience and operational efficiency.GlobalTrust Bank partnered with us to accelerate its digital banking initiatives. The engagement involved modernizing customer engagement platforms, implementing data-driven decision-making processes, and migrating critical operations to the cloud, enabling superior customer experience and operational efficiency.</a:t>
+            </a:r>
+          </a:p>
+        </p:txBody>
+      </p:sp>
+      <p:sp>
+        <p:nvSpPr>
+          <p:cNvPr id="6" name="Rectangle 5"/>
           <p:cNvSpPr/>
           <p:nvPr/>
         </p:nvSpPr>
         <p:spPr>
           <a:xfrm>
-            <a:off x="0" y="0"/>
-            <a:ext cx="9144000" cy="1280160"/>
+            <a:off x="0" y="6400800"/>
+            <a:ext cx="9144000" cy="457200"/>
           </a:xfrm>
           <a:prstGeom prst="rect">
             <a:avLst/>
           </a:prstGeom>
           <a:solidFill>
-            <a:srgbClr val="ADD8E6"/>
+            <a:srgbClr val="0066CC"/>
           </a:solidFill>
-          <a:ln/>
+          <a:ln>
+            <a:noFill/>
+          </a:ln>
         </p:spPr>
         <p:style>
           <a:lnRef idx="1">
@@ -3482,424 +3537,7 @@
       </p:sp>
       <p:sp>
         <p:nvSpPr>
-          <p:cNvPr id="3" name="TextBox 2"/>
-          <p:cNvSpPr txBox="1"/>
-          <p:nvPr/>
-        </p:nvSpPr>
-        <p:spPr>
-          <a:xfrm>
-            <a:off x="7315200" y="182880"/>
-            <a:ext cx="1645920" cy="457200"/>
-          </a:xfrm>
-          <a:prstGeom prst="rect">
-            <a:avLst/>
-          </a:prstGeom>
-          <a:noFill/>
-        </p:spPr>
-        <p:txBody>
-          <a:bodyPr wrap="none">
-            <a:spAutoFit/>
-          </a:bodyPr>
-          <a:lstStyle/>
-          <a:p/>
-          <a:p>
-            <a:pPr algn="r">
-              <a:defRPr b="1" sz="1400">
-                <a:solidFill>
-                  <a:srgbClr val="003366"/>
-                </a:solidFill>
-              </a:defRPr>
-            </a:pPr>
-            <a:r>
-              <a:t>@INFOSYS</a:t>
-            </a:r>
-          </a:p>
-        </p:txBody>
-      </p:sp>
-      <p:sp>
-        <p:nvSpPr>
-          <p:cNvPr id="4" name="TextBox 3"/>
-          <p:cNvSpPr txBox="1"/>
-          <p:nvPr/>
-        </p:nvSpPr>
-        <p:spPr>
-          <a:xfrm>
-            <a:off x="457200" y="274320"/>
-            <a:ext cx="8229600" cy="914400"/>
-          </a:xfrm>
-          <a:prstGeom prst="rect">
-            <a:avLst/>
-          </a:prstGeom>
-          <a:noFill/>
-        </p:spPr>
-        <p:txBody>
-          <a:bodyPr wrap="none">
-            <a:spAutoFit/>
-          </a:bodyPr>
-          <a:lstStyle/>
-          <a:p>
-            <a:pPr>
-              <a:defRPr sz="2800" b="1"/>
-            </a:pPr>
-            <a:r>
-              <a:t>Client Challenge, Solution, and Impact</a:t>
-            </a:r>
-          </a:p>
-        </p:txBody>
-      </p:sp>
-      <p:sp>
-        <p:nvSpPr>
-          <p:cNvPr id="5" name="Rounded Rectangle 4"/>
-          <p:cNvSpPr/>
-          <p:nvPr/>
-        </p:nvSpPr>
-        <p:spPr>
-          <a:xfrm>
-            <a:off x="457200" y="1371600"/>
-            <a:ext cx="3657600" cy="1965960"/>
-          </a:xfrm>
-          <a:prstGeom prst="roundRect">
-            <a:avLst/>
-          </a:prstGeom>
-          <a:solidFill>
-            <a:srgbClr val="DCDCDC"/>
-          </a:solidFill>
-          <a:ln>
-            <a:solidFill>
-              <a:srgbClr val="C8C8C8"/>
-            </a:solidFill>
-          </a:ln>
-        </p:spPr>
-        <p:style>
-          <a:lnRef idx="1">
-            <a:schemeClr val="accent1"/>
-          </a:lnRef>
-          <a:fillRef idx="3">
-            <a:schemeClr val="accent1"/>
-          </a:fillRef>
-          <a:effectRef idx="2">
-            <a:schemeClr val="accent1"/>
-          </a:effectRef>
-          <a:fontRef idx="minor">
-            <a:schemeClr val="lt1"/>
-          </a:fontRef>
-        </p:style>
-        <p:txBody>
-          <a:bodyPr rtlCol="0" anchor="ctr"/>
-          <a:lstStyle/>
-          <a:p>
-            <a:pPr algn="ctr"/>
-          </a:p>
-        </p:txBody>
-      </p:sp>
-      <p:sp>
-        <p:nvSpPr>
-          <p:cNvPr id="6" name="TextBox 5"/>
-          <p:cNvSpPr txBox="1"/>
-          <p:nvPr/>
-        </p:nvSpPr>
-        <p:spPr>
-          <a:xfrm>
-            <a:off x="548640" y="1463040"/>
-            <a:ext cx="3474720" cy="1371600"/>
-          </a:xfrm>
-          <a:prstGeom prst="rect">
-            <a:avLst/>
-          </a:prstGeom>
-          <a:noFill/>
-        </p:spPr>
-        <p:txBody>
-          <a:bodyPr wrap="square" tIns="0" bIns="0" lIns="0" rIns="0">
-            <a:spAutoFit/>
-          </a:bodyPr>
-          <a:lstStyle/>
-          <a:p/>
-          <a:p>
-            <a:pPr>
-              <a:spcBef>
-                <a:spcPts val="0"/>
-              </a:spcBef>
-              <a:spcAft>
-                <a:spcPts val="200"/>
-              </a:spcAft>
-              <a:defRPr b="1" sz="1400"/>
-            </a:pPr>
-            <a:r>
-              <a:t>Problem Statement:</a:t>
-            </a:r>
-          </a:p>
-          <a:p>
-            <a:pPr>
-              <a:spcBef>
-                <a:spcPts val="0"/>
-              </a:spcBef>
-              <a:spcAft>
-                <a:spcPts val="0"/>
-              </a:spcAft>
-              <a:defRPr b="0" sz="1200"/>
-            </a:pPr>
-            <a:r>
-              <a:t>The bank faced challenges with legacy systems that led to slow customer onboarding, fragmented customer experiences, and limited insights into customer behavior, affecting competitiveness in the rapidly evolving digital banking landscape</a:t>
-            </a:r>
-          </a:p>
-        </p:txBody>
-      </p:sp>
-      <p:sp>
-        <p:nvSpPr>
-          <p:cNvPr id="7" name="Rounded Rectangle 6"/>
-          <p:cNvSpPr/>
-          <p:nvPr/>
-        </p:nvSpPr>
-        <p:spPr>
-          <a:xfrm>
-            <a:off x="4572000" y="1371600"/>
-            <a:ext cx="3657600" cy="2148840"/>
-          </a:xfrm>
-          <a:prstGeom prst="roundRect">
-            <a:avLst/>
-          </a:prstGeom>
-          <a:solidFill>
-            <a:srgbClr val="FFC8C8"/>
-          </a:solidFill>
-          <a:ln>
-            <a:solidFill>
-              <a:srgbClr val="C8C8C8"/>
-            </a:solidFill>
-          </a:ln>
-        </p:spPr>
-        <p:style>
-          <a:lnRef idx="1">
-            <a:schemeClr val="accent1"/>
-          </a:lnRef>
-          <a:fillRef idx="3">
-            <a:schemeClr val="accent1"/>
-          </a:fillRef>
-          <a:effectRef idx="2">
-            <a:schemeClr val="accent1"/>
-          </a:effectRef>
-          <a:fontRef idx="minor">
-            <a:schemeClr val="lt1"/>
-          </a:fontRef>
-        </p:style>
-        <p:txBody>
-          <a:bodyPr rtlCol="0" anchor="ctr"/>
-          <a:lstStyle/>
-          <a:p>
-            <a:pPr algn="ctr"/>
-          </a:p>
-        </p:txBody>
-      </p:sp>
-      <p:sp>
-        <p:nvSpPr>
-          <p:cNvPr id="8" name="TextBox 7"/>
-          <p:cNvSpPr txBox="1"/>
-          <p:nvPr/>
-        </p:nvSpPr>
-        <p:spPr>
-          <a:xfrm>
-            <a:off x="4663440" y="1463040"/>
-            <a:ext cx="3474720" cy="1371600"/>
-          </a:xfrm>
-          <a:prstGeom prst="rect">
-            <a:avLst/>
-          </a:prstGeom>
-          <a:noFill/>
-        </p:spPr>
-        <p:txBody>
-          <a:bodyPr wrap="square" tIns="0" bIns="0" lIns="0" rIns="0">
-            <a:spAutoFit/>
-          </a:bodyPr>
-          <a:lstStyle/>
-          <a:p/>
-          <a:p>
-            <a:pPr>
-              <a:spcBef>
-                <a:spcPts val="0"/>
-              </a:spcBef>
-              <a:spcAft>
-                <a:spcPts val="200"/>
-              </a:spcAft>
-              <a:defRPr b="1" sz="1400"/>
-            </a:pPr>
-            <a:r>
-              <a:t>Business Value Delivered:</a:t>
-            </a:r>
-          </a:p>
-          <a:p>
-            <a:pPr>
-              <a:spcBef>
-                <a:spcPts val="0"/>
-              </a:spcBef>
-              <a:spcAft>
-                <a:spcPts val="0"/>
-              </a:spcAft>
-            </a:pPr>
-            <a:r>
-              <a:rPr sz="1200" b="0"/>
-              <a:t>The client achieved a </a:t>
-            </a:r>
-            <a:r>
-              <a:rPr b="1" sz="1400"/>
-              <a:t>40</a:t>
-            </a:r>
-            <a:r>
-              <a:rPr sz="1200" b="0"/>
-              <a:t>% reduction in customer onboarding time, a </a:t>
-            </a:r>
-            <a:r>
-              <a:rPr b="1" sz="1400"/>
-              <a:t>25</a:t>
-            </a:r>
-            <a:r>
-              <a:rPr sz="1200" b="0"/>
-              <a:t>% increase in digital engagement metrics, and significant improvements in operational cost efficiency. The modern platform enabled faster product launches and enhanced customer satisfaction scores.</a:t>
-            </a:r>
-          </a:p>
-        </p:txBody>
-      </p:sp>
-      <p:sp>
-        <p:nvSpPr>
-          <p:cNvPr id="9" name="Rounded Rectangle 8"/>
-          <p:cNvSpPr/>
-          <p:nvPr/>
-        </p:nvSpPr>
-        <p:spPr>
-          <a:xfrm>
-            <a:off x="457200" y="4069080"/>
-            <a:ext cx="8229600" cy="2148840"/>
-          </a:xfrm>
-          <a:prstGeom prst="roundRect">
-            <a:avLst/>
-          </a:prstGeom>
-          <a:solidFill>
-            <a:srgbClr val="DCDCDC"/>
-          </a:solidFill>
-          <a:ln>
-            <a:solidFill>
-              <a:srgbClr val="C8C8C8"/>
-            </a:solidFill>
-          </a:ln>
-        </p:spPr>
-        <p:style>
-          <a:lnRef idx="1">
-            <a:schemeClr val="accent1"/>
-          </a:lnRef>
-          <a:fillRef idx="3">
-            <a:schemeClr val="accent1"/>
-          </a:fillRef>
-          <a:effectRef idx="2">
-            <a:schemeClr val="accent1"/>
-          </a:effectRef>
-          <a:fontRef idx="minor">
-            <a:schemeClr val="lt1"/>
-          </a:fontRef>
-        </p:style>
-        <p:txBody>
-          <a:bodyPr rtlCol="0" anchor="ctr"/>
-          <a:lstStyle/>
-          <a:p>
-            <a:pPr algn="ctr"/>
-          </a:p>
-        </p:txBody>
-      </p:sp>
-      <p:sp>
-        <p:nvSpPr>
-          <p:cNvPr id="10" name="TextBox 9"/>
-          <p:cNvSpPr txBox="1"/>
-          <p:nvPr/>
-        </p:nvSpPr>
-        <p:spPr>
-          <a:xfrm>
-            <a:off x="548640" y="4160520"/>
-            <a:ext cx="8046720" cy="1371600"/>
-          </a:xfrm>
-          <a:prstGeom prst="rect">
-            <a:avLst/>
-          </a:prstGeom>
-          <a:noFill/>
-        </p:spPr>
-        <p:txBody>
-          <a:bodyPr wrap="square" tIns="0" bIns="0" lIns="0" rIns="0">
-            <a:spAutoFit/>
-          </a:bodyPr>
-          <a:lstStyle/>
-          <a:p/>
-          <a:p>
-            <a:pPr>
-              <a:spcBef>
-                <a:spcPts val="0"/>
-              </a:spcBef>
-              <a:spcAft>
-                <a:spcPts val="200"/>
-              </a:spcAft>
-              <a:defRPr b="1" sz="1400"/>
-            </a:pPr>
-            <a:r>
-              <a:t>Solution Provided:</a:t>
-            </a:r>
-          </a:p>
-          <a:p>
-            <a:pPr>
-              <a:spcBef>
-                <a:spcPts val="0"/>
-              </a:spcBef>
-              <a:spcAft>
-                <a:spcPts val="0"/>
-              </a:spcAft>
-              <a:defRPr b="0" sz="1200"/>
-            </a:pPr>
-            <a:r>
-              <a:t>We designed and implemented a unified digital banking platform integrated with AI-driven analytics, automated onboarding workflows, and personalized customer service solutions. Critical legacy systems were modernized and migrated to a scalable cloud infrastructure.</a:t>
-            </a:r>
-          </a:p>
-        </p:txBody>
-      </p:sp>
-      <p:sp>
-        <p:nvSpPr>
-          <p:cNvPr id="11" name="Rectangle 10"/>
-          <p:cNvSpPr/>
-          <p:nvPr/>
-        </p:nvSpPr>
-        <p:spPr>
-          <a:xfrm>
-            <a:off x="0" y="6400800"/>
-            <a:ext cx="9144000" cy="457200"/>
-          </a:xfrm>
-          <a:prstGeom prst="rect">
-            <a:avLst/>
-          </a:prstGeom>
-          <a:solidFill>
-            <a:srgbClr val="0066CC"/>
-          </a:solidFill>
-          <a:ln>
-            <a:noFill/>
-          </a:ln>
-        </p:spPr>
-        <p:style>
-          <a:lnRef idx="1">
-            <a:schemeClr val="accent1"/>
-          </a:lnRef>
-          <a:fillRef idx="3">
-            <a:schemeClr val="accent1"/>
-          </a:fillRef>
-          <a:effectRef idx="2">
-            <a:schemeClr val="accent1"/>
-          </a:effectRef>
-          <a:fontRef idx="minor">
-            <a:schemeClr val="lt1"/>
-          </a:fontRef>
-        </p:style>
-        <p:txBody>
-          <a:bodyPr rtlCol="0" anchor="ctr"/>
-          <a:lstStyle/>
-          <a:p>
-            <a:pPr algn="ctr"/>
-          </a:p>
-        </p:txBody>
-      </p:sp>
-      <p:sp>
-        <p:nvSpPr>
-          <p:cNvPr id="12" name="TextBox 11"/>
+          <p:cNvPr id="7" name="TextBox 6"/>
           <p:cNvSpPr txBox="1"/>
           <p:nvPr/>
         </p:nvSpPr>
@@ -3950,12 +3588,20 @@
         <p:nvPr/>
       </p:nvGrpSpPr>
       <p:grpSpPr/>
-      <p:sp>
-        <p:nvSpPr>
-          <p:cNvPr id="2" name="Rectangle 1"/>
-          <p:cNvSpPr/>
+      <p:pic>
+        <p:nvPicPr>
+          <p:cNvPr id="2" name="Picture 1" descr="image.jpg"/>
+          <p:cNvPicPr>
+            <a:picLocks noChangeAspect="1"/>
+          </p:cNvPicPr>
           <p:nvPr/>
-        </p:nvSpPr>
+        </p:nvPicPr>
+        <p:blipFill>
+          <a:blip r:embed="rId2"/>
+          <a:stretch>
+            <a:fillRect/>
+          </a:stretch>
+        </p:blipFill>
         <p:spPr>
           <a:xfrm>
             <a:off x="0" y="0"/>
@@ -3964,10 +3610,97 @@
           <a:prstGeom prst="rect">
             <a:avLst/>
           </a:prstGeom>
+        </p:spPr>
+      </p:pic>
+      <p:sp>
+        <p:nvSpPr>
+          <p:cNvPr id="3" name="TextBox 2"/>
+          <p:cNvSpPr txBox="1"/>
+          <p:nvPr/>
+        </p:nvSpPr>
+        <p:spPr>
+          <a:xfrm>
+            <a:off x="7315200" y="182880"/>
+            <a:ext cx="1645920" cy="457200"/>
+          </a:xfrm>
+          <a:prstGeom prst="rect">
+            <a:avLst/>
+          </a:prstGeom>
+          <a:noFill/>
+        </p:spPr>
+        <p:txBody>
+          <a:bodyPr wrap="none">
+            <a:spAutoFit/>
+          </a:bodyPr>
+          <a:lstStyle/>
+          <a:p/>
+          <a:p>
+            <a:pPr algn="r">
+              <a:defRPr b="1" sz="1400">
+                <a:solidFill>
+                  <a:srgbClr val="003366"/>
+                </a:solidFill>
+              </a:defRPr>
+            </a:pPr>
+            <a:r>
+              <a:t>@INFOSYS</a:t>
+            </a:r>
+          </a:p>
+        </p:txBody>
+      </p:sp>
+      <p:sp>
+        <p:nvSpPr>
+          <p:cNvPr id="4" name="TextBox 3"/>
+          <p:cNvSpPr txBox="1"/>
+          <p:nvPr/>
+        </p:nvSpPr>
+        <p:spPr>
+          <a:xfrm>
+            <a:off x="457200" y="274320"/>
+            <a:ext cx="8229600" cy="914400"/>
+          </a:xfrm>
+          <a:prstGeom prst="rect">
+            <a:avLst/>
+          </a:prstGeom>
+          <a:noFill/>
+        </p:spPr>
+        <p:txBody>
+          <a:bodyPr wrap="none">
+            <a:spAutoFit/>
+          </a:bodyPr>
+          <a:lstStyle/>
+          <a:p>
+            <a:pPr>
+              <a:defRPr sz="2800" b="1"/>
+            </a:pPr>
+            <a:r>
+              <a:t>Client Challenge, Solution, and Impact</a:t>
+            </a:r>
+          </a:p>
+        </p:txBody>
+      </p:sp>
+      <p:sp>
+        <p:nvSpPr>
+          <p:cNvPr id="5" name="Rounded Rectangle 4"/>
+          <p:cNvSpPr/>
+          <p:nvPr/>
+        </p:nvSpPr>
+        <p:spPr>
+          <a:xfrm>
+            <a:off x="457200" y="1371600"/>
+            <a:ext cx="3657600" cy="1965960"/>
+          </a:xfrm>
+          <a:prstGeom prst="roundRect">
+            <a:avLst/>
+          </a:prstGeom>
           <a:solidFill>
-            <a:srgbClr val="ADD8E6"/>
+            <a:srgbClr val="DCDCDC"/>
           </a:solidFill>
-          <a:ln/>
+          <a:ln>
+            <a:solidFill>
+              <a:srgbClr val="C8C8C8"/>
+            </a:solidFill>
+          </a:ln>
         </p:spPr>
         <p:style>
           <a:lnRef idx="1">
@@ -3993,14 +3726,14 @@
       </p:sp>
       <p:sp>
         <p:nvSpPr>
-          <p:cNvPr id="3" name="TextBox 2"/>
+          <p:cNvPr id="6" name="TextBox 5"/>
           <p:cNvSpPr txBox="1"/>
           <p:nvPr/>
         </p:nvSpPr>
         <p:spPr>
           <a:xfrm>
-            <a:off x="7315200" y="182880"/>
-            <a:ext cx="1645920" cy="457200"/>
+            <a:off x="548640" y="1463040"/>
+            <a:ext cx="3474720" cy="1371600"/>
           </a:xfrm>
           <a:prstGeom prst="rect">
             <a:avLst/>
@@ -4008,165 +3741,62 @@
           <a:noFill/>
         </p:spPr>
         <p:txBody>
-          <a:bodyPr wrap="none">
+          <a:bodyPr wrap="square" tIns="0" bIns="0" lIns="0" rIns="0">
             <a:spAutoFit/>
           </a:bodyPr>
           <a:lstStyle/>
           <a:p/>
           <a:p>
-            <a:pPr algn="r">
-              <a:defRPr b="1" sz="1400">
-                <a:solidFill>
-                  <a:srgbClr val="003366"/>
-                </a:solidFill>
-              </a:defRPr>
+            <a:pPr>
+              <a:spcBef>
+                <a:spcPts val="0"/>
+              </a:spcBef>
+              <a:spcAft>
+                <a:spcPts val="200"/>
+              </a:spcAft>
+              <a:defRPr b="1" sz="1400"/>
             </a:pPr>
             <a:r>
-              <a:t>@INFOSYS</a:t>
-            </a:r>
-          </a:p>
-        </p:txBody>
-      </p:sp>
-      <p:sp>
-        <p:nvSpPr>
-          <p:cNvPr id="4" name="TextBox 3"/>
-          <p:cNvSpPr txBox="1"/>
-          <p:nvPr/>
-        </p:nvSpPr>
-        <p:spPr>
-          <a:xfrm>
-            <a:off x="457200" y="457200"/>
-            <a:ext cx="8229600" cy="914400"/>
-          </a:xfrm>
-          <a:prstGeom prst="rect">
-            <a:avLst/>
-          </a:prstGeom>
-          <a:noFill/>
-        </p:spPr>
-        <p:txBody>
-          <a:bodyPr wrap="none">
-            <a:spAutoFit/>
-          </a:bodyPr>
-          <a:lstStyle/>
-          <a:p/>
-          <a:p>
-            <a:pPr algn="ctr">
-              <a:defRPr sz="3200" b="1"/>
+              <a:t>Problem Statement:</a:t>
+            </a:r>
+          </a:p>
+          <a:p>
+            <a:pPr>
+              <a:spcBef>
+                <a:spcPts val="0"/>
+              </a:spcBef>
+              <a:spcAft>
+                <a:spcPts val="0"/>
+              </a:spcAft>
+              <a:defRPr b="0" sz="1200"/>
             </a:pPr>
             <a:r>
-              <a:t>Platforms and coes</a:t>
-            </a:r>
-          </a:p>
-        </p:txBody>
-      </p:sp>
-      <p:sp>
-        <p:nvSpPr>
-          <p:cNvPr id="5" name="TextBox 4"/>
-          <p:cNvSpPr txBox="1"/>
-          <p:nvPr/>
-        </p:nvSpPr>
-        <p:spPr>
-          <a:xfrm>
-            <a:off x="457200" y="1371600"/>
-            <a:ext cx="8229600" cy="914400"/>
-          </a:xfrm>
-          <a:prstGeom prst="rect">
-            <a:avLst/>
-          </a:prstGeom>
-          <a:noFill/>
-        </p:spPr>
-        <p:txBody>
-          <a:bodyPr wrap="square" lIns="0" rIns="0" tIns="0" bIns="0">
-            <a:spAutoFit/>
-          </a:bodyPr>
-          <a:lstStyle/>
-          <a:p/>
-          <a:p>
-            <a:pPr>
-              <a:defRPr b="1" sz="2000"/>
-            </a:pPr>
-            <a:r>
-              <a:t>Platforms / Accelerators / Assets Used</a:t>
-            </a:r>
-          </a:p>
-          <a:p>
-            <a:pPr>
-              <a:defRPr sz="1200"/>
-            </a:pPr>
-            <a:r>
-              <a:t>Digital Experience Platform (DXP) Accelerator,Cloud Migration Toolkit,AI-Based Customer Analytics Framework,Automated Workflow Engine</a:t>
-            </a:r>
-          </a:p>
-        </p:txBody>
-      </p:sp>
-      <p:sp>
-        <p:nvSpPr>
-          <p:cNvPr id="6" name="TextBox 5"/>
-          <p:cNvSpPr txBox="1"/>
-          <p:nvPr/>
-        </p:nvSpPr>
-        <p:spPr>
-          <a:xfrm>
-            <a:off x="457200" y="2468880"/>
-            <a:ext cx="8229600" cy="914400"/>
-          </a:xfrm>
-          <a:prstGeom prst="rect">
-            <a:avLst/>
-          </a:prstGeom>
-          <a:noFill/>
-        </p:spPr>
-        <p:txBody>
-          <a:bodyPr wrap="square" lIns="0" rIns="0" tIns="0" bIns="0">
-            <a:spAutoFit/>
-          </a:bodyPr>
-          <a:lstStyle/>
-          <a:p/>
-          <a:p>
-            <a:pPr>
-              <a:defRPr b="1" sz="2000"/>
-            </a:pPr>
-            <a:r>
-              <a:t>COE</a:t>
-            </a:r>
-          </a:p>
-          <a:p>
-            <a:r>
-              <a:t>COE</a:t>
-            </a:r>
-          </a:p>
-          <a:p>
-            <a:pPr lvl="1"/>
-            <a:r>
-              <a:t>• Cobalt</a:t>
-            </a:r>
-          </a:p>
-          <a:p>
-            <a:pPr lvl="1"/>
-            <a:r>
-              <a:t>• Topaz</a:t>
-            </a:r>
-          </a:p>
-        </p:txBody>
-      </p:sp>
-      <p:sp>
-        <p:nvSpPr>
-          <p:cNvPr id="7" name="Rectangle 6"/>
+              <a:t>The bank faced challenges with legacy systems that led to slow customer onboarding, fragmented customer experiences, and limited insights into customer behavior, affecting competitiveness in the rapidly evolving digital banking landscape</a:t>
+            </a:r>
+          </a:p>
+        </p:txBody>
+      </p:sp>
+      <p:sp>
+        <p:nvSpPr>
+          <p:cNvPr id="7" name="Rounded Rectangle 6"/>
           <p:cNvSpPr/>
           <p:nvPr/>
         </p:nvSpPr>
         <p:spPr>
           <a:xfrm>
-            <a:off x="0" y="6400800"/>
-            <a:ext cx="9144000" cy="457200"/>
-          </a:xfrm>
-          <a:prstGeom prst="rect">
+            <a:off x="4572000" y="1371600"/>
+            <a:ext cx="3657600" cy="2148840"/>
+          </a:xfrm>
+          <a:prstGeom prst="roundRect">
             <a:avLst/>
           </a:prstGeom>
           <a:solidFill>
-            <a:srgbClr val="0066CC"/>
+            <a:srgbClr val="FFC8C8"/>
           </a:solidFill>
           <a:ln>
-            <a:noFill/>
+            <a:solidFill>
+              <a:srgbClr val="C8C8C8"/>
+            </a:solidFill>
           </a:ln>
         </p:spPr>
         <p:style>
@@ -4194,6 +3824,649 @@
       <p:sp>
         <p:nvSpPr>
           <p:cNvPr id="8" name="TextBox 7"/>
+          <p:cNvSpPr txBox="1"/>
+          <p:nvPr/>
+        </p:nvSpPr>
+        <p:spPr>
+          <a:xfrm>
+            <a:off x="4663440" y="1463040"/>
+            <a:ext cx="3474720" cy="1371600"/>
+          </a:xfrm>
+          <a:prstGeom prst="rect">
+            <a:avLst/>
+          </a:prstGeom>
+          <a:noFill/>
+        </p:spPr>
+        <p:txBody>
+          <a:bodyPr wrap="square" tIns="0" bIns="0" lIns="0" rIns="0">
+            <a:spAutoFit/>
+          </a:bodyPr>
+          <a:lstStyle/>
+          <a:p/>
+          <a:p>
+            <a:pPr>
+              <a:spcBef>
+                <a:spcPts val="0"/>
+              </a:spcBef>
+              <a:spcAft>
+                <a:spcPts val="200"/>
+              </a:spcAft>
+              <a:defRPr b="1" sz="1400"/>
+            </a:pPr>
+            <a:r>
+              <a:t>Business Value Delivered:</a:t>
+            </a:r>
+          </a:p>
+          <a:p>
+            <a:pPr>
+              <a:spcBef>
+                <a:spcPts val="0"/>
+              </a:spcBef>
+              <a:spcAft>
+                <a:spcPts val="0"/>
+              </a:spcAft>
+            </a:pPr>
+            <a:r>
+              <a:rPr sz="1200" b="0"/>
+              <a:t>The client achieved a </a:t>
+            </a:r>
+            <a:r>
+              <a:rPr b="1" sz="1400"/>
+              <a:t>40</a:t>
+            </a:r>
+            <a:r>
+              <a:rPr sz="1200" b="0"/>
+              <a:t>% reduction in customer onboarding time, a </a:t>
+            </a:r>
+            <a:r>
+              <a:rPr b="1" sz="1400"/>
+              <a:t>25</a:t>
+            </a:r>
+            <a:r>
+              <a:rPr sz="1200" b="0"/>
+              <a:t>% increase in digital engagement metrics, and significant improvements in operational cost efficiency. The modern platform enabled faster product launches and enhanced customer satisfaction scores.</a:t>
+            </a:r>
+          </a:p>
+        </p:txBody>
+      </p:sp>
+      <p:sp>
+        <p:nvSpPr>
+          <p:cNvPr id="9" name="Rounded Rectangle 8"/>
+          <p:cNvSpPr/>
+          <p:nvPr/>
+        </p:nvSpPr>
+        <p:spPr>
+          <a:xfrm>
+            <a:off x="457200" y="4069080"/>
+            <a:ext cx="8229600" cy="2148840"/>
+          </a:xfrm>
+          <a:prstGeom prst="roundRect">
+            <a:avLst/>
+          </a:prstGeom>
+          <a:solidFill>
+            <a:srgbClr val="DCDCDC"/>
+          </a:solidFill>
+          <a:ln>
+            <a:solidFill>
+              <a:srgbClr val="C8C8C8"/>
+            </a:solidFill>
+          </a:ln>
+        </p:spPr>
+        <p:style>
+          <a:lnRef idx="1">
+            <a:schemeClr val="accent1"/>
+          </a:lnRef>
+          <a:fillRef idx="3">
+            <a:schemeClr val="accent1"/>
+          </a:fillRef>
+          <a:effectRef idx="2">
+            <a:schemeClr val="accent1"/>
+          </a:effectRef>
+          <a:fontRef idx="minor">
+            <a:schemeClr val="lt1"/>
+          </a:fontRef>
+        </p:style>
+        <p:txBody>
+          <a:bodyPr rtlCol="0" anchor="ctr"/>
+          <a:lstStyle/>
+          <a:p>
+            <a:pPr algn="ctr"/>
+          </a:p>
+        </p:txBody>
+      </p:sp>
+      <p:sp>
+        <p:nvSpPr>
+          <p:cNvPr id="10" name="TextBox 9"/>
+          <p:cNvSpPr txBox="1"/>
+          <p:nvPr/>
+        </p:nvSpPr>
+        <p:spPr>
+          <a:xfrm>
+            <a:off x="548640" y="4160520"/>
+            <a:ext cx="8046720" cy="1371600"/>
+          </a:xfrm>
+          <a:prstGeom prst="rect">
+            <a:avLst/>
+          </a:prstGeom>
+          <a:noFill/>
+        </p:spPr>
+        <p:txBody>
+          <a:bodyPr wrap="square" tIns="0" bIns="0" lIns="0" rIns="0">
+            <a:spAutoFit/>
+          </a:bodyPr>
+          <a:lstStyle/>
+          <a:p/>
+          <a:p>
+            <a:pPr>
+              <a:spcBef>
+                <a:spcPts val="0"/>
+              </a:spcBef>
+              <a:spcAft>
+                <a:spcPts val="200"/>
+              </a:spcAft>
+              <a:defRPr b="1" sz="1400"/>
+            </a:pPr>
+            <a:r>
+              <a:t>Solution Provided:</a:t>
+            </a:r>
+          </a:p>
+          <a:p>
+            <a:pPr>
+              <a:spcBef>
+                <a:spcPts val="0"/>
+              </a:spcBef>
+              <a:spcAft>
+                <a:spcPts val="0"/>
+              </a:spcAft>
+              <a:defRPr b="0" sz="1200"/>
+            </a:pPr>
+            <a:r>
+              <a:t>We designed and implemented a unified digital banking platform integrated with AI-driven analytics, automated onboarding workflows, and personalized customer service solutions. Critical legacy systems were modernized and migrated to a scalable cloud infrastructure.</a:t>
+            </a:r>
+          </a:p>
+        </p:txBody>
+      </p:sp>
+    </p:spTree>
+  </p:cSld>
+  <p:clrMapOvr>
+    <a:masterClrMapping/>
+  </p:clrMapOvr>
+</p:sld>
+</file>
+
+<file path=ppt/slides/slide4.xml><?xml version="1.0" encoding="utf-8"?>
+<p:sld xmlns:a="http://schemas.openxmlformats.org/drawingml/2006/main" xmlns:p="http://schemas.openxmlformats.org/presentationml/2006/main" xmlns:r="http://schemas.openxmlformats.org/officeDocument/2006/relationships">
+  <p:cSld>
+    <p:spTree>
+      <p:nvGrpSpPr>
+        <p:cNvPr id="1" name=""/>
+        <p:cNvGrpSpPr/>
+        <p:nvPr/>
+      </p:nvGrpSpPr>
+      <p:grpSpPr/>
+      <p:pic>
+        <p:nvPicPr>
+          <p:cNvPr id="2" name="Picture 1" descr="image.jpg"/>
+          <p:cNvPicPr>
+            <a:picLocks noChangeAspect="1"/>
+          </p:cNvPicPr>
+          <p:nvPr/>
+        </p:nvPicPr>
+        <p:blipFill>
+          <a:blip r:embed="rId2"/>
+          <a:stretch>
+            <a:fillRect/>
+          </a:stretch>
+        </p:blipFill>
+        <p:spPr>
+          <a:xfrm>
+            <a:off x="0" y="0"/>
+            <a:ext cx="9144000" cy="1280160"/>
+          </a:xfrm>
+          <a:prstGeom prst="rect">
+            <a:avLst/>
+          </a:prstGeom>
+        </p:spPr>
+      </p:pic>
+      <p:sp>
+        <p:nvSpPr>
+          <p:cNvPr id="3" name="TextBox 2"/>
+          <p:cNvSpPr txBox="1"/>
+          <p:nvPr/>
+        </p:nvSpPr>
+        <p:spPr>
+          <a:xfrm>
+            <a:off x="7315200" y="182880"/>
+            <a:ext cx="1645920" cy="457200"/>
+          </a:xfrm>
+          <a:prstGeom prst="rect">
+            <a:avLst/>
+          </a:prstGeom>
+          <a:noFill/>
+        </p:spPr>
+        <p:txBody>
+          <a:bodyPr wrap="none">
+            <a:spAutoFit/>
+          </a:bodyPr>
+          <a:lstStyle/>
+          <a:p/>
+          <a:p>
+            <a:pPr algn="r">
+              <a:defRPr b="1" sz="1400">
+                <a:solidFill>
+                  <a:srgbClr val="003366"/>
+                </a:solidFill>
+              </a:defRPr>
+            </a:pPr>
+            <a:r>
+              <a:t>@INFOSYS</a:t>
+            </a:r>
+          </a:p>
+        </p:txBody>
+      </p:sp>
+      <p:sp>
+        <p:nvSpPr>
+          <p:cNvPr id="4" name="TextBox 3"/>
+          <p:cNvSpPr txBox="1"/>
+          <p:nvPr/>
+        </p:nvSpPr>
+        <p:spPr>
+          <a:xfrm>
+            <a:off x="457200" y="274320"/>
+            <a:ext cx="8229600" cy="914400"/>
+          </a:xfrm>
+          <a:prstGeom prst="rect">
+            <a:avLst/>
+          </a:prstGeom>
+          <a:noFill/>
+        </p:spPr>
+        <p:txBody>
+          <a:bodyPr wrap="none">
+            <a:spAutoFit/>
+          </a:bodyPr>
+          <a:lstStyle/>
+          <a:p>
+            <a:pPr>
+              <a:defRPr sz="2800" b="1"/>
+            </a:pPr>
+            <a:r>
+              <a:t>Client Challenge, Solution, and Impact (Continued)</a:t>
+            </a:r>
+          </a:p>
+        </p:txBody>
+      </p:sp>
+      <p:sp>
+        <p:nvSpPr>
+          <p:cNvPr id="5" name="Rounded Rectangle 4"/>
+          <p:cNvSpPr/>
+          <p:nvPr/>
+        </p:nvSpPr>
+        <p:spPr>
+          <a:xfrm>
+            <a:off x="457200" y="1371600"/>
+            <a:ext cx="8229600" cy="2148840"/>
+          </a:xfrm>
+          <a:prstGeom prst="roundRect">
+            <a:avLst/>
+          </a:prstGeom>
+          <a:solidFill>
+            <a:srgbClr val="DCDCDC"/>
+          </a:solidFill>
+          <a:ln>
+            <a:solidFill>
+              <a:srgbClr val="C8C8C8"/>
+            </a:solidFill>
+          </a:ln>
+        </p:spPr>
+        <p:style>
+          <a:lnRef idx="1">
+            <a:schemeClr val="accent1"/>
+          </a:lnRef>
+          <a:fillRef idx="3">
+            <a:schemeClr val="accent1"/>
+          </a:fillRef>
+          <a:effectRef idx="2">
+            <a:schemeClr val="accent1"/>
+          </a:effectRef>
+          <a:fontRef idx="minor">
+            <a:schemeClr val="lt1"/>
+          </a:fontRef>
+        </p:style>
+        <p:txBody>
+          <a:bodyPr rtlCol="0" anchor="ctr"/>
+          <a:lstStyle/>
+          <a:p>
+            <a:pPr algn="ctr"/>
+          </a:p>
+        </p:txBody>
+      </p:sp>
+      <p:sp>
+        <p:nvSpPr>
+          <p:cNvPr id="6" name="TextBox 5"/>
+          <p:cNvSpPr txBox="1"/>
+          <p:nvPr/>
+        </p:nvSpPr>
+        <p:spPr>
+          <a:xfrm>
+            <a:off x="548640" y="1463040"/>
+            <a:ext cx="8046720" cy="1371600"/>
+          </a:xfrm>
+          <a:prstGeom prst="rect">
+            <a:avLst/>
+          </a:prstGeom>
+          <a:noFill/>
+        </p:spPr>
+        <p:txBody>
+          <a:bodyPr wrap="square" tIns="0" bIns="0" lIns="0" rIns="0">
+            <a:spAutoFit/>
+          </a:bodyPr>
+          <a:lstStyle/>
+          <a:p/>
+          <a:p>
+            <a:pPr>
+              <a:spcBef>
+                <a:spcPts val="0"/>
+              </a:spcBef>
+              <a:spcAft>
+                <a:spcPts val="200"/>
+              </a:spcAft>
+              <a:defRPr b="1" sz="1400"/>
+            </a:pPr>
+            <a:r>
+              <a:t>Solution Provided:</a:t>
+            </a:r>
+          </a:p>
+          <a:p>
+            <a:pPr>
+              <a:spcBef>
+                <a:spcPts val="0"/>
+              </a:spcBef>
+              <a:spcAft>
+                <a:spcPts val="0"/>
+              </a:spcAft>
+              <a:defRPr b="0" sz="1200"/>
+            </a:pPr>
+            <a:r>
+              <a:t>We designed and implemented a unified digital banking platform integrated with AI-driven analytics, automated onboarding workflows, and personalized customer service solutions. Critical legacy systems were modernized and migrated to a scalable cloud infrastructure.</a:t>
+            </a:r>
+          </a:p>
+        </p:txBody>
+      </p:sp>
+      <p:sp>
+        <p:nvSpPr>
+          <p:cNvPr id="7" name="Rectangle 6"/>
+          <p:cNvSpPr/>
+          <p:nvPr/>
+        </p:nvSpPr>
+        <p:spPr>
+          <a:xfrm>
+            <a:off x="0" y="6400800"/>
+            <a:ext cx="9144000" cy="457200"/>
+          </a:xfrm>
+          <a:prstGeom prst="rect">
+            <a:avLst/>
+          </a:prstGeom>
+          <a:solidFill>
+            <a:srgbClr val="0066CC"/>
+          </a:solidFill>
+          <a:ln>
+            <a:noFill/>
+          </a:ln>
+        </p:spPr>
+        <p:style>
+          <a:lnRef idx="1">
+            <a:schemeClr val="accent1"/>
+          </a:lnRef>
+          <a:fillRef idx="3">
+            <a:schemeClr val="accent1"/>
+          </a:fillRef>
+          <a:effectRef idx="2">
+            <a:schemeClr val="accent1"/>
+          </a:effectRef>
+          <a:fontRef idx="minor">
+            <a:schemeClr val="lt1"/>
+          </a:fontRef>
+        </p:style>
+        <p:txBody>
+          <a:bodyPr rtlCol="0" anchor="ctr"/>
+          <a:lstStyle/>
+          <a:p>
+            <a:pPr algn="ctr"/>
+          </a:p>
+        </p:txBody>
+      </p:sp>
+      <p:sp>
+        <p:nvSpPr>
+          <p:cNvPr id="8" name="TextBox 7"/>
+          <p:cNvSpPr txBox="1"/>
+          <p:nvPr/>
+        </p:nvSpPr>
+        <p:spPr>
+          <a:xfrm>
+            <a:off x="457200" y="6492240"/>
+            <a:ext cx="8229600" cy="274320"/>
+          </a:xfrm>
+          <a:prstGeom prst="rect">
+            <a:avLst/>
+          </a:prstGeom>
+          <a:noFill/>
+        </p:spPr>
+        <p:txBody>
+          <a:bodyPr wrap="none">
+            <a:spAutoFit/>
+          </a:bodyPr>
+          <a:lstStyle/>
+          <a:p>
+            <a:pPr algn="r">
+              <a:defRPr sz="1200">
+                <a:solidFill>
+                  <a:srgbClr val="FFFFFF"/>
+                </a:solidFill>
+              </a:defRPr>
+            </a:pPr>
+            <a:r>
+              <a:t>@surveys</a:t>
+            </a:r>
+          </a:p>
+        </p:txBody>
+      </p:sp>
+    </p:spTree>
+  </p:cSld>
+  <p:clrMapOvr>
+    <a:masterClrMapping/>
+  </p:clrMapOvr>
+</p:sld>
+</file>
+
+<file path=ppt/slides/slide5.xml><?xml version="1.0" encoding="utf-8"?>
+<p:sld xmlns:a="http://schemas.openxmlformats.org/drawingml/2006/main" xmlns:p="http://schemas.openxmlformats.org/presentationml/2006/main" xmlns:r="http://schemas.openxmlformats.org/officeDocument/2006/relationships">
+  <p:cSld>
+    <p:spTree>
+      <p:nvGrpSpPr>
+        <p:cNvPr id="1" name=""/>
+        <p:cNvGrpSpPr/>
+        <p:nvPr/>
+      </p:nvGrpSpPr>
+      <p:grpSpPr/>
+      <p:pic>
+        <p:nvPicPr>
+          <p:cNvPr id="2" name="Picture 1" descr="image.jpg"/>
+          <p:cNvPicPr>
+            <a:picLocks noChangeAspect="1"/>
+          </p:cNvPicPr>
+          <p:nvPr/>
+        </p:nvPicPr>
+        <p:blipFill>
+          <a:blip r:embed="rId2"/>
+          <a:stretch>
+            <a:fillRect/>
+          </a:stretch>
+        </p:blipFill>
+        <p:spPr>
+          <a:xfrm>
+            <a:off x="0" y="0"/>
+            <a:ext cx="9144000" cy="1280160"/>
+          </a:xfrm>
+          <a:prstGeom prst="rect">
+            <a:avLst/>
+          </a:prstGeom>
+        </p:spPr>
+      </p:pic>
+      <p:sp>
+        <p:nvSpPr>
+          <p:cNvPr id="3" name="TextBox 2"/>
+          <p:cNvSpPr txBox="1"/>
+          <p:nvPr/>
+        </p:nvSpPr>
+        <p:spPr>
+          <a:xfrm>
+            <a:off x="7315200" y="182880"/>
+            <a:ext cx="1645920" cy="457200"/>
+          </a:xfrm>
+          <a:prstGeom prst="rect">
+            <a:avLst/>
+          </a:prstGeom>
+          <a:noFill/>
+        </p:spPr>
+        <p:txBody>
+          <a:bodyPr wrap="none">
+            <a:spAutoFit/>
+          </a:bodyPr>
+          <a:lstStyle/>
+          <a:p/>
+          <a:p>
+            <a:pPr algn="r">
+              <a:defRPr b="1" sz="1400">
+                <a:solidFill>
+                  <a:srgbClr val="003366"/>
+                </a:solidFill>
+              </a:defRPr>
+            </a:pPr>
+            <a:r>
+              <a:t>@INFOSYS</a:t>
+            </a:r>
+          </a:p>
+        </p:txBody>
+      </p:sp>
+      <p:sp>
+        <p:nvSpPr>
+          <p:cNvPr id="4" name="Rectangle 3"/>
+          <p:cNvSpPr/>
+          <p:nvPr/>
+        </p:nvSpPr>
+        <p:spPr>
+          <a:xfrm>
+            <a:off x="0" y="0"/>
+            <a:ext cx="9144000" cy="6858000"/>
+          </a:xfrm>
+          <a:prstGeom prst="rect">
+            <a:avLst/>
+          </a:prstGeom>
+          <a:solidFill>
+            <a:srgbClr val="C8C8FF"/>
+          </a:solidFill>
+          <a:ln/>
+        </p:spPr>
+        <p:style>
+          <a:lnRef idx="1">
+            <a:schemeClr val="accent1"/>
+          </a:lnRef>
+          <a:fillRef idx="3">
+            <a:schemeClr val="accent1"/>
+          </a:fillRef>
+          <a:effectRef idx="2">
+            <a:schemeClr val="accent1"/>
+          </a:effectRef>
+          <a:fontRef idx="minor">
+            <a:schemeClr val="lt1"/>
+          </a:fontRef>
+        </p:style>
+        <p:txBody>
+          <a:bodyPr rtlCol="0" anchor="ctr"/>
+          <a:lstStyle/>
+          <a:p>
+            <a:pPr algn="ctr"/>
+          </a:p>
+        </p:txBody>
+      </p:sp>
+      <p:sp>
+        <p:nvSpPr>
+          <p:cNvPr id="5" name="TextBox 4"/>
+          <p:cNvSpPr txBox="1"/>
+          <p:nvPr/>
+        </p:nvSpPr>
+        <p:spPr>
+          <a:xfrm>
+            <a:off x="457200" y="457200"/>
+            <a:ext cx="8229600" cy="914400"/>
+          </a:xfrm>
+          <a:prstGeom prst="rect">
+            <a:avLst/>
+          </a:prstGeom>
+          <a:noFill/>
+        </p:spPr>
+        <p:txBody>
+          <a:bodyPr wrap="none">
+            <a:spAutoFit/>
+          </a:bodyPr>
+          <a:lstStyle/>
+          <a:p/>
+          <a:p>
+            <a:pPr algn="ctr">
+              <a:defRPr sz="3200" b="1"/>
+            </a:pPr>
+            <a:r>
+              <a:t>Platforms and coes</a:t>
+            </a:r>
+          </a:p>
+        </p:txBody>
+      </p:sp>
+      <p:sp>
+        <p:nvSpPr>
+          <p:cNvPr id="6" name="Rectangle 5"/>
+          <p:cNvSpPr/>
+          <p:nvPr/>
+        </p:nvSpPr>
+        <p:spPr>
+          <a:xfrm>
+            <a:off x="0" y="6400800"/>
+            <a:ext cx="9144000" cy="457200"/>
+          </a:xfrm>
+          <a:prstGeom prst="rect">
+            <a:avLst/>
+          </a:prstGeom>
+          <a:solidFill>
+            <a:srgbClr val="0066CC"/>
+          </a:solidFill>
+          <a:ln>
+            <a:noFill/>
+          </a:ln>
+        </p:spPr>
+        <p:style>
+          <a:lnRef idx="1">
+            <a:schemeClr val="accent1"/>
+          </a:lnRef>
+          <a:fillRef idx="3">
+            <a:schemeClr val="accent1"/>
+          </a:fillRef>
+          <a:effectRef idx="2">
+            <a:schemeClr val="accent1"/>
+          </a:effectRef>
+          <a:fontRef idx="minor">
+            <a:schemeClr val="lt1"/>
+          </a:fontRef>
+        </p:style>
+        <p:txBody>
+          <a:bodyPr rtlCol="0" anchor="ctr"/>
+          <a:lstStyle/>
+          <a:p>
+            <a:pPr algn="ctr"/>
+          </a:p>
+        </p:txBody>
+      </p:sp>
+      <p:sp>
+        <p:nvSpPr>
+          <p:cNvPr id="7" name="TextBox 6"/>
           <p:cNvSpPr txBox="1"/>
           <p:nvPr/>
         </p:nvSpPr>
